--- a/答辩.pptx
+++ b/答辩.pptx
@@ -30,6 +30,8 @@
     <p:sldId id="279" r:id="rId24"/>
     <p:sldId id="280" r:id="rId25"/>
     <p:sldId id="281" r:id="rId26"/>
+    <p:sldId id="282" r:id="rId27"/>
+    <p:sldId id="283" r:id="rId28"/>
   </p:sldIdLst>
   <p:sldSz cx="12192000" cy="6858000"/>
   <p:notesSz cx="6858000" cy="9144000"/>
@@ -283,7 +285,7 @@
           <a:p>
             <a:fld id="{1443E314-50F2-4479-BEDD-308E72A7783D}" type="datetimeFigureOut">
               <a:rPr lang="zh-CN" altLang="en-US" smtClean="0"/>
-              <a:t>2022/5/12</a:t>
+              <a:t>2022/5/16</a:t>
             </a:fld>
             <a:endParaRPr lang="zh-CN" altLang="en-US"/>
           </a:p>
@@ -481,7 +483,7 @@
           <a:p>
             <a:fld id="{1443E314-50F2-4479-BEDD-308E72A7783D}" type="datetimeFigureOut">
               <a:rPr lang="zh-CN" altLang="en-US" smtClean="0"/>
-              <a:t>2022/5/12</a:t>
+              <a:t>2022/5/16</a:t>
             </a:fld>
             <a:endParaRPr lang="zh-CN" altLang="en-US"/>
           </a:p>
@@ -689,7 +691,7 @@
           <a:p>
             <a:fld id="{1443E314-50F2-4479-BEDD-308E72A7783D}" type="datetimeFigureOut">
               <a:rPr lang="zh-CN" altLang="en-US" smtClean="0"/>
-              <a:t>2022/5/12</a:t>
+              <a:t>2022/5/16</a:t>
             </a:fld>
             <a:endParaRPr lang="zh-CN" altLang="en-US"/>
           </a:p>
@@ -887,7 +889,7 @@
           <a:p>
             <a:fld id="{1443E314-50F2-4479-BEDD-308E72A7783D}" type="datetimeFigureOut">
               <a:rPr lang="zh-CN" altLang="en-US" smtClean="0"/>
-              <a:t>2022/5/12</a:t>
+              <a:t>2022/5/16</a:t>
             </a:fld>
             <a:endParaRPr lang="zh-CN" altLang="en-US"/>
           </a:p>
@@ -1162,7 +1164,7 @@
           <a:p>
             <a:fld id="{1443E314-50F2-4479-BEDD-308E72A7783D}" type="datetimeFigureOut">
               <a:rPr lang="zh-CN" altLang="en-US" smtClean="0"/>
-              <a:t>2022/5/12</a:t>
+              <a:t>2022/5/16</a:t>
             </a:fld>
             <a:endParaRPr lang="zh-CN" altLang="en-US"/>
           </a:p>
@@ -1427,7 +1429,7 @@
           <a:p>
             <a:fld id="{1443E314-50F2-4479-BEDD-308E72A7783D}" type="datetimeFigureOut">
               <a:rPr lang="zh-CN" altLang="en-US" smtClean="0"/>
-              <a:t>2022/5/12</a:t>
+              <a:t>2022/5/16</a:t>
             </a:fld>
             <a:endParaRPr lang="zh-CN" altLang="en-US"/>
           </a:p>
@@ -1839,7 +1841,7 @@
           <a:p>
             <a:fld id="{1443E314-50F2-4479-BEDD-308E72A7783D}" type="datetimeFigureOut">
               <a:rPr lang="zh-CN" altLang="en-US" smtClean="0"/>
-              <a:t>2022/5/12</a:t>
+              <a:t>2022/5/16</a:t>
             </a:fld>
             <a:endParaRPr lang="zh-CN" altLang="en-US"/>
           </a:p>
@@ -1980,7 +1982,7 @@
           <a:p>
             <a:fld id="{1443E314-50F2-4479-BEDD-308E72A7783D}" type="datetimeFigureOut">
               <a:rPr lang="zh-CN" altLang="en-US" smtClean="0"/>
-              <a:t>2022/5/12</a:t>
+              <a:t>2022/5/16</a:t>
             </a:fld>
             <a:endParaRPr lang="zh-CN" altLang="en-US"/>
           </a:p>
@@ -2093,7 +2095,7 @@
           <a:p>
             <a:fld id="{1443E314-50F2-4479-BEDD-308E72A7783D}" type="datetimeFigureOut">
               <a:rPr lang="zh-CN" altLang="en-US" smtClean="0"/>
-              <a:t>2022/5/12</a:t>
+              <a:t>2022/5/16</a:t>
             </a:fld>
             <a:endParaRPr lang="zh-CN" altLang="en-US"/>
           </a:p>
@@ -2404,7 +2406,7 @@
           <a:p>
             <a:fld id="{1443E314-50F2-4479-BEDD-308E72A7783D}" type="datetimeFigureOut">
               <a:rPr lang="zh-CN" altLang="en-US" smtClean="0"/>
-              <a:t>2022/5/12</a:t>
+              <a:t>2022/5/16</a:t>
             </a:fld>
             <a:endParaRPr lang="zh-CN" altLang="en-US"/>
           </a:p>
@@ -2692,7 +2694,7 @@
           <a:p>
             <a:fld id="{1443E314-50F2-4479-BEDD-308E72A7783D}" type="datetimeFigureOut">
               <a:rPr lang="zh-CN" altLang="en-US" smtClean="0"/>
-              <a:t>2022/5/12</a:t>
+              <a:t>2022/5/16</a:t>
             </a:fld>
             <a:endParaRPr lang="zh-CN" altLang="en-US"/>
           </a:p>
@@ -2933,7 +2935,7 @@
           <a:p>
             <a:fld id="{1443E314-50F2-4479-BEDD-308E72A7783D}" type="datetimeFigureOut">
               <a:rPr lang="zh-CN" altLang="en-US" smtClean="0"/>
-              <a:t>2022/5/12</a:t>
+              <a:t>2022/5/16</a:t>
             </a:fld>
             <a:endParaRPr lang="zh-CN" altLang="en-US"/>
           </a:p>
@@ -10968,10 +10970,10 @@
       </p:grpSpPr>
       <p:sp>
         <p:nvSpPr>
-          <p:cNvPr id="4" name="矩形: 圆角 3">
-            <a:extLst>
-              <a:ext uri="{FF2B5EF4-FFF2-40B4-BE49-F238E27FC236}">
-                <a16:creationId xmlns:a16="http://schemas.microsoft.com/office/drawing/2014/main" id="{57B18680-C8FD-CE56-6CFA-0A9B7A820BF8}"/>
+          <p:cNvPr id="5" name="矩形 4">
+            <a:extLst>
+              <a:ext uri="{FF2B5EF4-FFF2-40B4-BE49-F238E27FC236}">
+                <a16:creationId xmlns:a16="http://schemas.microsoft.com/office/drawing/2014/main" id="{D76C20B3-6C53-6FD7-2712-22A4396427E3}"/>
               </a:ext>
             </a:extLst>
           </p:cNvPr>
@@ -10980,12 +10982,13 @@
         </p:nvSpPr>
         <p:spPr>
           <a:xfrm>
-            <a:off x="4448175" y="2809875"/>
-            <a:ext cx="2409825" cy="847725"/>
-          </a:xfrm>
-          <a:prstGeom prst="roundRect">
-            <a:avLst/>
-          </a:prstGeom>
+            <a:off x="3371850" y="1847850"/>
+            <a:ext cx="2152650" cy="352425"/>
+          </a:xfrm>
+          <a:prstGeom prst="rect">
+            <a:avLst/>
+          </a:prstGeom>
+          <a:noFill/>
         </p:spPr>
         <p:style>
           <a:lnRef idx="2">
@@ -11009,18 +11012,22 @@
           <a:p>
             <a:pPr algn="ctr"/>
             <a:r>
-              <a:rPr lang="zh-CN" altLang="en-US" dirty="0"/>
-              <a:t>登录模块</a:t>
-            </a:r>
-          </a:p>
-        </p:txBody>
-      </p:sp>
-      <p:sp>
-        <p:nvSpPr>
-          <p:cNvPr id="5" name="矩形 4">
-            <a:extLst>
-              <a:ext uri="{FF2B5EF4-FFF2-40B4-BE49-F238E27FC236}">
-                <a16:creationId xmlns:a16="http://schemas.microsoft.com/office/drawing/2014/main" id="{D76C20B3-6C53-6FD7-2712-22A4396427E3}"/>
+              <a:rPr lang="zh-CN" altLang="en-US" dirty="0">
+                <a:solidFill>
+                  <a:schemeClr val="tx1"/>
+                </a:solidFill>
+              </a:rPr>
+              <a:t>用户名、密码登录</a:t>
+            </a:r>
+          </a:p>
+        </p:txBody>
+      </p:sp>
+      <p:sp>
+        <p:nvSpPr>
+          <p:cNvPr id="6" name="矩形 5">
+            <a:extLst>
+              <a:ext uri="{FF2B5EF4-FFF2-40B4-BE49-F238E27FC236}">
+                <a16:creationId xmlns:a16="http://schemas.microsoft.com/office/drawing/2014/main" id="{2CD77292-ED96-B625-95A6-9166C826A09C}"/>
               </a:ext>
             </a:extLst>
           </p:cNvPr>
@@ -11029,12 +11036,13 @@
         </p:nvSpPr>
         <p:spPr>
           <a:xfrm>
-            <a:off x="3371850" y="1847850"/>
+            <a:off x="5776912" y="1847850"/>
             <a:ext cx="2152650" cy="352425"/>
           </a:xfrm>
           <a:prstGeom prst="rect">
             <a:avLst/>
           </a:prstGeom>
+          <a:noFill/>
         </p:spPr>
         <p:style>
           <a:lnRef idx="2">
@@ -11058,18 +11066,22 @@
           <a:p>
             <a:pPr algn="ctr"/>
             <a:r>
-              <a:rPr lang="zh-CN" altLang="en-US" dirty="0"/>
-              <a:t>用户名、密码登录</a:t>
-            </a:r>
-          </a:p>
-        </p:txBody>
-      </p:sp>
-      <p:sp>
-        <p:nvSpPr>
-          <p:cNvPr id="6" name="矩形 5">
-            <a:extLst>
-              <a:ext uri="{FF2B5EF4-FFF2-40B4-BE49-F238E27FC236}">
-                <a16:creationId xmlns:a16="http://schemas.microsoft.com/office/drawing/2014/main" id="{2CD77292-ED96-B625-95A6-9166C826A09C}"/>
+              <a:rPr lang="zh-CN" altLang="en-US" dirty="0">
+                <a:solidFill>
+                  <a:schemeClr val="tx1"/>
+                </a:solidFill>
+              </a:rPr>
+              <a:t>邮箱验证码登录</a:t>
+            </a:r>
+          </a:p>
+        </p:txBody>
+      </p:sp>
+      <p:sp>
+        <p:nvSpPr>
+          <p:cNvPr id="7" name="矩形 6">
+            <a:extLst>
+              <a:ext uri="{FF2B5EF4-FFF2-40B4-BE49-F238E27FC236}">
+                <a16:creationId xmlns:a16="http://schemas.microsoft.com/office/drawing/2014/main" id="{07B34E7A-AF81-F6DA-E4AC-76F521FE5044}"/>
               </a:ext>
             </a:extLst>
           </p:cNvPr>
@@ -11078,12 +11090,13 @@
         </p:nvSpPr>
         <p:spPr>
           <a:xfrm>
-            <a:off x="5776912" y="1847850"/>
-            <a:ext cx="2152650" cy="352425"/>
+            <a:off x="3467100" y="4267200"/>
+            <a:ext cx="4086225" cy="352425"/>
           </a:xfrm>
           <a:prstGeom prst="rect">
             <a:avLst/>
           </a:prstGeom>
+          <a:noFill/>
         </p:spPr>
         <p:style>
           <a:lnRef idx="2">
@@ -11107,18 +11120,71 @@
           <a:p>
             <a:pPr algn="ctr"/>
             <a:r>
-              <a:rPr lang="zh-CN" altLang="en-US" dirty="0"/>
-              <a:t>邮箱验证码登录</a:t>
-            </a:r>
-          </a:p>
-        </p:txBody>
-      </p:sp>
-      <p:sp>
-        <p:nvSpPr>
-          <p:cNvPr id="8" name="椭圆 7">
-            <a:extLst>
-              <a:ext uri="{FF2B5EF4-FFF2-40B4-BE49-F238E27FC236}">
-                <a16:creationId xmlns:a16="http://schemas.microsoft.com/office/drawing/2014/main" id="{CF95F3FC-801D-1620-572B-B23268CF6E46}"/>
+              <a:rPr lang="en-US" altLang="zh-CN" dirty="0">
+                <a:solidFill>
+                  <a:schemeClr val="tx1"/>
+                </a:solidFill>
+              </a:rPr>
+              <a:t>JWT</a:t>
+            </a:r>
+            <a:r>
+              <a:rPr lang="zh-CN" altLang="en-US" dirty="0">
+                <a:solidFill>
+                  <a:schemeClr val="tx1"/>
+                </a:solidFill>
+              </a:rPr>
+              <a:t>用户身份认证功能</a:t>
+            </a:r>
+          </a:p>
+        </p:txBody>
+      </p:sp>
+      <p:cxnSp>
+        <p:nvCxnSpPr>
+          <p:cNvPr id="16" name="直接箭头连接符 15">
+            <a:extLst>
+              <a:ext uri="{FF2B5EF4-FFF2-40B4-BE49-F238E27FC236}">
+                <a16:creationId xmlns:a16="http://schemas.microsoft.com/office/drawing/2014/main" id="{8A82B0F1-0581-CD9F-E0B0-72C1C24B9B53}"/>
+              </a:ext>
+            </a:extLst>
+          </p:cNvPr>
+          <p:cNvCxnSpPr>
+            <a:cxnSpLocks/>
+          </p:cNvCxnSpPr>
+          <p:nvPr/>
+        </p:nvCxnSpPr>
+        <p:spPr>
+          <a:xfrm flipH="1">
+            <a:off x="5653087" y="3657600"/>
+            <a:ext cx="1" cy="609600"/>
+          </a:xfrm>
+          <a:prstGeom prst="straightConnector1">
+            <a:avLst/>
+          </a:prstGeom>
+          <a:ln>
+            <a:tailEnd type="triangle"/>
+          </a:ln>
+        </p:spPr>
+        <p:style>
+          <a:lnRef idx="1">
+            <a:schemeClr val="accent1"/>
+          </a:lnRef>
+          <a:fillRef idx="0">
+            <a:schemeClr val="accent1"/>
+          </a:fillRef>
+          <a:effectRef idx="0">
+            <a:schemeClr val="accent1"/>
+          </a:effectRef>
+          <a:fontRef idx="minor">
+            <a:schemeClr val="tx1"/>
+          </a:fontRef>
+        </p:style>
+      </p:cxnSp>
+      <p:sp>
+        <p:nvSpPr>
+          <p:cNvPr id="17" name="箭头: 下 16">
+            <a:extLst>
+              <a:ext uri="{FF2B5EF4-FFF2-40B4-BE49-F238E27FC236}">
+                <a16:creationId xmlns:a16="http://schemas.microsoft.com/office/drawing/2014/main" id="{6130268E-5441-DA81-0475-99A9E2709125}"/>
               </a:ext>
             </a:extLst>
           </p:cNvPr>
@@ -11127,10 +11193,10 @@
         </p:nvSpPr>
         <p:spPr>
           <a:xfrm>
-            <a:off x="2229802" y="1214437"/>
-            <a:ext cx="6800850" cy="4038600"/>
-          </a:xfrm>
-          <a:prstGeom prst="ellipse">
+            <a:off x="3962400" y="4991100"/>
+            <a:ext cx="45719" cy="600075"/>
+          </a:xfrm>
+          <a:prstGeom prst="downArrow">
             <a:avLst/>
           </a:prstGeom>
           <a:noFill/>
@@ -11162,10 +11228,10 @@
       </p:sp>
       <p:sp>
         <p:nvSpPr>
-          <p:cNvPr id="7" name="矩形 6">
-            <a:extLst>
-              <a:ext uri="{FF2B5EF4-FFF2-40B4-BE49-F238E27FC236}">
-                <a16:creationId xmlns:a16="http://schemas.microsoft.com/office/drawing/2014/main" id="{07B34E7A-AF81-F6DA-E4AC-76F521FE5044}"/>
+          <p:cNvPr id="18" name="箭头: 下 17">
+            <a:extLst>
+              <a:ext uri="{FF2B5EF4-FFF2-40B4-BE49-F238E27FC236}">
+                <a16:creationId xmlns:a16="http://schemas.microsoft.com/office/drawing/2014/main" id="{0EE94595-488A-F310-055D-F209B4326BFA}"/>
               </a:ext>
             </a:extLst>
           </p:cNvPr>
@@ -11173,13 +11239,14 @@
           <p:nvPr/>
         </p:nvSpPr>
         <p:spPr>
-          <a:xfrm>
-            <a:off x="3467100" y="4267200"/>
-            <a:ext cx="4086225" cy="352425"/>
-          </a:xfrm>
-          <a:prstGeom prst="rect">
-            <a:avLst/>
-          </a:prstGeom>
+          <a:xfrm flipH="1">
+            <a:off x="5653087" y="4991100"/>
+            <a:ext cx="45719" cy="885825"/>
+          </a:xfrm>
+          <a:prstGeom prst="downArrow">
+            <a:avLst/>
+          </a:prstGeom>
+          <a:noFill/>
         </p:spPr>
         <p:style>
           <a:lnRef idx="2">
@@ -11202,148 +11269,16 @@
           <a:lstStyle/>
           <a:p>
             <a:pPr algn="ctr"/>
-            <a:r>
-              <a:rPr lang="en-US" altLang="zh-CN" dirty="0"/>
-              <a:t>JWT</a:t>
-            </a:r>
-            <a:r>
-              <a:rPr lang="zh-CN" altLang="en-US" dirty="0"/>
-              <a:t>用户身份认证功能</a:t>
-            </a:r>
-          </a:p>
-        </p:txBody>
-      </p:sp>
-      <p:cxnSp>
-        <p:nvCxnSpPr>
-          <p:cNvPr id="12" name="直接箭头连接符 11">
-            <a:extLst>
-              <a:ext uri="{FF2B5EF4-FFF2-40B4-BE49-F238E27FC236}">
-                <a16:creationId xmlns:a16="http://schemas.microsoft.com/office/drawing/2014/main" id="{828D2987-6B4F-6C08-DFB7-AE39927E290E}"/>
-              </a:ext>
-            </a:extLst>
-          </p:cNvPr>
-          <p:cNvCxnSpPr>
-            <a:stCxn id="4" idx="0"/>
-            <a:endCxn id="5" idx="2"/>
-          </p:cNvCxnSpPr>
-          <p:nvPr/>
-        </p:nvCxnSpPr>
-        <p:spPr>
-          <a:xfrm flipH="1" flipV="1">
-            <a:off x="4448175" y="2200275"/>
-            <a:ext cx="1204913" cy="609600"/>
-          </a:xfrm>
-          <a:prstGeom prst="straightConnector1">
-            <a:avLst/>
-          </a:prstGeom>
-          <a:ln>
-            <a:tailEnd type="triangle"/>
-          </a:ln>
-        </p:spPr>
-        <p:style>
-          <a:lnRef idx="1">
-            <a:schemeClr val="accent1"/>
-          </a:lnRef>
-          <a:fillRef idx="0">
-            <a:schemeClr val="accent1"/>
-          </a:fillRef>
-          <a:effectRef idx="0">
-            <a:schemeClr val="accent1"/>
-          </a:effectRef>
-          <a:fontRef idx="minor">
-            <a:schemeClr val="tx1"/>
-          </a:fontRef>
-        </p:style>
-      </p:cxnSp>
-      <p:cxnSp>
-        <p:nvCxnSpPr>
-          <p:cNvPr id="14" name="直接箭头连接符 13">
-            <a:extLst>
-              <a:ext uri="{FF2B5EF4-FFF2-40B4-BE49-F238E27FC236}">
-                <a16:creationId xmlns:a16="http://schemas.microsoft.com/office/drawing/2014/main" id="{0AA7C716-17FF-1F77-60F9-F48E39DD3A29}"/>
-              </a:ext>
-            </a:extLst>
-          </p:cNvPr>
-          <p:cNvCxnSpPr>
-            <a:stCxn id="4" idx="0"/>
-            <a:endCxn id="6" idx="2"/>
-          </p:cNvCxnSpPr>
-          <p:nvPr/>
-        </p:nvCxnSpPr>
-        <p:spPr>
-          <a:xfrm flipV="1">
-            <a:off x="5653088" y="2200275"/>
-            <a:ext cx="1200149" cy="609600"/>
-          </a:xfrm>
-          <a:prstGeom prst="straightConnector1">
-            <a:avLst/>
-          </a:prstGeom>
-          <a:ln>
-            <a:tailEnd type="triangle"/>
-          </a:ln>
-        </p:spPr>
-        <p:style>
-          <a:lnRef idx="1">
-            <a:schemeClr val="accent1"/>
-          </a:lnRef>
-          <a:fillRef idx="0">
-            <a:schemeClr val="accent1"/>
-          </a:fillRef>
-          <a:effectRef idx="0">
-            <a:schemeClr val="accent1"/>
-          </a:effectRef>
-          <a:fontRef idx="minor">
-            <a:schemeClr val="tx1"/>
-          </a:fontRef>
-        </p:style>
-      </p:cxnSp>
-      <p:cxnSp>
-        <p:nvCxnSpPr>
-          <p:cNvPr id="16" name="直接箭头连接符 15">
-            <a:extLst>
-              <a:ext uri="{FF2B5EF4-FFF2-40B4-BE49-F238E27FC236}">
-                <a16:creationId xmlns:a16="http://schemas.microsoft.com/office/drawing/2014/main" id="{8A82B0F1-0581-CD9F-E0B0-72C1C24B9B53}"/>
-              </a:ext>
-            </a:extLst>
-          </p:cNvPr>
-          <p:cNvCxnSpPr>
-            <a:stCxn id="4" idx="2"/>
-          </p:cNvCxnSpPr>
-          <p:nvPr/>
-        </p:nvCxnSpPr>
-        <p:spPr>
-          <a:xfrm flipH="1">
-            <a:off x="5653087" y="3657600"/>
-            <a:ext cx="1" cy="609600"/>
-          </a:xfrm>
-          <a:prstGeom prst="straightConnector1">
-            <a:avLst/>
-          </a:prstGeom>
-          <a:ln>
-            <a:tailEnd type="triangle"/>
-          </a:ln>
-        </p:spPr>
-        <p:style>
-          <a:lnRef idx="1">
-            <a:schemeClr val="accent1"/>
-          </a:lnRef>
-          <a:fillRef idx="0">
-            <a:schemeClr val="accent1"/>
-          </a:fillRef>
-          <a:effectRef idx="0">
-            <a:schemeClr val="accent1"/>
-          </a:effectRef>
-          <a:fontRef idx="minor">
-            <a:schemeClr val="tx1"/>
-          </a:fontRef>
-        </p:style>
-      </p:cxnSp>
-      <p:sp>
-        <p:nvSpPr>
-          <p:cNvPr id="17" name="箭头: 下 16">
-            <a:extLst>
-              <a:ext uri="{FF2B5EF4-FFF2-40B4-BE49-F238E27FC236}">
-                <a16:creationId xmlns:a16="http://schemas.microsoft.com/office/drawing/2014/main" id="{6130268E-5441-DA81-0475-99A9E2709125}"/>
+            <a:endParaRPr lang="zh-CN" altLang="en-US"/>
+          </a:p>
+        </p:txBody>
+      </p:sp>
+      <p:sp>
+        <p:nvSpPr>
+          <p:cNvPr id="19" name="箭头: 下 18">
+            <a:extLst>
+              <a:ext uri="{FF2B5EF4-FFF2-40B4-BE49-F238E27FC236}">
+                <a16:creationId xmlns:a16="http://schemas.microsoft.com/office/drawing/2014/main" id="{EE0BD293-F292-4902-EC8B-85DBBAA51983}"/>
               </a:ext>
             </a:extLst>
           </p:cNvPr>
@@ -11352,12 +11287,13 @@
         </p:nvSpPr>
         <p:spPr>
           <a:xfrm>
-            <a:off x="3962400" y="5019675"/>
-            <a:ext cx="45719" cy="571500"/>
+            <a:off x="7252336" y="4991100"/>
+            <a:ext cx="45719" cy="666750"/>
           </a:xfrm>
           <a:prstGeom prst="downArrow">
             <a:avLst/>
           </a:prstGeom>
+          <a:noFill/>
         </p:spPr>
         <p:style>
           <a:lnRef idx="2">
@@ -11386,10 +11322,10 @@
       </p:sp>
       <p:sp>
         <p:nvSpPr>
-          <p:cNvPr id="18" name="箭头: 下 17">
-            <a:extLst>
-              <a:ext uri="{FF2B5EF4-FFF2-40B4-BE49-F238E27FC236}">
-                <a16:creationId xmlns:a16="http://schemas.microsoft.com/office/drawing/2014/main" id="{0EE94595-488A-F310-055D-F209B4326BFA}"/>
+          <p:cNvPr id="20" name="矩形: 圆角 19">
+            <a:extLst>
+              <a:ext uri="{FF2B5EF4-FFF2-40B4-BE49-F238E27FC236}">
+                <a16:creationId xmlns:a16="http://schemas.microsoft.com/office/drawing/2014/main" id="{45E64232-6CA5-9BB8-1FB2-AEC81E3B3F85}"/>
               </a:ext>
             </a:extLst>
           </p:cNvPr>
@@ -11398,12 +11334,13 @@
         </p:nvSpPr>
         <p:spPr>
           <a:xfrm>
-            <a:off x="5607368" y="5305425"/>
-            <a:ext cx="45719" cy="571500"/>
-          </a:xfrm>
-          <a:prstGeom prst="downArrow">
-            <a:avLst/>
-          </a:prstGeom>
+            <a:off x="3667125" y="5657850"/>
+            <a:ext cx="704850" cy="333375"/>
+          </a:xfrm>
+          <a:prstGeom prst="roundRect">
+            <a:avLst/>
+          </a:prstGeom>
+          <a:noFill/>
         </p:spPr>
         <p:style>
           <a:lnRef idx="2">
@@ -11426,16 +11363,23 @@
           <a:lstStyle/>
           <a:p>
             <a:pPr algn="ctr"/>
-            <a:endParaRPr lang="zh-CN" altLang="en-US"/>
-          </a:p>
-        </p:txBody>
-      </p:sp>
-      <p:sp>
-        <p:nvSpPr>
-          <p:cNvPr id="19" name="箭头: 下 18">
-            <a:extLst>
-              <a:ext uri="{FF2B5EF4-FFF2-40B4-BE49-F238E27FC236}">
-                <a16:creationId xmlns:a16="http://schemas.microsoft.com/office/drawing/2014/main" id="{EE0BD293-F292-4902-EC8B-85DBBAA51983}"/>
+            <a:r>
+              <a:rPr lang="zh-CN" altLang="en-US" dirty="0">
+                <a:solidFill>
+                  <a:schemeClr val="tx1"/>
+                </a:solidFill>
+              </a:rPr>
+              <a:t>学生</a:t>
+            </a:r>
+          </a:p>
+        </p:txBody>
+      </p:sp>
+      <p:sp>
+        <p:nvSpPr>
+          <p:cNvPr id="21" name="矩形: 圆角 20">
+            <a:extLst>
+              <a:ext uri="{FF2B5EF4-FFF2-40B4-BE49-F238E27FC236}">
+                <a16:creationId xmlns:a16="http://schemas.microsoft.com/office/drawing/2014/main" id="{ABDA193C-AEAF-A18F-A679-2E7B6580626E}"/>
               </a:ext>
             </a:extLst>
           </p:cNvPr>
@@ -11444,12 +11388,13 @@
         </p:nvSpPr>
         <p:spPr>
           <a:xfrm>
-            <a:off x="7252336" y="5086350"/>
-            <a:ext cx="45719" cy="571500"/>
-          </a:xfrm>
-          <a:prstGeom prst="downArrow">
-            <a:avLst/>
-          </a:prstGeom>
+            <a:off x="5300662" y="5915025"/>
+            <a:ext cx="704850" cy="333375"/>
+          </a:xfrm>
+          <a:prstGeom prst="roundRect">
+            <a:avLst/>
+          </a:prstGeom>
+          <a:noFill/>
         </p:spPr>
         <p:style>
           <a:lnRef idx="2">
@@ -11472,16 +11417,23 @@
           <a:lstStyle/>
           <a:p>
             <a:pPr algn="ctr"/>
-            <a:endParaRPr lang="zh-CN" altLang="en-US"/>
-          </a:p>
-        </p:txBody>
-      </p:sp>
-      <p:sp>
-        <p:nvSpPr>
-          <p:cNvPr id="20" name="矩形: 圆角 19">
-            <a:extLst>
-              <a:ext uri="{FF2B5EF4-FFF2-40B4-BE49-F238E27FC236}">
-                <a16:creationId xmlns:a16="http://schemas.microsoft.com/office/drawing/2014/main" id="{45E64232-6CA5-9BB8-1FB2-AEC81E3B3F85}"/>
+            <a:r>
+              <a:rPr lang="zh-CN" altLang="en-US" dirty="0">
+                <a:solidFill>
+                  <a:schemeClr val="tx1"/>
+                </a:solidFill>
+              </a:rPr>
+              <a:t>教师</a:t>
+            </a:r>
+          </a:p>
+        </p:txBody>
+      </p:sp>
+      <p:sp>
+        <p:nvSpPr>
+          <p:cNvPr id="22" name="矩形: 圆角 21">
+            <a:extLst>
+              <a:ext uri="{FF2B5EF4-FFF2-40B4-BE49-F238E27FC236}">
+                <a16:creationId xmlns:a16="http://schemas.microsoft.com/office/drawing/2014/main" id="{38D4E8B7-F8DB-39DF-E0C6-9709DC446430}"/>
               </a:ext>
             </a:extLst>
           </p:cNvPr>
@@ -11490,12 +11442,13 @@
         </p:nvSpPr>
         <p:spPr>
           <a:xfrm>
-            <a:off x="3667125" y="5657850"/>
-            <a:ext cx="704850" cy="333375"/>
+            <a:off x="6740842" y="5710237"/>
+            <a:ext cx="1000126" cy="333375"/>
           </a:xfrm>
           <a:prstGeom prst="roundRect">
             <a:avLst/>
           </a:prstGeom>
+          <a:noFill/>
         </p:spPr>
         <p:style>
           <a:lnRef idx="2">
@@ -11519,18 +11472,198 @@
           <a:p>
             <a:pPr algn="ctr"/>
             <a:r>
-              <a:rPr lang="zh-CN" altLang="en-US" dirty="0"/>
-              <a:t>学生</a:t>
-            </a:r>
-          </a:p>
-        </p:txBody>
-      </p:sp>
-      <p:sp>
-        <p:nvSpPr>
-          <p:cNvPr id="21" name="矩形: 圆角 20">
-            <a:extLst>
-              <a:ext uri="{FF2B5EF4-FFF2-40B4-BE49-F238E27FC236}">
-                <a16:creationId xmlns:a16="http://schemas.microsoft.com/office/drawing/2014/main" id="{ABDA193C-AEAF-A18F-A679-2E7B6580626E}"/>
+              <a:rPr lang="zh-CN" altLang="en-US" dirty="0">
+                <a:solidFill>
+                  <a:schemeClr val="tx1"/>
+                </a:solidFill>
+              </a:rPr>
+              <a:t>管理员</a:t>
+            </a:r>
+          </a:p>
+        </p:txBody>
+      </p:sp>
+      <p:grpSp>
+        <p:nvGrpSpPr>
+          <p:cNvPr id="10" name="组合 9">
+            <a:extLst>
+              <a:ext uri="{FF2B5EF4-FFF2-40B4-BE49-F238E27FC236}">
+                <a16:creationId xmlns:a16="http://schemas.microsoft.com/office/drawing/2014/main" id="{1A762D8B-588B-CC43-1436-85FE4528E536}"/>
+              </a:ext>
+            </a:extLst>
+          </p:cNvPr>
+          <p:cNvGrpSpPr/>
+          <p:nvPr/>
+        </p:nvGrpSpPr>
+        <p:grpSpPr>
+          <a:xfrm>
+            <a:off x="2153602" y="2843212"/>
+            <a:ext cx="7210425" cy="721518"/>
+            <a:chOff x="2105025" y="95250"/>
+            <a:chExt cx="7210425" cy="721518"/>
+          </a:xfrm>
+        </p:grpSpPr>
+        <p:sp>
+          <p:nvSpPr>
+            <p:cNvPr id="23" name="矩形 22">
+              <a:extLst>
+                <a:ext uri="{FF2B5EF4-FFF2-40B4-BE49-F238E27FC236}">
+                  <a16:creationId xmlns:a16="http://schemas.microsoft.com/office/drawing/2014/main" id="{13BA744B-ED03-1EB4-3960-606DF5DE6845}"/>
+                </a:ext>
+              </a:extLst>
+            </p:cNvPr>
+            <p:cNvSpPr/>
+            <p:nvPr/>
+          </p:nvSpPr>
+          <p:spPr>
+            <a:xfrm>
+              <a:off x="2286000" y="297655"/>
+              <a:ext cx="3014662" cy="238125"/>
+            </a:xfrm>
+            <a:prstGeom prst="rect">
+              <a:avLst/>
+            </a:prstGeom>
+            <a:noFill/>
+          </p:spPr>
+          <p:style>
+            <a:lnRef idx="2">
+              <a:schemeClr val="accent1">
+                <a:shade val="50000"/>
+              </a:schemeClr>
+            </a:lnRef>
+            <a:fillRef idx="1">
+              <a:schemeClr val="accent1"/>
+            </a:fillRef>
+            <a:effectRef idx="0">
+              <a:schemeClr val="accent1"/>
+            </a:effectRef>
+            <a:fontRef idx="minor">
+              <a:schemeClr val="lt1"/>
+            </a:fontRef>
+          </p:style>
+          <p:txBody>
+            <a:bodyPr rtlCol="0" anchor="ctr"/>
+            <a:lstStyle/>
+            <a:p>
+              <a:pPr algn="ctr"/>
+              <a:r>
+                <a:rPr lang="zh-CN" altLang="en-US" dirty="0">
+                  <a:solidFill>
+                    <a:schemeClr val="tx1"/>
+                  </a:solidFill>
+                </a:rPr>
+                <a:t>验证信息是否输入完整</a:t>
+              </a:r>
+            </a:p>
+          </p:txBody>
+        </p:sp>
+        <p:sp>
+          <p:nvSpPr>
+            <p:cNvPr id="24" name="矩形 23">
+              <a:extLst>
+                <a:ext uri="{FF2B5EF4-FFF2-40B4-BE49-F238E27FC236}">
+                  <a16:creationId xmlns:a16="http://schemas.microsoft.com/office/drawing/2014/main" id="{B75C1B74-057B-CD10-D58A-F85504F0472F}"/>
+                </a:ext>
+              </a:extLst>
+            </p:cNvPr>
+            <p:cNvSpPr/>
+            <p:nvPr/>
+          </p:nvSpPr>
+          <p:spPr>
+            <a:xfrm>
+              <a:off x="6010275" y="273843"/>
+              <a:ext cx="3086100" cy="261937"/>
+            </a:xfrm>
+            <a:prstGeom prst="rect">
+              <a:avLst/>
+            </a:prstGeom>
+            <a:noFill/>
+          </p:spPr>
+          <p:style>
+            <a:lnRef idx="2">
+              <a:schemeClr val="accent1">
+                <a:shade val="50000"/>
+              </a:schemeClr>
+            </a:lnRef>
+            <a:fillRef idx="1">
+              <a:schemeClr val="accent1"/>
+            </a:fillRef>
+            <a:effectRef idx="0">
+              <a:schemeClr val="accent1"/>
+            </a:effectRef>
+            <a:fontRef idx="minor">
+              <a:schemeClr val="lt1"/>
+            </a:fontRef>
+          </p:style>
+          <p:txBody>
+            <a:bodyPr rtlCol="0" anchor="ctr"/>
+            <a:lstStyle/>
+            <a:p>
+              <a:pPr algn="ctr"/>
+              <a:r>
+                <a:rPr lang="zh-CN" altLang="en-US" dirty="0">
+                  <a:solidFill>
+                    <a:schemeClr val="tx1"/>
+                  </a:solidFill>
+                </a:rPr>
+                <a:t>输入框防抖处理</a:t>
+              </a:r>
+            </a:p>
+          </p:txBody>
+        </p:sp>
+        <p:sp>
+          <p:nvSpPr>
+            <p:cNvPr id="2" name="矩形 1">
+              <a:extLst>
+                <a:ext uri="{FF2B5EF4-FFF2-40B4-BE49-F238E27FC236}">
+                  <a16:creationId xmlns:a16="http://schemas.microsoft.com/office/drawing/2014/main" id="{85720A4C-0D51-431C-F07B-E2F9EF5F7986}"/>
+                </a:ext>
+              </a:extLst>
+            </p:cNvPr>
+            <p:cNvSpPr/>
+            <p:nvPr/>
+          </p:nvSpPr>
+          <p:spPr>
+            <a:xfrm>
+              <a:off x="2105025" y="95250"/>
+              <a:ext cx="7210425" cy="721518"/>
+            </a:xfrm>
+            <a:prstGeom prst="rect">
+              <a:avLst/>
+            </a:prstGeom>
+            <a:noFill/>
+          </p:spPr>
+          <p:style>
+            <a:lnRef idx="2">
+              <a:schemeClr val="accent1">
+                <a:shade val="50000"/>
+              </a:schemeClr>
+            </a:lnRef>
+            <a:fillRef idx="1">
+              <a:schemeClr val="accent1"/>
+            </a:fillRef>
+            <a:effectRef idx="0">
+              <a:schemeClr val="accent1"/>
+            </a:effectRef>
+            <a:fontRef idx="minor">
+              <a:schemeClr val="lt1"/>
+            </a:fontRef>
+          </p:style>
+          <p:txBody>
+            <a:bodyPr rtlCol="0" anchor="ctr"/>
+            <a:lstStyle/>
+            <a:p>
+              <a:pPr algn="ctr"/>
+              <a:endParaRPr lang="zh-CN" altLang="en-US"/>
+            </a:p>
+          </p:txBody>
+        </p:sp>
+      </p:grpSp>
+      <p:sp>
+        <p:nvSpPr>
+          <p:cNvPr id="9" name="矩形: 圆角 8">
+            <a:extLst>
+              <a:ext uri="{FF2B5EF4-FFF2-40B4-BE49-F238E27FC236}">
+                <a16:creationId xmlns:a16="http://schemas.microsoft.com/office/drawing/2014/main" id="{3A790046-FBD0-E2C2-35FC-52433719B914}"/>
               </a:ext>
             </a:extLst>
           </p:cNvPr>
@@ -11539,12 +11672,13 @@
         </p:nvSpPr>
         <p:spPr>
           <a:xfrm>
-            <a:off x="5300662" y="5915025"/>
-            <a:ext cx="704850" cy="333375"/>
+            <a:off x="2105025" y="1123950"/>
+            <a:ext cx="7307581" cy="3829050"/>
           </a:xfrm>
           <a:prstGeom prst="roundRect">
             <a:avLst/>
           </a:prstGeom>
+          <a:noFill/>
         </p:spPr>
         <p:style>
           <a:lnRef idx="2">
@@ -11567,19 +11701,98 @@
           <a:lstStyle/>
           <a:p>
             <a:pPr algn="ctr"/>
-            <a:r>
-              <a:rPr lang="zh-CN" altLang="en-US" dirty="0"/>
-              <a:t>教师</a:t>
-            </a:r>
-          </a:p>
-        </p:txBody>
-      </p:sp>
-      <p:sp>
-        <p:nvSpPr>
-          <p:cNvPr id="22" name="矩形: 圆角 21">
-            <a:extLst>
-              <a:ext uri="{FF2B5EF4-FFF2-40B4-BE49-F238E27FC236}">
-                <a16:creationId xmlns:a16="http://schemas.microsoft.com/office/drawing/2014/main" id="{38D4E8B7-F8DB-39DF-E0C6-9709DC446430}"/>
+            <a:endParaRPr lang="zh-CN" altLang="en-US"/>
+          </a:p>
+        </p:txBody>
+      </p:sp>
+      <p:cxnSp>
+        <p:nvCxnSpPr>
+          <p:cNvPr id="15" name="直接箭头连接符 14">
+            <a:extLst>
+              <a:ext uri="{FF2B5EF4-FFF2-40B4-BE49-F238E27FC236}">
+                <a16:creationId xmlns:a16="http://schemas.microsoft.com/office/drawing/2014/main" id="{0D51ECB6-429E-398E-B942-A1353965B20D}"/>
+              </a:ext>
+            </a:extLst>
+          </p:cNvPr>
+          <p:cNvCxnSpPr>
+            <a:stCxn id="5" idx="2"/>
+          </p:cNvCxnSpPr>
+          <p:nvPr/>
+        </p:nvCxnSpPr>
+        <p:spPr>
+          <a:xfrm>
+            <a:off x="4448175" y="2200275"/>
+            <a:ext cx="852487" cy="590550"/>
+          </a:xfrm>
+          <a:prstGeom prst="straightConnector1">
+            <a:avLst/>
+          </a:prstGeom>
+          <a:ln>
+            <a:tailEnd type="triangle"/>
+          </a:ln>
+        </p:spPr>
+        <p:style>
+          <a:lnRef idx="1">
+            <a:schemeClr val="accent1"/>
+          </a:lnRef>
+          <a:fillRef idx="0">
+            <a:schemeClr val="accent1"/>
+          </a:fillRef>
+          <a:effectRef idx="0">
+            <a:schemeClr val="accent1"/>
+          </a:effectRef>
+          <a:fontRef idx="minor">
+            <a:schemeClr val="tx1"/>
+          </a:fontRef>
+        </p:style>
+      </p:cxnSp>
+      <p:cxnSp>
+        <p:nvCxnSpPr>
+          <p:cNvPr id="28" name="直接箭头连接符 27">
+            <a:extLst>
+              <a:ext uri="{FF2B5EF4-FFF2-40B4-BE49-F238E27FC236}">
+                <a16:creationId xmlns:a16="http://schemas.microsoft.com/office/drawing/2014/main" id="{DA9789B3-F81E-5E68-07BE-42394D7393CE}"/>
+              </a:ext>
+            </a:extLst>
+          </p:cNvPr>
+          <p:cNvCxnSpPr>
+            <a:stCxn id="6" idx="2"/>
+          </p:cNvCxnSpPr>
+          <p:nvPr/>
+        </p:nvCxnSpPr>
+        <p:spPr>
+          <a:xfrm flipH="1">
+            <a:off x="5300662" y="2200275"/>
+            <a:ext cx="1552575" cy="583404"/>
+          </a:xfrm>
+          <a:prstGeom prst="straightConnector1">
+            <a:avLst/>
+          </a:prstGeom>
+          <a:ln>
+            <a:tailEnd type="triangle"/>
+          </a:ln>
+        </p:spPr>
+        <p:style>
+          <a:lnRef idx="1">
+            <a:schemeClr val="accent1"/>
+          </a:lnRef>
+          <a:fillRef idx="0">
+            <a:schemeClr val="accent1"/>
+          </a:fillRef>
+          <a:effectRef idx="0">
+            <a:schemeClr val="accent1"/>
+          </a:effectRef>
+          <a:fontRef idx="minor">
+            <a:schemeClr val="tx1"/>
+          </a:fontRef>
+        </p:style>
+      </p:cxnSp>
+      <p:sp>
+        <p:nvSpPr>
+          <p:cNvPr id="30" name="矩形 29">
+            <a:extLst>
+              <a:ext uri="{FF2B5EF4-FFF2-40B4-BE49-F238E27FC236}">
+                <a16:creationId xmlns:a16="http://schemas.microsoft.com/office/drawing/2014/main" id="{744DE0A3-953D-3E2A-9595-B798B8194D67}"/>
               </a:ext>
             </a:extLst>
           </p:cNvPr>
@@ -11588,12 +11801,13 @@
         </p:nvSpPr>
         <p:spPr>
           <a:xfrm>
-            <a:off x="6740842" y="5710237"/>
-            <a:ext cx="1000126" cy="333375"/>
-          </a:xfrm>
-          <a:prstGeom prst="roundRect">
-            <a:avLst/>
-          </a:prstGeom>
+            <a:off x="4019550" y="1276350"/>
+            <a:ext cx="3609975" cy="290512"/>
+          </a:xfrm>
+          <a:prstGeom prst="rect">
+            <a:avLst/>
+          </a:prstGeom>
+          <a:noFill/>
         </p:spPr>
         <p:style>
           <a:lnRef idx="2">
@@ -11617,182 +11831,36 @@
           <a:p>
             <a:pPr algn="ctr"/>
             <a:r>
-              <a:rPr lang="zh-CN" altLang="en-US" dirty="0"/>
-              <a:t>管理员</a:t>
-            </a:r>
-          </a:p>
-        </p:txBody>
-      </p:sp>
-      <p:sp>
-        <p:nvSpPr>
-          <p:cNvPr id="23" name="矩形 22">
-            <a:extLst>
-              <a:ext uri="{FF2B5EF4-FFF2-40B4-BE49-F238E27FC236}">
-                <a16:creationId xmlns:a16="http://schemas.microsoft.com/office/drawing/2014/main" id="{13BA744B-ED03-1EB4-3960-606DF5DE6845}"/>
-              </a:ext>
-            </a:extLst>
-          </p:cNvPr>
-          <p:cNvSpPr/>
-          <p:nvPr/>
-        </p:nvSpPr>
-        <p:spPr>
-          <a:xfrm>
-            <a:off x="2638425" y="342900"/>
-            <a:ext cx="3014662" cy="238125"/>
-          </a:xfrm>
-          <a:prstGeom prst="rect">
-            <a:avLst/>
-          </a:prstGeom>
-        </p:spPr>
-        <p:style>
-          <a:lnRef idx="2">
-            <a:schemeClr val="accent1">
-              <a:shade val="50000"/>
-            </a:schemeClr>
-          </a:lnRef>
-          <a:fillRef idx="1">
-            <a:schemeClr val="accent1"/>
-          </a:fillRef>
-          <a:effectRef idx="0">
-            <a:schemeClr val="accent1"/>
-          </a:effectRef>
-          <a:fontRef idx="minor">
-            <a:schemeClr val="lt1"/>
-          </a:fontRef>
-        </p:style>
-        <p:txBody>
-          <a:bodyPr rtlCol="0" anchor="ctr"/>
-          <a:lstStyle/>
-          <a:p>
-            <a:pPr algn="ctr"/>
-            <a:r>
-              <a:rPr lang="zh-CN" altLang="en-US" dirty="0"/>
-              <a:t>验证信息是否输入完整</a:t>
-            </a:r>
-          </a:p>
-        </p:txBody>
-      </p:sp>
-      <p:sp>
-        <p:nvSpPr>
-          <p:cNvPr id="24" name="矩形 23">
-            <a:extLst>
-              <a:ext uri="{FF2B5EF4-FFF2-40B4-BE49-F238E27FC236}">
-                <a16:creationId xmlns:a16="http://schemas.microsoft.com/office/drawing/2014/main" id="{B75C1B74-057B-CD10-D58A-F85504F0472F}"/>
-              </a:ext>
-            </a:extLst>
-          </p:cNvPr>
-          <p:cNvSpPr/>
-          <p:nvPr/>
-        </p:nvSpPr>
-        <p:spPr>
-          <a:xfrm>
-            <a:off x="6334125" y="342900"/>
-            <a:ext cx="3086100" cy="261937"/>
-          </a:xfrm>
-          <a:prstGeom prst="rect">
-            <a:avLst/>
-          </a:prstGeom>
-        </p:spPr>
-        <p:style>
-          <a:lnRef idx="2">
-            <a:schemeClr val="accent1">
-              <a:shade val="50000"/>
-            </a:schemeClr>
-          </a:lnRef>
-          <a:fillRef idx="1">
-            <a:schemeClr val="accent1"/>
-          </a:fillRef>
-          <a:effectRef idx="0">
-            <a:schemeClr val="accent1"/>
-          </a:effectRef>
-          <a:fontRef idx="minor">
-            <a:schemeClr val="lt1"/>
-          </a:fontRef>
-        </p:style>
-        <p:txBody>
-          <a:bodyPr rtlCol="0" anchor="ctr"/>
-          <a:lstStyle/>
-          <a:p>
-            <a:pPr algn="ctr"/>
-            <a:r>
-              <a:rPr lang="zh-CN" altLang="en-US" dirty="0"/>
-              <a:t>输入框防抖处理</a:t>
-            </a:r>
-          </a:p>
-        </p:txBody>
-      </p:sp>
-      <p:sp>
-        <p:nvSpPr>
-          <p:cNvPr id="25" name="椭圆 24">
-            <a:extLst>
-              <a:ext uri="{FF2B5EF4-FFF2-40B4-BE49-F238E27FC236}">
-                <a16:creationId xmlns:a16="http://schemas.microsoft.com/office/drawing/2014/main" id="{3C07CEC2-4698-D4AA-88D5-66AA8849C6A6}"/>
-              </a:ext>
-            </a:extLst>
-          </p:cNvPr>
-          <p:cNvSpPr/>
-          <p:nvPr/>
-        </p:nvSpPr>
-        <p:spPr>
-          <a:xfrm>
-            <a:off x="2357437" y="102394"/>
-            <a:ext cx="7477125" cy="781049"/>
-          </a:xfrm>
-          <a:prstGeom prst="ellipse">
-            <a:avLst/>
-          </a:prstGeom>
-          <a:noFill/>
-        </p:spPr>
-        <p:style>
-          <a:lnRef idx="2">
-            <a:schemeClr val="accent1">
-              <a:shade val="50000"/>
-            </a:schemeClr>
-          </a:lnRef>
-          <a:fillRef idx="1">
-            <a:schemeClr val="accent1"/>
-          </a:fillRef>
-          <a:effectRef idx="0">
-            <a:schemeClr val="accent1"/>
-          </a:effectRef>
-          <a:fontRef idx="minor">
-            <a:schemeClr val="lt1"/>
-          </a:fontRef>
-        </p:style>
-        <p:txBody>
-          <a:bodyPr rtlCol="0" anchor="ctr"/>
-          <a:lstStyle/>
-          <a:p>
-            <a:pPr algn="ctr"/>
-            <a:endParaRPr lang="zh-CN" altLang="en-US"/>
+              <a:rPr lang="zh-CN" altLang="en-US" dirty="0">
+                <a:solidFill>
+                  <a:schemeClr val="tx1"/>
+                </a:solidFill>
+              </a:rPr>
+              <a:t>登录模块</a:t>
+            </a:r>
           </a:p>
         </p:txBody>
       </p:sp>
       <p:cxnSp>
         <p:nvCxnSpPr>
-          <p:cNvPr id="27" name="直接箭头连接符 26">
-            <a:extLst>
-              <a:ext uri="{FF2B5EF4-FFF2-40B4-BE49-F238E27FC236}">
-                <a16:creationId xmlns:a16="http://schemas.microsoft.com/office/drawing/2014/main" id="{D097D2B3-69B4-28B1-5592-B07B64476E70}"/>
-              </a:ext>
-            </a:extLst>
-          </p:cNvPr>
-          <p:cNvCxnSpPr>
-            <a:stCxn id="5" idx="0"/>
-          </p:cNvCxnSpPr>
+          <p:cNvPr id="32" name="直接连接符 31">
+            <a:extLst>
+              <a:ext uri="{FF2B5EF4-FFF2-40B4-BE49-F238E27FC236}">
+                <a16:creationId xmlns:a16="http://schemas.microsoft.com/office/drawing/2014/main" id="{672FABA0-20DA-7F5C-24A9-A68B1798B3B3}"/>
+              </a:ext>
+            </a:extLst>
+          </p:cNvPr>
+          <p:cNvCxnSpPr/>
           <p:nvPr/>
         </p:nvCxnSpPr>
         <p:spPr>
-          <a:xfrm flipV="1">
-            <a:off x="4448175" y="883443"/>
-            <a:ext cx="1328737" cy="964407"/>
-          </a:xfrm>
-          <a:prstGeom prst="straightConnector1">
-            <a:avLst/>
-          </a:prstGeom>
-          <a:ln>
-            <a:tailEnd type="triangle"/>
-          </a:ln>
+          <a:xfrm>
+            <a:off x="3848100" y="1695450"/>
+            <a:ext cx="3449955" cy="0"/>
+          </a:xfrm>
+          <a:prstGeom prst="line">
+            <a:avLst/>
+          </a:prstGeom>
         </p:spPr>
         <p:style>
           <a:lnRef idx="1">
@@ -11811,29 +11879,98 @@
       </p:cxnSp>
       <p:cxnSp>
         <p:nvCxnSpPr>
-          <p:cNvPr id="29" name="直接箭头连接符 28">
-            <a:extLst>
-              <a:ext uri="{FF2B5EF4-FFF2-40B4-BE49-F238E27FC236}">
-                <a16:creationId xmlns:a16="http://schemas.microsoft.com/office/drawing/2014/main" id="{2A46FCDD-7104-150A-D86F-0E425F4E88F6}"/>
+          <p:cNvPr id="34" name="直接连接符 33">
+            <a:extLst>
+              <a:ext uri="{FF2B5EF4-FFF2-40B4-BE49-F238E27FC236}">
+                <a16:creationId xmlns:a16="http://schemas.microsoft.com/office/drawing/2014/main" id="{A861D5B9-52EB-A8AC-1B1C-2392D549BFB0}"/>
               </a:ext>
             </a:extLst>
           </p:cNvPr>
           <p:cNvCxnSpPr>
-            <a:stCxn id="6" idx="0"/>
+            <a:stCxn id="30" idx="2"/>
           </p:cNvCxnSpPr>
           <p:nvPr/>
         </p:nvCxnSpPr>
         <p:spPr>
-          <a:xfrm flipH="1" flipV="1">
-            <a:off x="5857875" y="883443"/>
-            <a:ext cx="995362" cy="964407"/>
-          </a:xfrm>
-          <a:prstGeom prst="straightConnector1">
-            <a:avLst/>
-          </a:prstGeom>
-          <a:ln>
-            <a:tailEnd type="triangle"/>
-          </a:ln>
+          <a:xfrm>
+            <a:off x="5824538" y="1566862"/>
+            <a:ext cx="23812" cy="138113"/>
+          </a:xfrm>
+          <a:prstGeom prst="line">
+            <a:avLst/>
+          </a:prstGeom>
+        </p:spPr>
+        <p:style>
+          <a:lnRef idx="1">
+            <a:schemeClr val="accent1"/>
+          </a:lnRef>
+          <a:fillRef idx="0">
+            <a:schemeClr val="accent1"/>
+          </a:fillRef>
+          <a:effectRef idx="0">
+            <a:schemeClr val="accent1"/>
+          </a:effectRef>
+          <a:fontRef idx="minor">
+            <a:schemeClr val="tx1"/>
+          </a:fontRef>
+        </p:style>
+      </p:cxnSp>
+      <p:cxnSp>
+        <p:nvCxnSpPr>
+          <p:cNvPr id="36" name="直接连接符 35">
+            <a:extLst>
+              <a:ext uri="{FF2B5EF4-FFF2-40B4-BE49-F238E27FC236}">
+                <a16:creationId xmlns:a16="http://schemas.microsoft.com/office/drawing/2014/main" id="{4F67807F-F89E-9D85-4832-17038E1B20E8}"/>
+              </a:ext>
+            </a:extLst>
+          </p:cNvPr>
+          <p:cNvCxnSpPr/>
+          <p:nvPr/>
+        </p:nvCxnSpPr>
+        <p:spPr>
+          <a:xfrm>
+            <a:off x="3848100" y="1695450"/>
+            <a:ext cx="0" cy="114300"/>
+          </a:xfrm>
+          <a:prstGeom prst="line">
+            <a:avLst/>
+          </a:prstGeom>
+        </p:spPr>
+        <p:style>
+          <a:lnRef idx="1">
+            <a:schemeClr val="accent1"/>
+          </a:lnRef>
+          <a:fillRef idx="0">
+            <a:schemeClr val="accent1"/>
+          </a:fillRef>
+          <a:effectRef idx="0">
+            <a:schemeClr val="accent1"/>
+          </a:effectRef>
+          <a:fontRef idx="minor">
+            <a:schemeClr val="tx1"/>
+          </a:fontRef>
+        </p:style>
+      </p:cxnSp>
+      <p:cxnSp>
+        <p:nvCxnSpPr>
+          <p:cNvPr id="38" name="直接连接符 37">
+            <a:extLst>
+              <a:ext uri="{FF2B5EF4-FFF2-40B4-BE49-F238E27FC236}">
+                <a16:creationId xmlns:a16="http://schemas.microsoft.com/office/drawing/2014/main" id="{E8C88360-723A-73F7-5BAD-435B5D0396DC}"/>
+              </a:ext>
+            </a:extLst>
+          </p:cNvPr>
+          <p:cNvCxnSpPr/>
+          <p:nvPr/>
+        </p:nvCxnSpPr>
+        <p:spPr>
+          <a:xfrm>
+            <a:off x="7298055" y="1695450"/>
+            <a:ext cx="0" cy="152400"/>
+          </a:xfrm>
+          <a:prstGeom prst="line">
+            <a:avLst/>
+          </a:prstGeom>
         </p:spPr>
         <p:style>
           <a:lnRef idx="1">
@@ -13317,12 +13454,13 @@
         </p:nvSpPr>
         <p:spPr>
           <a:xfrm>
-            <a:off x="3653555" y="1010431"/>
+            <a:off x="2910605" y="1010431"/>
             <a:ext cx="1903956" cy="563671"/>
           </a:xfrm>
           <a:prstGeom prst="rect">
             <a:avLst/>
           </a:prstGeom>
+          <a:noFill/>
         </p:spPr>
         <p:style>
           <a:lnRef idx="1">
@@ -13342,9 +13480,12 @@
           <a:bodyPr rtlCol="0" anchor="ctr"/>
           <a:lstStyle/>
           <a:p>
-            <a:pPr algn="ctr"/>
-            <a:r>
-              <a:rPr lang="zh-CN" altLang="en-US" sz="2400" dirty="0"/>
+            <a:r>
+              <a:rPr lang="zh-CN" altLang="en-US" sz="2400" dirty="0">
+                <a:solidFill>
+                  <a:schemeClr val="tx1"/>
+                </a:solidFill>
+              </a:rPr>
               <a:t>手机号</a:t>
             </a:r>
           </a:p>
@@ -13364,12 +13505,13 @@
         </p:nvSpPr>
         <p:spPr>
           <a:xfrm>
-            <a:off x="3653555" y="1693102"/>
+            <a:off x="2910605" y="1693102"/>
             <a:ext cx="1903956" cy="563671"/>
           </a:xfrm>
           <a:prstGeom prst="rect">
             <a:avLst/>
           </a:prstGeom>
+          <a:noFill/>
         </p:spPr>
         <p:style>
           <a:lnRef idx="1">
@@ -13389,9 +13531,12 @@
           <a:bodyPr rtlCol="0" anchor="ctr"/>
           <a:lstStyle/>
           <a:p>
-            <a:pPr algn="ctr"/>
-            <a:r>
-              <a:rPr lang="zh-CN" altLang="en-US" sz="2400" dirty="0"/>
+            <a:r>
+              <a:rPr lang="zh-CN" altLang="en-US" sz="2400" dirty="0">
+                <a:solidFill>
+                  <a:schemeClr val="tx1"/>
+                </a:solidFill>
+              </a:rPr>
               <a:t>邮箱账号</a:t>
             </a:r>
           </a:p>
@@ -13411,12 +13556,13 @@
         </p:nvSpPr>
         <p:spPr>
           <a:xfrm>
-            <a:off x="3653555" y="2394559"/>
+            <a:off x="2910605" y="2394559"/>
             <a:ext cx="1903956" cy="563671"/>
           </a:xfrm>
           <a:prstGeom prst="rect">
             <a:avLst/>
           </a:prstGeom>
+          <a:noFill/>
         </p:spPr>
         <p:style>
           <a:lnRef idx="1">
@@ -13436,9 +13582,12 @@
           <a:bodyPr rtlCol="0" anchor="ctr"/>
           <a:lstStyle/>
           <a:p>
-            <a:pPr algn="ctr"/>
-            <a:r>
-              <a:rPr lang="zh-CN" altLang="en-US" sz="2400" dirty="0"/>
+            <a:r>
+              <a:rPr lang="zh-CN" altLang="en-US" sz="2400" dirty="0">
+                <a:solidFill>
+                  <a:schemeClr val="tx1"/>
+                </a:solidFill>
+              </a:rPr>
               <a:t>真实名字</a:t>
             </a:r>
           </a:p>
@@ -13458,12 +13607,13 @@
         </p:nvSpPr>
         <p:spPr>
           <a:xfrm>
-            <a:off x="3653555" y="3114806"/>
+            <a:off x="2910605" y="3114806"/>
             <a:ext cx="1903956" cy="563671"/>
           </a:xfrm>
           <a:prstGeom prst="rect">
             <a:avLst/>
           </a:prstGeom>
+          <a:noFill/>
         </p:spPr>
         <p:style>
           <a:lnRef idx="1">
@@ -13483,16 +13633,27 @@
           <a:bodyPr rtlCol="0" anchor="ctr"/>
           <a:lstStyle/>
           <a:p>
-            <a:pPr algn="ctr"/>
-            <a:r>
-              <a:rPr lang="zh-CN" altLang="en-US" sz="2400" dirty="0"/>
+            <a:r>
+              <a:rPr lang="zh-CN" altLang="en-US" sz="2400" dirty="0">
+                <a:solidFill>
+                  <a:schemeClr val="tx1"/>
+                </a:solidFill>
+              </a:rPr>
               <a:t>身份</a:t>
             </a:r>
             <a:r>
-              <a:rPr lang="en-US" altLang="zh-CN" sz="2400" dirty="0"/>
+              <a:rPr lang="en-US" altLang="zh-CN" sz="2400" dirty="0">
+                <a:solidFill>
+                  <a:schemeClr val="tx1"/>
+                </a:solidFill>
+              </a:rPr>
               <a:t>*</a:t>
             </a:r>
-            <a:endParaRPr lang="zh-CN" altLang="en-US" sz="2400" dirty="0"/>
+            <a:endParaRPr lang="zh-CN" altLang="en-US" sz="2400" dirty="0">
+              <a:solidFill>
+                <a:schemeClr val="tx1"/>
+              </a:solidFill>
+            </a:endParaRPr>
           </a:p>
         </p:txBody>
       </p:sp>
@@ -13510,12 +13671,13 @@
         </p:nvSpPr>
         <p:spPr>
           <a:xfrm>
-            <a:off x="3653555" y="3835053"/>
+            <a:off x="2910605" y="3835053"/>
             <a:ext cx="1903956" cy="563671"/>
           </a:xfrm>
           <a:prstGeom prst="rect">
             <a:avLst/>
           </a:prstGeom>
+          <a:noFill/>
         </p:spPr>
         <p:style>
           <a:lnRef idx="1">
@@ -13535,16 +13697,27 @@
           <a:bodyPr rtlCol="0" anchor="ctr"/>
           <a:lstStyle/>
           <a:p>
-            <a:pPr algn="ctr"/>
-            <a:r>
-              <a:rPr lang="zh-CN" altLang="en-US" sz="2400" dirty="0"/>
+            <a:r>
+              <a:rPr lang="zh-CN" altLang="en-US" sz="2400" dirty="0">
+                <a:solidFill>
+                  <a:schemeClr val="tx1"/>
+                </a:solidFill>
+              </a:rPr>
               <a:t>用户名</a:t>
             </a:r>
             <a:r>
-              <a:rPr lang="en-US" altLang="zh-CN" sz="2400" dirty="0"/>
+              <a:rPr lang="en-US" altLang="zh-CN" sz="2400" dirty="0">
+                <a:solidFill>
+                  <a:schemeClr val="tx1"/>
+                </a:solidFill>
+              </a:rPr>
               <a:t>*</a:t>
             </a:r>
-            <a:endParaRPr lang="zh-CN" altLang="en-US" sz="2400" dirty="0"/>
+            <a:endParaRPr lang="zh-CN" altLang="en-US" sz="2400" dirty="0">
+              <a:solidFill>
+                <a:schemeClr val="tx1"/>
+              </a:solidFill>
+            </a:endParaRPr>
           </a:p>
         </p:txBody>
       </p:sp>
@@ -13562,12 +13735,13 @@
         </p:nvSpPr>
         <p:spPr>
           <a:xfrm>
-            <a:off x="3653555" y="4549037"/>
+            <a:off x="2910605" y="4549037"/>
             <a:ext cx="1903956" cy="563671"/>
           </a:xfrm>
           <a:prstGeom prst="rect">
             <a:avLst/>
           </a:prstGeom>
+          <a:noFill/>
         </p:spPr>
         <p:style>
           <a:lnRef idx="1">
@@ -13587,16 +13761,27 @@
           <a:bodyPr rtlCol="0" anchor="ctr"/>
           <a:lstStyle/>
           <a:p>
-            <a:pPr algn="ctr"/>
-            <a:r>
-              <a:rPr lang="zh-CN" altLang="en-US" sz="2400" dirty="0"/>
+            <a:r>
+              <a:rPr lang="zh-CN" altLang="en-US" sz="2400" dirty="0">
+                <a:solidFill>
+                  <a:schemeClr val="tx1"/>
+                </a:solidFill>
+              </a:rPr>
               <a:t>密码</a:t>
             </a:r>
             <a:r>
-              <a:rPr lang="en-US" altLang="zh-CN" sz="2400" dirty="0"/>
+              <a:rPr lang="en-US" altLang="zh-CN" sz="2400" dirty="0">
+                <a:solidFill>
+                  <a:schemeClr val="tx1"/>
+                </a:solidFill>
+              </a:rPr>
               <a:t>*</a:t>
             </a:r>
-            <a:endParaRPr lang="zh-CN" altLang="en-US" sz="2400" dirty="0"/>
+            <a:endParaRPr lang="zh-CN" altLang="en-US" sz="2400" dirty="0">
+              <a:solidFill>
+                <a:schemeClr val="tx1"/>
+              </a:solidFill>
+            </a:endParaRPr>
           </a:p>
         </p:txBody>
       </p:sp>
@@ -13614,12 +13799,13 @@
         </p:nvSpPr>
         <p:spPr>
           <a:xfrm>
-            <a:off x="2772558" y="1974937"/>
+            <a:off x="2029608" y="1974937"/>
             <a:ext cx="513567" cy="1781827"/>
           </a:xfrm>
           <a:prstGeom prst="rect">
             <a:avLst/>
           </a:prstGeom>
+          <a:noFill/>
         </p:spPr>
         <p:style>
           <a:lnRef idx="1">
@@ -13641,7 +13827,11 @@
           <a:p>
             <a:pPr algn="ctr"/>
             <a:r>
-              <a:rPr lang="zh-CN" altLang="en-US" dirty="0"/>
+              <a:rPr lang="zh-CN" altLang="en-US" dirty="0">
+                <a:solidFill>
+                  <a:schemeClr val="tx1"/>
+                </a:solidFill>
+              </a:rPr>
               <a:t>基本信息</a:t>
             </a:r>
           </a:p>
@@ -13661,7 +13851,7 @@
         </p:nvSpPr>
         <p:spPr>
           <a:xfrm>
-            <a:off x="3286125" y="759912"/>
+            <a:off x="2543175" y="759912"/>
             <a:ext cx="2659693" cy="4697261"/>
           </a:xfrm>
           <a:prstGeom prst="rect">
@@ -13708,12 +13898,13 @@
         </p:nvSpPr>
         <p:spPr>
           <a:xfrm>
-            <a:off x="7123657" y="1633732"/>
-            <a:ext cx="2935266" cy="471293"/>
+            <a:off x="6380706" y="1633732"/>
+            <a:ext cx="3115719" cy="471293"/>
           </a:xfrm>
           <a:prstGeom prst="rect">
             <a:avLst/>
           </a:prstGeom>
+          <a:noFill/>
         </p:spPr>
         <p:style>
           <a:lnRef idx="2">
@@ -13735,9 +13926,20 @@
           <a:bodyPr rtlCol="0" anchor="ctr"/>
           <a:lstStyle/>
           <a:p>
-            <a:pPr algn="ctr"/>
-            <a:r>
-              <a:rPr lang="zh-CN" altLang="en-US" dirty="0"/>
+            <a:r>
+              <a:rPr lang="en-US" altLang="zh-CN" dirty="0">
+                <a:solidFill>
+                  <a:schemeClr val="tx1"/>
+                </a:solidFill>
+              </a:rPr>
+              <a:t>1.</a:t>
+            </a:r>
+            <a:r>
+              <a:rPr lang="zh-CN" altLang="en-US" dirty="0">
+                <a:solidFill>
+                  <a:schemeClr val="tx1"/>
+                </a:solidFill>
+              </a:rPr>
               <a:t>验证是否为重复注册用户</a:t>
             </a:r>
           </a:p>
@@ -13757,12 +13959,13 @@
         </p:nvSpPr>
         <p:spPr>
           <a:xfrm>
-            <a:off x="7123657" y="2409825"/>
-            <a:ext cx="2935266" cy="471293"/>
+            <a:off x="6380706" y="2409825"/>
+            <a:ext cx="3115719" cy="471293"/>
           </a:xfrm>
           <a:prstGeom prst="rect">
             <a:avLst/>
           </a:prstGeom>
+          <a:noFill/>
         </p:spPr>
         <p:style>
           <a:lnRef idx="2">
@@ -13784,9 +13987,20 @@
           <a:bodyPr rtlCol="0" anchor="ctr"/>
           <a:lstStyle/>
           <a:p>
-            <a:pPr algn="ctr"/>
-            <a:r>
-              <a:rPr lang="zh-CN" altLang="en-US" dirty="0"/>
+            <a:r>
+              <a:rPr lang="en-US" altLang="zh-CN" dirty="0">
+                <a:solidFill>
+                  <a:schemeClr val="tx1"/>
+                </a:solidFill>
+              </a:rPr>
+              <a:t>2.</a:t>
+            </a:r>
+            <a:r>
+              <a:rPr lang="zh-CN" altLang="en-US" dirty="0">
+                <a:solidFill>
+                  <a:schemeClr val="tx1"/>
+                </a:solidFill>
+              </a:rPr>
               <a:t>验证信息是否填写完整</a:t>
             </a:r>
           </a:p>
@@ -13806,12 +14020,13 @@
         </p:nvSpPr>
         <p:spPr>
           <a:xfrm>
-            <a:off x="7123657" y="3179133"/>
-            <a:ext cx="2935266" cy="471293"/>
+            <a:off x="6380706" y="3179133"/>
+            <a:ext cx="3115719" cy="471293"/>
           </a:xfrm>
           <a:prstGeom prst="rect">
             <a:avLst/>
           </a:prstGeom>
+          <a:noFill/>
         </p:spPr>
         <p:style>
           <a:lnRef idx="2">
@@ -13833,9 +14048,20 @@
           <a:bodyPr rtlCol="0" anchor="ctr"/>
           <a:lstStyle/>
           <a:p>
-            <a:pPr algn="ctr"/>
-            <a:r>
-              <a:rPr lang="zh-CN" altLang="en-US" dirty="0"/>
+            <a:r>
+              <a:rPr lang="en-US" altLang="zh-CN" dirty="0">
+                <a:solidFill>
+                  <a:schemeClr val="tx1"/>
+                </a:solidFill>
+              </a:rPr>
+              <a:t>3.</a:t>
+            </a:r>
+            <a:r>
+              <a:rPr lang="zh-CN" altLang="en-US" dirty="0">
+                <a:solidFill>
+                  <a:schemeClr val="tx1"/>
+                </a:solidFill>
+              </a:rPr>
               <a:t>验证信息是否填写规范</a:t>
             </a:r>
           </a:p>
@@ -13855,12 +14081,13 @@
         </p:nvSpPr>
         <p:spPr>
           <a:xfrm>
-            <a:off x="7123657" y="3886852"/>
-            <a:ext cx="2935266" cy="471293"/>
+            <a:off x="6380706" y="3886852"/>
+            <a:ext cx="3115719" cy="471293"/>
           </a:xfrm>
           <a:prstGeom prst="rect">
             <a:avLst/>
           </a:prstGeom>
+          <a:noFill/>
         </p:spPr>
         <p:style>
           <a:lnRef idx="2">
@@ -13882,9 +14109,20 @@
           <a:bodyPr rtlCol="0" anchor="ctr"/>
           <a:lstStyle/>
           <a:p>
-            <a:pPr algn="ctr"/>
-            <a:r>
-              <a:rPr lang="zh-CN" altLang="en-US" dirty="0"/>
+            <a:r>
+              <a:rPr lang="en-US" altLang="zh-CN" dirty="0">
+                <a:solidFill>
+                  <a:schemeClr val="tx1"/>
+                </a:solidFill>
+              </a:rPr>
+              <a:t>4.</a:t>
+            </a:r>
+            <a:r>
+              <a:rPr lang="zh-CN" altLang="en-US" dirty="0">
+                <a:solidFill>
+                  <a:schemeClr val="tx1"/>
+                </a:solidFill>
+              </a:rPr>
               <a:t>验证前后两次密码是否一致</a:t>
             </a:r>
           </a:p>
@@ -13904,7 +14142,7 @@
         </p:nvSpPr>
         <p:spPr>
           <a:xfrm>
-            <a:off x="6754660" y="759912"/>
+            <a:off x="6011710" y="759912"/>
             <a:ext cx="3570440" cy="4697261"/>
           </a:xfrm>
           <a:prstGeom prst="rect">
@@ -13951,12 +14189,13 @@
         </p:nvSpPr>
         <p:spPr>
           <a:xfrm>
-            <a:off x="5945818" y="2324100"/>
+            <a:off x="5202868" y="2324100"/>
             <a:ext cx="808842" cy="171450"/>
           </a:xfrm>
           <a:prstGeom prst="rightArrow">
             <a:avLst/>
           </a:prstGeom>
+          <a:noFill/>
         </p:spPr>
         <p:style>
           <a:lnRef idx="2">
@@ -13979,7 +14218,11 @@
           <a:lstStyle/>
           <a:p>
             <a:pPr algn="ctr"/>
-            <a:endParaRPr lang="zh-CN" altLang="en-US"/>
+            <a:endParaRPr lang="zh-CN" altLang="en-US">
+              <a:solidFill>
+                <a:schemeClr val="tx1"/>
+              </a:solidFill>
+            </a:endParaRPr>
           </a:p>
         </p:txBody>
       </p:sp>
@@ -13997,12 +14240,13 @@
         </p:nvSpPr>
         <p:spPr>
           <a:xfrm>
-            <a:off x="6096001" y="2676525"/>
+            <a:off x="5353051" y="2676525"/>
             <a:ext cx="426798" cy="1872512"/>
           </a:xfrm>
           <a:prstGeom prst="rect">
             <a:avLst/>
           </a:prstGeom>
+          <a:noFill/>
         </p:spPr>
         <p:style>
           <a:lnRef idx="2">
@@ -14026,7 +14270,11 @@
           <a:p>
             <a:pPr algn="ctr"/>
             <a:r>
-              <a:rPr lang="zh-CN" altLang="en-US" dirty="0"/>
+              <a:rPr lang="zh-CN" altLang="en-US" dirty="0">
+                <a:solidFill>
+                  <a:schemeClr val="tx1"/>
+                </a:solidFill>
+              </a:rPr>
               <a:t>注册模块</a:t>
             </a:r>
           </a:p>
@@ -14046,12 +14294,13 @@
         </p:nvSpPr>
         <p:spPr>
           <a:xfrm>
-            <a:off x="5945818" y="1849207"/>
+            <a:off x="5202868" y="1849207"/>
             <a:ext cx="808842" cy="171449"/>
           </a:xfrm>
           <a:prstGeom prst="leftArrow">
             <a:avLst/>
           </a:prstGeom>
+          <a:noFill/>
         </p:spPr>
         <p:style>
           <a:lnRef idx="2">
@@ -14074,7 +14323,11 @@
           <a:lstStyle/>
           <a:p>
             <a:pPr algn="ctr"/>
-            <a:endParaRPr lang="zh-CN" altLang="en-US"/>
+            <a:endParaRPr lang="zh-CN" altLang="en-US">
+              <a:solidFill>
+                <a:schemeClr val="tx1"/>
+              </a:solidFill>
+            </a:endParaRPr>
           </a:p>
         </p:txBody>
       </p:sp>
@@ -14128,6 +14381,7 @@
           <a:prstGeom prst="roundRect">
             <a:avLst/>
           </a:prstGeom>
+          <a:noFill/>
         </p:spPr>
         <p:style>
           <a:lnRef idx="2">
@@ -14151,7 +14405,11 @@
           <a:p>
             <a:pPr algn="ctr"/>
             <a:r>
-              <a:rPr lang="zh-CN" altLang="en-US" dirty="0"/>
+              <a:rPr lang="zh-CN" altLang="en-US" dirty="0">
+                <a:solidFill>
+                  <a:schemeClr val="tx1"/>
+                </a:solidFill>
+              </a:rPr>
               <a:t>系统管理</a:t>
             </a:r>
           </a:p>
@@ -14177,6 +14435,7 @@
           <a:prstGeom prst="roundRect">
             <a:avLst/>
           </a:prstGeom>
+          <a:noFill/>
         </p:spPr>
         <p:style>
           <a:lnRef idx="1">
@@ -14198,7 +14457,11 @@
           <a:p>
             <a:pPr algn="ctr"/>
             <a:r>
-              <a:rPr lang="zh-CN" altLang="en-US" dirty="0"/>
+              <a:rPr lang="zh-CN" altLang="en-US" dirty="0">
+                <a:solidFill>
+                  <a:schemeClr val="tx1"/>
+                </a:solidFill>
+              </a:rPr>
               <a:t>组织机构管理</a:t>
             </a:r>
           </a:p>
@@ -14224,6 +14487,7 @@
           <a:prstGeom prst="roundRect">
             <a:avLst/>
           </a:prstGeom>
+          <a:noFill/>
         </p:spPr>
         <p:style>
           <a:lnRef idx="1">
@@ -14245,7 +14509,11 @@
           <a:p>
             <a:pPr algn="ctr"/>
             <a:r>
-              <a:rPr lang="zh-CN" altLang="en-US" dirty="0"/>
+              <a:rPr lang="zh-CN" altLang="en-US" dirty="0">
+                <a:solidFill>
+                  <a:schemeClr val="tx1"/>
+                </a:solidFill>
+              </a:rPr>
               <a:t>功能模块管理</a:t>
             </a:r>
           </a:p>
@@ -14271,6 +14539,7 @@
           <a:prstGeom prst="roundRect">
             <a:avLst/>
           </a:prstGeom>
+          <a:noFill/>
         </p:spPr>
         <p:style>
           <a:lnRef idx="1">
@@ -14292,7 +14561,11 @@
           <a:p>
             <a:pPr algn="ctr"/>
             <a:r>
-              <a:rPr lang="zh-CN" altLang="en-US" dirty="0"/>
+              <a:rPr lang="zh-CN" altLang="en-US" dirty="0">
+                <a:solidFill>
+                  <a:schemeClr val="tx1"/>
+                </a:solidFill>
+              </a:rPr>
               <a:t>角色权限管理</a:t>
             </a:r>
           </a:p>
@@ -14318,6 +14591,7 @@
           <a:prstGeom prst="roundRect">
             <a:avLst/>
           </a:prstGeom>
+          <a:noFill/>
         </p:spPr>
         <p:style>
           <a:lnRef idx="1">
@@ -14339,7 +14613,11 @@
           <a:p>
             <a:pPr algn="ctr"/>
             <a:r>
-              <a:rPr lang="zh-CN" altLang="en-US" dirty="0"/>
+              <a:rPr lang="zh-CN" altLang="en-US" dirty="0">
+                <a:solidFill>
+                  <a:schemeClr val="tx1"/>
+                </a:solidFill>
+              </a:rPr>
               <a:t>操作日志管理</a:t>
             </a:r>
           </a:p>
@@ -14365,6 +14643,7 @@
           <a:prstGeom prst="rect">
             <a:avLst/>
           </a:prstGeom>
+          <a:noFill/>
         </p:spPr>
         <p:style>
           <a:lnRef idx="2">
@@ -14388,7 +14667,11 @@
           <a:p>
             <a:pPr algn="ctr"/>
             <a:r>
-              <a:rPr lang="zh-CN" altLang="en-US" dirty="0"/>
+              <a:rPr lang="zh-CN" altLang="en-US" dirty="0">
+                <a:solidFill>
+                  <a:schemeClr val="tx1"/>
+                </a:solidFill>
+              </a:rPr>
               <a:t>新增组织机构</a:t>
             </a:r>
           </a:p>
@@ -14414,6 +14697,7 @@
           <a:prstGeom prst="rect">
             <a:avLst/>
           </a:prstGeom>
+          <a:noFill/>
         </p:spPr>
         <p:style>
           <a:lnRef idx="2">
@@ -14437,7 +14721,11 @@
           <a:p>
             <a:pPr algn="ctr"/>
             <a:r>
-              <a:rPr lang="zh-CN" altLang="en-US" dirty="0"/>
+              <a:rPr lang="zh-CN" altLang="en-US" dirty="0">
+                <a:solidFill>
+                  <a:schemeClr val="tx1"/>
+                </a:solidFill>
+              </a:rPr>
               <a:t>编辑组织机构</a:t>
             </a:r>
           </a:p>
@@ -14463,6 +14751,7 @@
           <a:prstGeom prst="rect">
             <a:avLst/>
           </a:prstGeom>
+          <a:noFill/>
         </p:spPr>
         <p:style>
           <a:lnRef idx="2">
@@ -14486,7 +14775,11 @@
           <a:p>
             <a:pPr algn="ctr"/>
             <a:r>
-              <a:rPr lang="zh-CN" altLang="en-US" dirty="0"/>
+              <a:rPr lang="zh-CN" altLang="en-US" dirty="0">
+                <a:solidFill>
+                  <a:schemeClr val="tx1"/>
+                </a:solidFill>
+              </a:rPr>
               <a:t>删除组织机构</a:t>
             </a:r>
           </a:p>
@@ -14512,6 +14805,7 @@
           <a:prstGeom prst="rect">
             <a:avLst/>
           </a:prstGeom>
+          <a:noFill/>
         </p:spPr>
         <p:style>
           <a:lnRef idx="2">
@@ -14535,7 +14829,11 @@
           <a:p>
             <a:pPr algn="ctr"/>
             <a:r>
-              <a:rPr lang="zh-CN" altLang="en-US" dirty="0"/>
+              <a:rPr lang="zh-CN" altLang="en-US" dirty="0">
+                <a:solidFill>
+                  <a:schemeClr val="tx1"/>
+                </a:solidFill>
+              </a:rPr>
               <a:t>新增功能</a:t>
             </a:r>
           </a:p>
@@ -14561,6 +14859,7 @@
           <a:prstGeom prst="rect">
             <a:avLst/>
           </a:prstGeom>
+          <a:noFill/>
         </p:spPr>
         <p:style>
           <a:lnRef idx="2">
@@ -14584,7 +14883,11 @@
           <a:p>
             <a:pPr algn="ctr"/>
             <a:r>
-              <a:rPr lang="zh-CN" altLang="en-US" dirty="0"/>
+              <a:rPr lang="zh-CN" altLang="en-US" dirty="0">
+                <a:solidFill>
+                  <a:schemeClr val="tx1"/>
+                </a:solidFill>
+              </a:rPr>
               <a:t>编辑功能</a:t>
             </a:r>
           </a:p>
@@ -14610,6 +14913,7 @@
           <a:prstGeom prst="rect">
             <a:avLst/>
           </a:prstGeom>
+          <a:noFill/>
         </p:spPr>
         <p:style>
           <a:lnRef idx="2">
@@ -14633,7 +14937,11 @@
           <a:p>
             <a:pPr algn="ctr"/>
             <a:r>
-              <a:rPr lang="zh-CN" altLang="en-US" dirty="0"/>
+              <a:rPr lang="zh-CN" altLang="en-US" dirty="0">
+                <a:solidFill>
+                  <a:schemeClr val="tx1"/>
+                </a:solidFill>
+              </a:rPr>
               <a:t>删除功能</a:t>
             </a:r>
           </a:p>
@@ -14659,6 +14967,7 @@
           <a:prstGeom prst="rect">
             <a:avLst/>
           </a:prstGeom>
+          <a:noFill/>
         </p:spPr>
         <p:style>
           <a:lnRef idx="2">
@@ -14682,7 +14991,11 @@
           <a:p>
             <a:pPr algn="ctr"/>
             <a:r>
-              <a:rPr lang="zh-CN" altLang="en-US" dirty="0"/>
+              <a:rPr lang="zh-CN" altLang="en-US" dirty="0">
+                <a:solidFill>
+                  <a:schemeClr val="tx1"/>
+                </a:solidFill>
+              </a:rPr>
               <a:t>编辑角色全息</a:t>
             </a:r>
           </a:p>
@@ -14708,6 +15021,7 @@
           <a:prstGeom prst="rect">
             <a:avLst/>
           </a:prstGeom>
+          <a:noFill/>
         </p:spPr>
         <p:style>
           <a:lnRef idx="2">
@@ -14731,7 +15045,11 @@
           <a:p>
             <a:pPr algn="ctr"/>
             <a:r>
-              <a:rPr lang="zh-CN" altLang="en-US" dirty="0"/>
+              <a:rPr lang="zh-CN" altLang="en-US" dirty="0">
+                <a:solidFill>
+                  <a:schemeClr val="tx1"/>
+                </a:solidFill>
+              </a:rPr>
               <a:t>查看操作日志</a:t>
             </a:r>
           </a:p>
@@ -14757,6 +15075,7 @@
           <a:prstGeom prst="roundRect">
             <a:avLst/>
           </a:prstGeom>
+          <a:noFill/>
         </p:spPr>
         <p:style>
           <a:lnRef idx="2">
@@ -14780,7 +15099,11 @@
           <a:p>
             <a:pPr algn="ctr"/>
             <a:r>
-              <a:rPr lang="zh-CN" altLang="en-US" dirty="0"/>
+              <a:rPr lang="zh-CN" altLang="en-US" dirty="0">
+                <a:solidFill>
+                  <a:schemeClr val="tx1"/>
+                </a:solidFill>
+              </a:rPr>
               <a:t>控制用户的组织</a:t>
             </a:r>
           </a:p>
@@ -14806,6 +15129,7 @@
           <a:prstGeom prst="roundRect">
             <a:avLst/>
           </a:prstGeom>
+          <a:noFill/>
         </p:spPr>
         <p:style>
           <a:lnRef idx="2">
@@ -14829,7 +15153,11 @@
           <a:p>
             <a:pPr algn="ctr"/>
             <a:r>
-              <a:rPr lang="zh-CN" altLang="en-US" dirty="0"/>
+              <a:rPr lang="zh-CN" altLang="en-US" dirty="0">
+                <a:solidFill>
+                  <a:schemeClr val="tx1"/>
+                </a:solidFill>
+              </a:rPr>
               <a:t>控制菜单目录</a:t>
             </a:r>
           </a:p>
@@ -14855,6 +15183,7 @@
           <a:prstGeom prst="roundRect">
             <a:avLst/>
           </a:prstGeom>
+          <a:noFill/>
         </p:spPr>
         <p:style>
           <a:lnRef idx="2">
@@ -14878,7 +15207,11 @@
           <a:p>
             <a:pPr algn="ctr"/>
             <a:r>
-              <a:rPr lang="zh-CN" altLang="en-US" dirty="0"/>
+              <a:rPr lang="zh-CN" altLang="en-US" dirty="0">
+                <a:solidFill>
+                  <a:schemeClr val="tx1"/>
+                </a:solidFill>
+              </a:rPr>
               <a:t>控制菜单目录对谁可见</a:t>
             </a:r>
           </a:p>
@@ -14904,6 +15237,7 @@
           <a:prstGeom prst="roundRect">
             <a:avLst/>
           </a:prstGeom>
+          <a:noFill/>
         </p:spPr>
         <p:style>
           <a:lnRef idx="2">
@@ -14927,7 +15261,11 @@
           <a:p>
             <a:pPr algn="ctr"/>
             <a:r>
-              <a:rPr lang="zh-CN" altLang="en-US" dirty="0"/>
+              <a:rPr lang="zh-CN" altLang="en-US" dirty="0">
+                <a:solidFill>
+                  <a:schemeClr val="tx1"/>
+                </a:solidFill>
+              </a:rPr>
               <a:t>查看具体操作日志</a:t>
             </a:r>
           </a:p>
@@ -15588,36 +15926,6 @@
           </a:p>
         </p:txBody>
       </p:sp>
-      <p:pic>
-        <p:nvPicPr>
-          <p:cNvPr id="66" name="图片 65">
-            <a:extLst>
-              <a:ext uri="{FF2B5EF4-FFF2-40B4-BE49-F238E27FC236}">
-                <a16:creationId xmlns:a16="http://schemas.microsoft.com/office/drawing/2014/main" id="{0752DA59-15CD-C7F7-F5C5-4E37407D749B}"/>
-              </a:ext>
-            </a:extLst>
-          </p:cNvPr>
-          <p:cNvPicPr>
-            <a:picLocks noChangeAspect="1"/>
-          </p:cNvPicPr>
-          <p:nvPr/>
-        </p:nvPicPr>
-        <p:blipFill>
-          <a:blip r:embed="rId2"/>
-          <a:stretch>
-            <a:fillRect/>
-          </a:stretch>
-        </p:blipFill>
-        <p:spPr>
-          <a:xfrm>
-            <a:off x="5728993" y="2691396"/>
-            <a:ext cx="6463007" cy="4166604"/>
-          </a:xfrm>
-          <a:prstGeom prst="rect">
-            <a:avLst/>
-          </a:prstGeom>
-        </p:spPr>
-      </p:pic>
       <p:grpSp>
         <p:nvGrpSpPr>
           <p:cNvPr id="70" name="组合 69">
@@ -15632,8 +15940,8 @@
         </p:nvGrpSpPr>
         <p:grpSpPr>
           <a:xfrm>
-            <a:off x="119213" y="3944070"/>
-            <a:ext cx="1735637" cy="2333625"/>
+            <a:off x="39487" y="3944070"/>
+            <a:ext cx="2077241" cy="2333625"/>
             <a:chOff x="104775" y="3114675"/>
             <a:chExt cx="1735637" cy="2333625"/>
           </a:xfrm>
@@ -15652,7 +15960,7 @@
           </p:nvSpPr>
           <p:spPr>
             <a:xfrm>
-              <a:off x="468813" y="3303479"/>
+              <a:off x="295661" y="3294442"/>
               <a:ext cx="338202" cy="1916482"/>
             </a:xfrm>
             <a:prstGeom prst="rect">
@@ -15687,7 +15995,7 @@
                     <a:schemeClr val="tx1"/>
                   </a:solidFill>
                 </a:rPr>
-                <a:t>大纲节点名字</a:t>
+                <a:t>添加大纲</a:t>
               </a:r>
             </a:p>
           </p:txBody>
@@ -15706,7 +16014,7 @@
           </p:nvSpPr>
           <p:spPr>
             <a:xfrm>
-              <a:off x="1070061" y="3303479"/>
+              <a:off x="1373820" y="3294442"/>
               <a:ext cx="338202" cy="1916482"/>
             </a:xfrm>
             <a:prstGeom prst="rect">
@@ -15741,7 +16049,7 @@
                     <a:schemeClr val="tx1"/>
                   </a:solidFill>
                 </a:rPr>
-                <a:t>大纲节点父节点</a:t>
+                <a:t>编辑大纲</a:t>
               </a:r>
             </a:p>
           </p:txBody>
@@ -15863,7 +16171,7 @@
                     <a:schemeClr val="tx1"/>
                   </a:solidFill>
                 </a:rPr>
-                <a:t>题库名称</a:t>
+                <a:t>添加题库</a:t>
               </a:r>
             </a:p>
           </p:txBody>
@@ -15917,7 +16225,7 @@
                     <a:schemeClr val="tx1"/>
                   </a:solidFill>
                 </a:rPr>
-                <a:t>题库是否加密</a:t>
+                <a:t>删除题库</a:t>
               </a:r>
             </a:p>
           </p:txBody>
@@ -15971,7 +16279,7 @@
                     <a:schemeClr val="tx1"/>
                   </a:solidFill>
                 </a:rPr>
-                <a:t>加密密码</a:t>
+                <a:t>给题库加密</a:t>
               </a:r>
             </a:p>
           </p:txBody>
@@ -16025,21 +16333,8 @@
                     <a:schemeClr val="tx1"/>
                   </a:solidFill>
                 </a:rPr>
-                <a:t>题库大纲</a:t>
+                <a:t>更改题库密码</a:t>
               </a:r>
-              <a:r>
-                <a:rPr lang="en-US" altLang="zh-CN" dirty="0">
-                  <a:solidFill>
-                    <a:schemeClr val="tx1"/>
-                  </a:solidFill>
-                </a:rPr>
-                <a:t>id</a:t>
-              </a:r>
-              <a:endParaRPr lang="zh-CN" altLang="en-US" dirty="0">
-                <a:solidFill>
-                  <a:schemeClr val="tx1"/>
-                </a:solidFill>
-              </a:endParaRPr>
             </a:p>
           </p:txBody>
         </p:sp>
@@ -16105,8 +16400,8 @@
         </p:nvSpPr>
         <p:spPr>
           <a:xfrm>
-            <a:off x="5609415" y="2684805"/>
-            <a:ext cx="6309799" cy="4166604"/>
+            <a:off x="7010403" y="2684805"/>
+            <a:ext cx="4908811" cy="4166604"/>
           </a:xfrm>
           <a:prstGeom prst="roundRect">
             <a:avLst/>
@@ -16341,7 +16636,7 @@
         <p:spPr>
           <a:xfrm>
             <a:off x="1070061" y="1747118"/>
-            <a:ext cx="0" cy="2120032"/>
+            <a:ext cx="8047" cy="2196952"/>
           </a:xfrm>
           <a:prstGeom prst="line">
             <a:avLst/>
@@ -16438,6 +16733,384 @@
           </a:fontRef>
         </p:style>
       </p:cxnSp>
+      <p:sp>
+        <p:nvSpPr>
+          <p:cNvPr id="26" name="矩形 25">
+            <a:extLst>
+              <a:ext uri="{FF2B5EF4-FFF2-40B4-BE49-F238E27FC236}">
+                <a16:creationId xmlns:a16="http://schemas.microsoft.com/office/drawing/2014/main" id="{0D80D241-35E9-8053-326C-FFBA3303662F}"/>
+              </a:ext>
+            </a:extLst>
+          </p:cNvPr>
+          <p:cNvSpPr/>
+          <p:nvPr/>
+        </p:nvSpPr>
+        <p:spPr>
+          <a:xfrm>
+            <a:off x="1012022" y="4123837"/>
+            <a:ext cx="338202" cy="1916482"/>
+          </a:xfrm>
+          <a:prstGeom prst="rect">
+            <a:avLst/>
+          </a:prstGeom>
+          <a:noFill/>
+        </p:spPr>
+        <p:style>
+          <a:lnRef idx="2">
+            <a:schemeClr val="accent1">
+              <a:shade val="50000"/>
+            </a:schemeClr>
+          </a:lnRef>
+          <a:fillRef idx="1">
+            <a:schemeClr val="accent1"/>
+          </a:fillRef>
+          <a:effectRef idx="0">
+            <a:schemeClr val="accent1"/>
+          </a:effectRef>
+          <a:fontRef idx="minor">
+            <a:schemeClr val="lt1"/>
+          </a:fontRef>
+        </p:style>
+        <p:txBody>
+          <a:bodyPr rtlCol="0" anchor="ctr"/>
+          <a:lstStyle/>
+          <a:p>
+            <a:pPr algn="ctr"/>
+            <a:r>
+              <a:rPr lang="zh-CN" altLang="en-US" dirty="0">
+                <a:solidFill>
+                  <a:schemeClr val="tx1"/>
+                </a:solidFill>
+              </a:rPr>
+              <a:t>删除大纲</a:t>
+            </a:r>
+          </a:p>
+        </p:txBody>
+      </p:sp>
+      <p:sp>
+        <p:nvSpPr>
+          <p:cNvPr id="29" name="矩形 28">
+            <a:extLst>
+              <a:ext uri="{FF2B5EF4-FFF2-40B4-BE49-F238E27FC236}">
+                <a16:creationId xmlns:a16="http://schemas.microsoft.com/office/drawing/2014/main" id="{CF4FB475-0118-16E3-E298-55D24E162659}"/>
+              </a:ext>
+            </a:extLst>
+          </p:cNvPr>
+          <p:cNvSpPr/>
+          <p:nvPr/>
+        </p:nvSpPr>
+        <p:spPr>
+          <a:xfrm>
+            <a:off x="8163194" y="3371884"/>
+            <a:ext cx="338202" cy="2668435"/>
+          </a:xfrm>
+          <a:prstGeom prst="rect">
+            <a:avLst/>
+          </a:prstGeom>
+          <a:noFill/>
+        </p:spPr>
+        <p:style>
+          <a:lnRef idx="2">
+            <a:schemeClr val="accent1">
+              <a:shade val="50000"/>
+            </a:schemeClr>
+          </a:lnRef>
+          <a:fillRef idx="1">
+            <a:schemeClr val="accent1"/>
+          </a:fillRef>
+          <a:effectRef idx="0">
+            <a:schemeClr val="accent1"/>
+          </a:effectRef>
+          <a:fontRef idx="minor">
+            <a:schemeClr val="lt1"/>
+          </a:fontRef>
+        </p:style>
+        <p:txBody>
+          <a:bodyPr rtlCol="0" anchor="ctr"/>
+          <a:lstStyle/>
+          <a:p>
+            <a:pPr algn="ctr"/>
+            <a:r>
+              <a:rPr lang="zh-CN" altLang="en-US" dirty="0">
+                <a:solidFill>
+                  <a:schemeClr val="tx1"/>
+                </a:solidFill>
+              </a:rPr>
+              <a:t>编辑题目</a:t>
+            </a:r>
+          </a:p>
+        </p:txBody>
+      </p:sp>
+      <p:sp>
+        <p:nvSpPr>
+          <p:cNvPr id="30" name="矩形 29">
+            <a:extLst>
+              <a:ext uri="{FF2B5EF4-FFF2-40B4-BE49-F238E27FC236}">
+                <a16:creationId xmlns:a16="http://schemas.microsoft.com/office/drawing/2014/main" id="{73B2E958-4A89-F0A6-D627-D30342E6A9B3}"/>
+              </a:ext>
+            </a:extLst>
+          </p:cNvPr>
+          <p:cNvSpPr/>
+          <p:nvPr/>
+        </p:nvSpPr>
+        <p:spPr>
+          <a:xfrm>
+            <a:off x="7533126" y="3370414"/>
+            <a:ext cx="338202" cy="2668435"/>
+          </a:xfrm>
+          <a:prstGeom prst="rect">
+            <a:avLst/>
+          </a:prstGeom>
+          <a:noFill/>
+        </p:spPr>
+        <p:style>
+          <a:lnRef idx="2">
+            <a:schemeClr val="accent1">
+              <a:shade val="50000"/>
+            </a:schemeClr>
+          </a:lnRef>
+          <a:fillRef idx="1">
+            <a:schemeClr val="accent1"/>
+          </a:fillRef>
+          <a:effectRef idx="0">
+            <a:schemeClr val="accent1"/>
+          </a:effectRef>
+          <a:fontRef idx="minor">
+            <a:schemeClr val="lt1"/>
+          </a:fontRef>
+        </p:style>
+        <p:txBody>
+          <a:bodyPr rtlCol="0" anchor="ctr"/>
+          <a:lstStyle/>
+          <a:p>
+            <a:pPr algn="ctr"/>
+            <a:r>
+              <a:rPr lang="zh-CN" altLang="en-US" dirty="0">
+                <a:solidFill>
+                  <a:schemeClr val="tx1"/>
+                </a:solidFill>
+              </a:rPr>
+              <a:t>添加题目</a:t>
+            </a:r>
+          </a:p>
+        </p:txBody>
+      </p:sp>
+      <p:sp>
+        <p:nvSpPr>
+          <p:cNvPr id="31" name="矩形 30">
+            <a:extLst>
+              <a:ext uri="{FF2B5EF4-FFF2-40B4-BE49-F238E27FC236}">
+                <a16:creationId xmlns:a16="http://schemas.microsoft.com/office/drawing/2014/main" id="{5B4EC20C-5202-DBE2-BF27-0D252E858E7D}"/>
+              </a:ext>
+            </a:extLst>
+          </p:cNvPr>
+          <p:cNvSpPr/>
+          <p:nvPr/>
+        </p:nvSpPr>
+        <p:spPr>
+          <a:xfrm>
+            <a:off x="8793262" y="3370414"/>
+            <a:ext cx="338202" cy="2668435"/>
+          </a:xfrm>
+          <a:prstGeom prst="rect">
+            <a:avLst/>
+          </a:prstGeom>
+          <a:noFill/>
+        </p:spPr>
+        <p:style>
+          <a:lnRef idx="2">
+            <a:schemeClr val="accent1">
+              <a:shade val="50000"/>
+            </a:schemeClr>
+          </a:lnRef>
+          <a:fillRef idx="1">
+            <a:schemeClr val="accent1"/>
+          </a:fillRef>
+          <a:effectRef idx="0">
+            <a:schemeClr val="accent1"/>
+          </a:effectRef>
+          <a:fontRef idx="minor">
+            <a:schemeClr val="lt1"/>
+          </a:fontRef>
+        </p:style>
+        <p:txBody>
+          <a:bodyPr rtlCol="0" anchor="ctr"/>
+          <a:lstStyle/>
+          <a:p>
+            <a:pPr algn="ctr"/>
+            <a:r>
+              <a:rPr lang="zh-CN" altLang="en-US" dirty="0">
+                <a:solidFill>
+                  <a:schemeClr val="tx1"/>
+                </a:solidFill>
+              </a:rPr>
+              <a:t>删除题目</a:t>
+            </a:r>
+          </a:p>
+        </p:txBody>
+      </p:sp>
+      <p:sp>
+        <p:nvSpPr>
+          <p:cNvPr id="32" name="矩形 31">
+            <a:extLst>
+              <a:ext uri="{FF2B5EF4-FFF2-40B4-BE49-F238E27FC236}">
+                <a16:creationId xmlns:a16="http://schemas.microsoft.com/office/drawing/2014/main" id="{18CE8245-FD02-1C4C-9A44-60613D3D4A85}"/>
+              </a:ext>
+            </a:extLst>
+          </p:cNvPr>
+          <p:cNvSpPr/>
+          <p:nvPr/>
+        </p:nvSpPr>
+        <p:spPr>
+          <a:xfrm>
+            <a:off x="9423330" y="3370413"/>
+            <a:ext cx="338202" cy="2668435"/>
+          </a:xfrm>
+          <a:prstGeom prst="rect">
+            <a:avLst/>
+          </a:prstGeom>
+          <a:noFill/>
+        </p:spPr>
+        <p:style>
+          <a:lnRef idx="2">
+            <a:schemeClr val="accent1">
+              <a:shade val="50000"/>
+            </a:schemeClr>
+          </a:lnRef>
+          <a:fillRef idx="1">
+            <a:schemeClr val="accent1"/>
+          </a:fillRef>
+          <a:effectRef idx="0">
+            <a:schemeClr val="accent1"/>
+          </a:effectRef>
+          <a:fontRef idx="minor">
+            <a:schemeClr val="lt1"/>
+          </a:fontRef>
+        </p:style>
+        <p:txBody>
+          <a:bodyPr rtlCol="0" anchor="ctr"/>
+          <a:lstStyle/>
+          <a:p>
+            <a:pPr algn="ctr"/>
+            <a:r>
+              <a:rPr lang="zh-CN" altLang="en-US" dirty="0">
+                <a:solidFill>
+                  <a:schemeClr val="tx1"/>
+                </a:solidFill>
+              </a:rPr>
+              <a:t>题目添加图片</a:t>
+            </a:r>
+          </a:p>
+        </p:txBody>
+      </p:sp>
+      <p:sp>
+        <p:nvSpPr>
+          <p:cNvPr id="33" name="矩形 32">
+            <a:extLst>
+              <a:ext uri="{FF2B5EF4-FFF2-40B4-BE49-F238E27FC236}">
+                <a16:creationId xmlns:a16="http://schemas.microsoft.com/office/drawing/2014/main" id="{54738DFC-7FF5-37EC-D1F1-62CA983E8F05}"/>
+              </a:ext>
+            </a:extLst>
+          </p:cNvPr>
+          <p:cNvSpPr/>
+          <p:nvPr/>
+        </p:nvSpPr>
+        <p:spPr>
+          <a:xfrm>
+            <a:off x="10096919" y="3370412"/>
+            <a:ext cx="338202" cy="2668435"/>
+          </a:xfrm>
+          <a:prstGeom prst="rect">
+            <a:avLst/>
+          </a:prstGeom>
+          <a:noFill/>
+        </p:spPr>
+        <p:style>
+          <a:lnRef idx="2">
+            <a:schemeClr val="accent1">
+              <a:shade val="50000"/>
+            </a:schemeClr>
+          </a:lnRef>
+          <a:fillRef idx="1">
+            <a:schemeClr val="accent1"/>
+          </a:fillRef>
+          <a:effectRef idx="0">
+            <a:schemeClr val="accent1"/>
+          </a:effectRef>
+          <a:fontRef idx="minor">
+            <a:schemeClr val="lt1"/>
+          </a:fontRef>
+        </p:style>
+        <p:txBody>
+          <a:bodyPr rtlCol="0" anchor="ctr"/>
+          <a:lstStyle/>
+          <a:p>
+            <a:pPr algn="ctr"/>
+            <a:r>
+              <a:rPr lang="zh-CN" altLang="en-US" sz="1600" dirty="0">
+                <a:solidFill>
+                  <a:schemeClr val="tx1"/>
+                </a:solidFill>
+              </a:rPr>
+              <a:t>多种题型共用表单字段</a:t>
+            </a:r>
+          </a:p>
+        </p:txBody>
+      </p:sp>
+      <p:sp>
+        <p:nvSpPr>
+          <p:cNvPr id="34" name="矩形 33">
+            <a:extLst>
+              <a:ext uri="{FF2B5EF4-FFF2-40B4-BE49-F238E27FC236}">
+                <a16:creationId xmlns:a16="http://schemas.microsoft.com/office/drawing/2014/main" id="{E288DDE6-8FB8-8F5A-E248-21E528ECAE5C}"/>
+              </a:ext>
+            </a:extLst>
+          </p:cNvPr>
+          <p:cNvSpPr/>
+          <p:nvPr/>
+        </p:nvSpPr>
+        <p:spPr>
+          <a:xfrm>
+            <a:off x="10798993" y="3238500"/>
+            <a:ext cx="338202" cy="2800347"/>
+          </a:xfrm>
+          <a:prstGeom prst="rect">
+            <a:avLst/>
+          </a:prstGeom>
+          <a:noFill/>
+        </p:spPr>
+        <p:style>
+          <a:lnRef idx="2">
+            <a:schemeClr val="accent1">
+              <a:shade val="50000"/>
+            </a:schemeClr>
+          </a:lnRef>
+          <a:fillRef idx="1">
+            <a:schemeClr val="accent1"/>
+          </a:fillRef>
+          <a:effectRef idx="0">
+            <a:schemeClr val="accent1"/>
+          </a:effectRef>
+          <a:fontRef idx="minor">
+            <a:schemeClr val="lt1"/>
+          </a:fontRef>
+        </p:style>
+        <p:txBody>
+          <a:bodyPr rtlCol="0" anchor="ctr"/>
+          <a:lstStyle/>
+          <a:p>
+            <a:pPr algn="ctr"/>
+            <a:r>
+              <a:rPr lang="zh-CN" altLang="en-US" sz="1400" dirty="0">
+                <a:solidFill>
+                  <a:schemeClr val="tx1"/>
+                </a:solidFill>
+              </a:rPr>
+              <a:t>支持单选、多选、判断、填空</a:t>
+            </a:r>
+          </a:p>
+        </p:txBody>
+      </p:sp>
     </p:spTree>
     <p:extLst>
       <p:ext uri="{BB962C8B-B14F-4D97-AF65-F5344CB8AC3E}">
@@ -16698,7 +17371,7 @@
         </p:nvSpPr>
         <p:spPr>
           <a:xfrm>
-            <a:off x="8580327" y="2630466"/>
+            <a:off x="8343765" y="2630466"/>
             <a:ext cx="388307" cy="2154476"/>
           </a:xfrm>
           <a:prstGeom prst="rect">
@@ -16752,7 +17425,7 @@
         </p:nvSpPr>
         <p:spPr>
           <a:xfrm>
-            <a:off x="9248382" y="2630466"/>
+            <a:off x="9096436" y="2620028"/>
             <a:ext cx="388307" cy="2154476"/>
           </a:xfrm>
           <a:prstGeom prst="rect">
@@ -17146,8 +17819,8 @@
         </p:nvSpPr>
         <p:spPr>
           <a:xfrm>
-            <a:off x="8405812" y="2451774"/>
-            <a:ext cx="1438275" cy="2402119"/>
+            <a:off x="7505700" y="2451774"/>
+            <a:ext cx="3248024" cy="2402119"/>
           </a:xfrm>
           <a:prstGeom prst="roundRect">
             <a:avLst/>
@@ -17225,6 +17898,7 @@
             </a:extLst>
           </p:cNvPr>
           <p:cNvCxnSpPr>
+            <a:cxnSpLocks/>
             <a:stCxn id="7" idx="2"/>
             <a:endCxn id="29" idx="0"/>
           </p:cNvCxnSpPr>
@@ -17233,7 +17907,7 @@
         <p:spPr>
           <a:xfrm>
             <a:off x="9124950" y="2181225"/>
-            <a:ext cx="0" cy="270549"/>
+            <a:ext cx="4762" cy="270549"/>
           </a:xfrm>
           <a:prstGeom prst="line">
             <a:avLst/>
@@ -17402,6 +18076,60 @@
           </a:fontRef>
         </p:style>
       </p:cxnSp>
+      <p:sp>
+        <p:nvSpPr>
+          <p:cNvPr id="26" name="矩形 25">
+            <a:extLst>
+              <a:ext uri="{FF2B5EF4-FFF2-40B4-BE49-F238E27FC236}">
+                <a16:creationId xmlns:a16="http://schemas.microsoft.com/office/drawing/2014/main" id="{D1C39BC1-902E-FD4C-2CE4-0C05249F413A}"/>
+              </a:ext>
+            </a:extLst>
+          </p:cNvPr>
+          <p:cNvSpPr/>
+          <p:nvPr/>
+        </p:nvSpPr>
+        <p:spPr>
+          <a:xfrm>
+            <a:off x="9778521" y="2630466"/>
+            <a:ext cx="388307" cy="2154476"/>
+          </a:xfrm>
+          <a:prstGeom prst="rect">
+            <a:avLst/>
+          </a:prstGeom>
+          <a:noFill/>
+        </p:spPr>
+        <p:style>
+          <a:lnRef idx="2">
+            <a:schemeClr val="accent1">
+              <a:shade val="50000"/>
+            </a:schemeClr>
+          </a:lnRef>
+          <a:fillRef idx="1">
+            <a:schemeClr val="accent1"/>
+          </a:fillRef>
+          <a:effectRef idx="0">
+            <a:schemeClr val="accent1"/>
+          </a:effectRef>
+          <a:fontRef idx="minor">
+            <a:schemeClr val="lt1"/>
+          </a:fontRef>
+        </p:style>
+        <p:txBody>
+          <a:bodyPr rtlCol="0" anchor="ctr"/>
+          <a:lstStyle/>
+          <a:p>
+            <a:pPr algn="ctr"/>
+            <a:r>
+              <a:rPr lang="zh-CN" altLang="en-US" dirty="0">
+                <a:solidFill>
+                  <a:schemeClr val="tx1"/>
+                </a:solidFill>
+              </a:rPr>
+              <a:t>选择大纲</a:t>
+            </a:r>
+          </a:p>
+        </p:txBody>
+      </p:sp>
     </p:spTree>
     <p:extLst>
       <p:ext uri="{BB962C8B-B14F-4D97-AF65-F5344CB8AC3E}">
@@ -19107,6 +19835,1572 @@
     <p:extLst>
       <p:ext uri="{BB962C8B-B14F-4D97-AF65-F5344CB8AC3E}">
         <p14:creationId xmlns:p14="http://schemas.microsoft.com/office/powerpoint/2010/main" val="2142561068"/>
+      </p:ext>
+    </p:extLst>
+  </p:cSld>
+  <p:clrMapOvr>
+    <a:masterClrMapping/>
+  </p:clrMapOvr>
+</p:sld>
+</file>
+
+<file path=ppt/slides/slide26.xml><?xml version="1.0" encoding="utf-8"?>
+<p:sld xmlns:a="http://schemas.openxmlformats.org/drawingml/2006/main" xmlns:r="http://schemas.openxmlformats.org/officeDocument/2006/relationships" xmlns:p="http://schemas.openxmlformats.org/presentationml/2006/main">
+  <p:cSld>
+    <p:spTree>
+      <p:nvGrpSpPr>
+        <p:cNvPr id="1" name=""/>
+        <p:cNvGrpSpPr/>
+        <p:nvPr/>
+      </p:nvGrpSpPr>
+      <p:grpSpPr>
+        <a:xfrm>
+          <a:off x="0" y="0"/>
+          <a:ext cx="0" cy="0"/>
+          <a:chOff x="0" y="0"/>
+          <a:chExt cx="0" cy="0"/>
+        </a:xfrm>
+      </p:grpSpPr>
+      <p:sp>
+        <p:nvSpPr>
+          <p:cNvPr id="2" name="标题 1">
+            <a:extLst>
+              <a:ext uri="{FF2B5EF4-FFF2-40B4-BE49-F238E27FC236}">
+                <a16:creationId xmlns:a16="http://schemas.microsoft.com/office/drawing/2014/main" id="{90F318DD-319B-9E3D-003E-BBC08478A9B7}"/>
+              </a:ext>
+            </a:extLst>
+          </p:cNvPr>
+          <p:cNvSpPr>
+            <a:spLocks noGrp="1"/>
+          </p:cNvSpPr>
+          <p:nvPr>
+            <p:ph type="title"/>
+          </p:nvPr>
+        </p:nvSpPr>
+        <p:spPr/>
+        <p:txBody>
+          <a:bodyPr/>
+          <a:lstStyle/>
+          <a:p>
+            <a:endParaRPr lang="zh-CN" altLang="en-US"/>
+          </a:p>
+        </p:txBody>
+      </p:sp>
+      <p:pic>
+        <p:nvPicPr>
+          <p:cNvPr id="4" name="内容占位符 3">
+            <a:extLst>
+              <a:ext uri="{FF2B5EF4-FFF2-40B4-BE49-F238E27FC236}">
+                <a16:creationId xmlns:a16="http://schemas.microsoft.com/office/drawing/2014/main" id="{61EE8D68-1FFC-F973-97CB-084B21703439}"/>
+              </a:ext>
+            </a:extLst>
+          </p:cNvPr>
+          <p:cNvPicPr>
+            <a:picLocks noGrp="1" noChangeAspect="1"/>
+          </p:cNvPicPr>
+          <p:nvPr>
+            <p:ph idx="1"/>
+          </p:nvPr>
+        </p:nvPicPr>
+        <p:blipFill>
+          <a:blip r:embed="rId2"/>
+          <a:stretch>
+            <a:fillRect/>
+          </a:stretch>
+        </p:blipFill>
+        <p:spPr>
+          <a:xfrm>
+            <a:off x="2721222" y="1825625"/>
+            <a:ext cx="6749555" cy="4351338"/>
+          </a:xfrm>
+          <a:prstGeom prst="rect">
+            <a:avLst/>
+          </a:prstGeom>
+        </p:spPr>
+      </p:pic>
+    </p:spTree>
+    <p:extLst>
+      <p:ext uri="{BB962C8B-B14F-4D97-AF65-F5344CB8AC3E}">
+        <p14:creationId xmlns:p14="http://schemas.microsoft.com/office/powerpoint/2010/main" val="1701491156"/>
+      </p:ext>
+    </p:extLst>
+  </p:cSld>
+  <p:clrMapOvr>
+    <a:masterClrMapping/>
+  </p:clrMapOvr>
+</p:sld>
+</file>
+
+<file path=ppt/slides/slide27.xml><?xml version="1.0" encoding="utf-8"?>
+<p:sld xmlns:a="http://schemas.openxmlformats.org/drawingml/2006/main" xmlns:r="http://schemas.openxmlformats.org/officeDocument/2006/relationships" xmlns:p="http://schemas.openxmlformats.org/presentationml/2006/main">
+  <p:cSld>
+    <p:spTree>
+      <p:nvGrpSpPr>
+        <p:cNvPr id="1" name=""/>
+        <p:cNvGrpSpPr/>
+        <p:nvPr/>
+      </p:nvGrpSpPr>
+      <p:grpSpPr>
+        <a:xfrm>
+          <a:off x="0" y="0"/>
+          <a:ext cx="0" cy="0"/>
+          <a:chOff x="0" y="0"/>
+          <a:chExt cx="0" cy="0"/>
+        </a:xfrm>
+      </p:grpSpPr>
+      <p:sp>
+        <p:nvSpPr>
+          <p:cNvPr id="4" name="矩形 3">
+            <a:extLst>
+              <a:ext uri="{FF2B5EF4-FFF2-40B4-BE49-F238E27FC236}">
+                <a16:creationId xmlns:a16="http://schemas.microsoft.com/office/drawing/2014/main" id="{D5DF6846-4F75-6E1D-024D-B655AC28F213}"/>
+              </a:ext>
+            </a:extLst>
+          </p:cNvPr>
+          <p:cNvSpPr/>
+          <p:nvPr/>
+        </p:nvSpPr>
+        <p:spPr>
+          <a:xfrm>
+            <a:off x="1304925" y="1023937"/>
+            <a:ext cx="1752600" cy="352425"/>
+          </a:xfrm>
+          <a:prstGeom prst="rect">
+            <a:avLst/>
+          </a:prstGeom>
+          <a:noFill/>
+        </p:spPr>
+        <p:style>
+          <a:lnRef idx="2">
+            <a:schemeClr val="accent1">
+              <a:shade val="50000"/>
+            </a:schemeClr>
+          </a:lnRef>
+          <a:fillRef idx="1">
+            <a:schemeClr val="accent1"/>
+          </a:fillRef>
+          <a:effectRef idx="0">
+            <a:schemeClr val="accent1"/>
+          </a:effectRef>
+          <a:fontRef idx="minor">
+            <a:schemeClr val="lt1"/>
+          </a:fontRef>
+        </p:style>
+        <p:txBody>
+          <a:bodyPr rtlCol="0" anchor="ctr"/>
+          <a:lstStyle/>
+          <a:p>
+            <a:pPr algn="ctr"/>
+            <a:r>
+              <a:rPr lang="zh-CN" altLang="en-US" dirty="0">
+                <a:solidFill>
+                  <a:schemeClr val="tx1"/>
+                </a:solidFill>
+              </a:rPr>
+              <a:t>交卷请求</a:t>
+            </a:r>
+            <a:r>
+              <a:rPr lang="en-US" altLang="zh-CN" dirty="0">
+                <a:solidFill>
+                  <a:schemeClr val="tx1"/>
+                </a:solidFill>
+              </a:rPr>
+              <a:t>1</a:t>
+            </a:r>
+            <a:endParaRPr lang="zh-CN" altLang="en-US" dirty="0">
+              <a:solidFill>
+                <a:schemeClr val="tx1"/>
+              </a:solidFill>
+            </a:endParaRPr>
+          </a:p>
+        </p:txBody>
+      </p:sp>
+      <p:sp>
+        <p:nvSpPr>
+          <p:cNvPr id="5" name="矩形 4">
+            <a:extLst>
+              <a:ext uri="{FF2B5EF4-FFF2-40B4-BE49-F238E27FC236}">
+                <a16:creationId xmlns:a16="http://schemas.microsoft.com/office/drawing/2014/main" id="{513A0645-C2FE-4DD5-2379-7B9A46F67DFF}"/>
+              </a:ext>
+            </a:extLst>
+          </p:cNvPr>
+          <p:cNvSpPr/>
+          <p:nvPr/>
+        </p:nvSpPr>
+        <p:spPr>
+          <a:xfrm>
+            <a:off x="1304925" y="1481137"/>
+            <a:ext cx="1752600" cy="352425"/>
+          </a:xfrm>
+          <a:prstGeom prst="rect">
+            <a:avLst/>
+          </a:prstGeom>
+          <a:noFill/>
+        </p:spPr>
+        <p:style>
+          <a:lnRef idx="2">
+            <a:schemeClr val="accent1">
+              <a:shade val="50000"/>
+            </a:schemeClr>
+          </a:lnRef>
+          <a:fillRef idx="1">
+            <a:schemeClr val="accent1"/>
+          </a:fillRef>
+          <a:effectRef idx="0">
+            <a:schemeClr val="accent1"/>
+          </a:effectRef>
+          <a:fontRef idx="minor">
+            <a:schemeClr val="lt1"/>
+          </a:fontRef>
+        </p:style>
+        <p:txBody>
+          <a:bodyPr rtlCol="0" anchor="ctr"/>
+          <a:lstStyle/>
+          <a:p>
+            <a:pPr algn="ctr"/>
+            <a:r>
+              <a:rPr lang="zh-CN" altLang="en-US" dirty="0">
+                <a:solidFill>
+                  <a:schemeClr val="tx1"/>
+                </a:solidFill>
+              </a:rPr>
+              <a:t>交卷请求</a:t>
+            </a:r>
+            <a:r>
+              <a:rPr lang="en-US" altLang="zh-CN" dirty="0">
+                <a:solidFill>
+                  <a:schemeClr val="tx1"/>
+                </a:solidFill>
+              </a:rPr>
+              <a:t>2</a:t>
+            </a:r>
+            <a:endParaRPr lang="zh-CN" altLang="en-US" dirty="0">
+              <a:solidFill>
+                <a:schemeClr val="tx1"/>
+              </a:solidFill>
+            </a:endParaRPr>
+          </a:p>
+        </p:txBody>
+      </p:sp>
+      <p:sp>
+        <p:nvSpPr>
+          <p:cNvPr id="6" name="矩形 5">
+            <a:extLst>
+              <a:ext uri="{FF2B5EF4-FFF2-40B4-BE49-F238E27FC236}">
+                <a16:creationId xmlns:a16="http://schemas.microsoft.com/office/drawing/2014/main" id="{C966FD20-C5A3-2715-17F4-1B6E3B981744}"/>
+              </a:ext>
+            </a:extLst>
+          </p:cNvPr>
+          <p:cNvSpPr/>
+          <p:nvPr/>
+        </p:nvSpPr>
+        <p:spPr>
+          <a:xfrm>
+            <a:off x="1304925" y="1933574"/>
+            <a:ext cx="1752600" cy="352425"/>
+          </a:xfrm>
+          <a:prstGeom prst="rect">
+            <a:avLst/>
+          </a:prstGeom>
+          <a:noFill/>
+        </p:spPr>
+        <p:style>
+          <a:lnRef idx="2">
+            <a:schemeClr val="accent1">
+              <a:shade val="50000"/>
+            </a:schemeClr>
+          </a:lnRef>
+          <a:fillRef idx="1">
+            <a:schemeClr val="accent1"/>
+          </a:fillRef>
+          <a:effectRef idx="0">
+            <a:schemeClr val="accent1"/>
+          </a:effectRef>
+          <a:fontRef idx="minor">
+            <a:schemeClr val="lt1"/>
+          </a:fontRef>
+        </p:style>
+        <p:txBody>
+          <a:bodyPr rtlCol="0" anchor="ctr"/>
+          <a:lstStyle/>
+          <a:p>
+            <a:pPr algn="ctr"/>
+            <a:r>
+              <a:rPr lang="zh-CN" altLang="en-US" dirty="0">
+                <a:solidFill>
+                  <a:schemeClr val="tx1"/>
+                </a:solidFill>
+              </a:rPr>
+              <a:t>交卷请求</a:t>
+            </a:r>
+            <a:r>
+              <a:rPr lang="en-US" altLang="zh-CN" dirty="0">
+                <a:solidFill>
+                  <a:schemeClr val="tx1"/>
+                </a:solidFill>
+              </a:rPr>
+              <a:t>3</a:t>
+            </a:r>
+            <a:endParaRPr lang="zh-CN" altLang="en-US" dirty="0">
+              <a:solidFill>
+                <a:schemeClr val="tx1"/>
+              </a:solidFill>
+            </a:endParaRPr>
+          </a:p>
+        </p:txBody>
+      </p:sp>
+      <p:sp>
+        <p:nvSpPr>
+          <p:cNvPr id="7" name="矩形 6">
+            <a:extLst>
+              <a:ext uri="{FF2B5EF4-FFF2-40B4-BE49-F238E27FC236}">
+                <a16:creationId xmlns:a16="http://schemas.microsoft.com/office/drawing/2014/main" id="{2BE209E7-E1F1-F822-86A0-A02813DC1616}"/>
+              </a:ext>
+            </a:extLst>
+          </p:cNvPr>
+          <p:cNvSpPr/>
+          <p:nvPr/>
+        </p:nvSpPr>
+        <p:spPr>
+          <a:xfrm>
+            <a:off x="1304925" y="2397917"/>
+            <a:ext cx="1752600" cy="352425"/>
+          </a:xfrm>
+          <a:prstGeom prst="rect">
+            <a:avLst/>
+          </a:prstGeom>
+          <a:noFill/>
+        </p:spPr>
+        <p:style>
+          <a:lnRef idx="2">
+            <a:schemeClr val="accent1">
+              <a:shade val="50000"/>
+            </a:schemeClr>
+          </a:lnRef>
+          <a:fillRef idx="1">
+            <a:schemeClr val="accent1"/>
+          </a:fillRef>
+          <a:effectRef idx="0">
+            <a:schemeClr val="accent1"/>
+          </a:effectRef>
+          <a:fontRef idx="minor">
+            <a:schemeClr val="lt1"/>
+          </a:fontRef>
+        </p:style>
+        <p:txBody>
+          <a:bodyPr rtlCol="0" anchor="ctr"/>
+          <a:lstStyle/>
+          <a:p>
+            <a:pPr algn="ctr"/>
+            <a:r>
+              <a:rPr lang="zh-CN" altLang="en-US" dirty="0">
+                <a:solidFill>
+                  <a:schemeClr val="tx1"/>
+                </a:solidFill>
+              </a:rPr>
+              <a:t>交卷请求</a:t>
+            </a:r>
+            <a:r>
+              <a:rPr lang="en-US" altLang="zh-CN" dirty="0">
+                <a:solidFill>
+                  <a:schemeClr val="tx1"/>
+                </a:solidFill>
+              </a:rPr>
+              <a:t>4</a:t>
+            </a:r>
+            <a:endParaRPr lang="zh-CN" altLang="en-US" dirty="0">
+              <a:solidFill>
+                <a:schemeClr val="tx1"/>
+              </a:solidFill>
+            </a:endParaRPr>
+          </a:p>
+        </p:txBody>
+      </p:sp>
+      <p:sp>
+        <p:nvSpPr>
+          <p:cNvPr id="9" name="矩形 8">
+            <a:extLst>
+              <a:ext uri="{FF2B5EF4-FFF2-40B4-BE49-F238E27FC236}">
+                <a16:creationId xmlns:a16="http://schemas.microsoft.com/office/drawing/2014/main" id="{07D8012E-7420-8B42-C708-4D8126C25601}"/>
+              </a:ext>
+            </a:extLst>
+          </p:cNvPr>
+          <p:cNvSpPr/>
+          <p:nvPr/>
+        </p:nvSpPr>
+        <p:spPr>
+          <a:xfrm>
+            <a:off x="1304925" y="2862260"/>
+            <a:ext cx="1752600" cy="352425"/>
+          </a:xfrm>
+          <a:prstGeom prst="rect">
+            <a:avLst/>
+          </a:prstGeom>
+          <a:noFill/>
+        </p:spPr>
+        <p:style>
+          <a:lnRef idx="2">
+            <a:schemeClr val="accent1">
+              <a:shade val="50000"/>
+            </a:schemeClr>
+          </a:lnRef>
+          <a:fillRef idx="1">
+            <a:schemeClr val="accent1"/>
+          </a:fillRef>
+          <a:effectRef idx="0">
+            <a:schemeClr val="accent1"/>
+          </a:effectRef>
+          <a:fontRef idx="minor">
+            <a:schemeClr val="lt1"/>
+          </a:fontRef>
+        </p:style>
+        <p:txBody>
+          <a:bodyPr rtlCol="0" anchor="ctr"/>
+          <a:lstStyle/>
+          <a:p>
+            <a:pPr algn="ctr"/>
+            <a:r>
+              <a:rPr lang="zh-CN" altLang="en-US" dirty="0">
+                <a:solidFill>
+                  <a:schemeClr val="tx1"/>
+                </a:solidFill>
+              </a:rPr>
+              <a:t>交卷请求</a:t>
+            </a:r>
+            <a:r>
+              <a:rPr lang="en-US" altLang="zh-CN" dirty="0">
+                <a:solidFill>
+                  <a:schemeClr val="tx1"/>
+                </a:solidFill>
+              </a:rPr>
+              <a:t>5</a:t>
+            </a:r>
+            <a:endParaRPr lang="zh-CN" altLang="en-US" dirty="0">
+              <a:solidFill>
+                <a:schemeClr val="tx1"/>
+              </a:solidFill>
+            </a:endParaRPr>
+          </a:p>
+        </p:txBody>
+      </p:sp>
+      <p:sp>
+        <p:nvSpPr>
+          <p:cNvPr id="10" name="矩形 9">
+            <a:extLst>
+              <a:ext uri="{FF2B5EF4-FFF2-40B4-BE49-F238E27FC236}">
+                <a16:creationId xmlns:a16="http://schemas.microsoft.com/office/drawing/2014/main" id="{6BC1F246-E375-3507-7438-1EE22D06F5F2}"/>
+              </a:ext>
+            </a:extLst>
+          </p:cNvPr>
+          <p:cNvSpPr/>
+          <p:nvPr/>
+        </p:nvSpPr>
+        <p:spPr>
+          <a:xfrm>
+            <a:off x="1304925" y="3312320"/>
+            <a:ext cx="1752600" cy="352425"/>
+          </a:xfrm>
+          <a:prstGeom prst="rect">
+            <a:avLst/>
+          </a:prstGeom>
+          <a:noFill/>
+        </p:spPr>
+        <p:style>
+          <a:lnRef idx="2">
+            <a:schemeClr val="accent1">
+              <a:shade val="50000"/>
+            </a:schemeClr>
+          </a:lnRef>
+          <a:fillRef idx="1">
+            <a:schemeClr val="accent1"/>
+          </a:fillRef>
+          <a:effectRef idx="0">
+            <a:schemeClr val="accent1"/>
+          </a:effectRef>
+          <a:fontRef idx="minor">
+            <a:schemeClr val="lt1"/>
+          </a:fontRef>
+        </p:style>
+        <p:txBody>
+          <a:bodyPr rtlCol="0" anchor="ctr"/>
+          <a:lstStyle/>
+          <a:p>
+            <a:pPr algn="ctr"/>
+            <a:r>
+              <a:rPr lang="zh-CN" altLang="en-US" dirty="0">
+                <a:solidFill>
+                  <a:schemeClr val="tx1"/>
+                </a:solidFill>
+              </a:rPr>
+              <a:t>交卷请求</a:t>
+            </a:r>
+            <a:r>
+              <a:rPr lang="en-US" altLang="zh-CN" dirty="0">
+                <a:solidFill>
+                  <a:schemeClr val="tx1"/>
+                </a:solidFill>
+              </a:rPr>
+              <a:t>6</a:t>
+            </a:r>
+            <a:endParaRPr lang="zh-CN" altLang="en-US" dirty="0">
+              <a:solidFill>
+                <a:schemeClr val="tx1"/>
+              </a:solidFill>
+            </a:endParaRPr>
+          </a:p>
+        </p:txBody>
+      </p:sp>
+      <p:sp>
+        <p:nvSpPr>
+          <p:cNvPr id="11" name="矩形 10">
+            <a:extLst>
+              <a:ext uri="{FF2B5EF4-FFF2-40B4-BE49-F238E27FC236}">
+                <a16:creationId xmlns:a16="http://schemas.microsoft.com/office/drawing/2014/main" id="{B24F67F9-825E-6248-DEE4-51373C940EC9}"/>
+              </a:ext>
+            </a:extLst>
+          </p:cNvPr>
+          <p:cNvSpPr/>
+          <p:nvPr/>
+        </p:nvSpPr>
+        <p:spPr>
+          <a:xfrm>
+            <a:off x="1304925" y="3755234"/>
+            <a:ext cx="1752600" cy="352425"/>
+          </a:xfrm>
+          <a:prstGeom prst="rect">
+            <a:avLst/>
+          </a:prstGeom>
+          <a:noFill/>
+        </p:spPr>
+        <p:style>
+          <a:lnRef idx="2">
+            <a:schemeClr val="accent1">
+              <a:shade val="50000"/>
+            </a:schemeClr>
+          </a:lnRef>
+          <a:fillRef idx="1">
+            <a:schemeClr val="accent1"/>
+          </a:fillRef>
+          <a:effectRef idx="0">
+            <a:schemeClr val="accent1"/>
+          </a:effectRef>
+          <a:fontRef idx="minor">
+            <a:schemeClr val="lt1"/>
+          </a:fontRef>
+        </p:style>
+        <p:txBody>
+          <a:bodyPr rtlCol="0" anchor="ctr"/>
+          <a:lstStyle/>
+          <a:p>
+            <a:pPr algn="ctr"/>
+            <a:r>
+              <a:rPr lang="zh-CN" altLang="en-US" dirty="0">
+                <a:solidFill>
+                  <a:schemeClr val="tx1"/>
+                </a:solidFill>
+              </a:rPr>
+              <a:t>交卷请求</a:t>
+            </a:r>
+            <a:r>
+              <a:rPr lang="en-US" altLang="zh-CN" dirty="0">
+                <a:solidFill>
+                  <a:schemeClr val="tx1"/>
+                </a:solidFill>
+              </a:rPr>
+              <a:t>7</a:t>
+            </a:r>
+            <a:endParaRPr lang="zh-CN" altLang="en-US" dirty="0">
+              <a:solidFill>
+                <a:schemeClr val="tx1"/>
+              </a:solidFill>
+            </a:endParaRPr>
+          </a:p>
+        </p:txBody>
+      </p:sp>
+      <p:sp>
+        <p:nvSpPr>
+          <p:cNvPr id="12" name="矩形 11">
+            <a:extLst>
+              <a:ext uri="{FF2B5EF4-FFF2-40B4-BE49-F238E27FC236}">
+                <a16:creationId xmlns:a16="http://schemas.microsoft.com/office/drawing/2014/main" id="{AF11BB62-46E3-4E7E-FB4F-7BAB2889955A}"/>
+              </a:ext>
+            </a:extLst>
+          </p:cNvPr>
+          <p:cNvSpPr/>
+          <p:nvPr/>
+        </p:nvSpPr>
+        <p:spPr>
+          <a:xfrm>
+            <a:off x="1304925" y="4198148"/>
+            <a:ext cx="1752600" cy="352425"/>
+          </a:xfrm>
+          <a:prstGeom prst="rect">
+            <a:avLst/>
+          </a:prstGeom>
+          <a:noFill/>
+        </p:spPr>
+        <p:style>
+          <a:lnRef idx="2">
+            <a:schemeClr val="accent1">
+              <a:shade val="50000"/>
+            </a:schemeClr>
+          </a:lnRef>
+          <a:fillRef idx="1">
+            <a:schemeClr val="accent1"/>
+          </a:fillRef>
+          <a:effectRef idx="0">
+            <a:schemeClr val="accent1"/>
+          </a:effectRef>
+          <a:fontRef idx="minor">
+            <a:schemeClr val="lt1"/>
+          </a:fontRef>
+        </p:style>
+        <p:txBody>
+          <a:bodyPr rtlCol="0" anchor="ctr"/>
+          <a:lstStyle/>
+          <a:p>
+            <a:pPr algn="ctr"/>
+            <a:r>
+              <a:rPr lang="zh-CN" altLang="en-US" dirty="0">
+                <a:solidFill>
+                  <a:schemeClr val="tx1"/>
+                </a:solidFill>
+              </a:rPr>
+              <a:t>交卷请求</a:t>
+            </a:r>
+            <a:r>
+              <a:rPr lang="en-US" altLang="zh-CN" dirty="0">
+                <a:solidFill>
+                  <a:schemeClr val="tx1"/>
+                </a:solidFill>
+              </a:rPr>
+              <a:t>8</a:t>
+            </a:r>
+            <a:endParaRPr lang="zh-CN" altLang="en-US" dirty="0">
+              <a:solidFill>
+                <a:schemeClr val="tx1"/>
+              </a:solidFill>
+            </a:endParaRPr>
+          </a:p>
+        </p:txBody>
+      </p:sp>
+      <p:sp>
+        <p:nvSpPr>
+          <p:cNvPr id="13" name="矩形: 圆角 12">
+            <a:extLst>
+              <a:ext uri="{FF2B5EF4-FFF2-40B4-BE49-F238E27FC236}">
+                <a16:creationId xmlns:a16="http://schemas.microsoft.com/office/drawing/2014/main" id="{358568E8-4DBF-BED3-49B1-FB2FA67AF4D0}"/>
+              </a:ext>
+            </a:extLst>
+          </p:cNvPr>
+          <p:cNvSpPr/>
+          <p:nvPr/>
+        </p:nvSpPr>
+        <p:spPr>
+          <a:xfrm>
+            <a:off x="4333875" y="1023937"/>
+            <a:ext cx="2343150" cy="3526635"/>
+          </a:xfrm>
+          <a:prstGeom prst="roundRect">
+            <a:avLst/>
+          </a:prstGeom>
+          <a:noFill/>
+        </p:spPr>
+        <p:style>
+          <a:lnRef idx="2">
+            <a:schemeClr val="accent1">
+              <a:shade val="50000"/>
+            </a:schemeClr>
+          </a:lnRef>
+          <a:fillRef idx="1">
+            <a:schemeClr val="accent1"/>
+          </a:fillRef>
+          <a:effectRef idx="0">
+            <a:schemeClr val="accent1"/>
+          </a:effectRef>
+          <a:fontRef idx="minor">
+            <a:schemeClr val="lt1"/>
+          </a:fontRef>
+        </p:style>
+        <p:txBody>
+          <a:bodyPr rtlCol="0" anchor="ctr"/>
+          <a:lstStyle/>
+          <a:p>
+            <a:pPr algn="ctr"/>
+            <a:r>
+              <a:rPr lang="en-US" altLang="zh-CN" dirty="0">
+                <a:solidFill>
+                  <a:schemeClr val="tx1"/>
+                </a:solidFill>
+              </a:rPr>
+              <a:t>RabbitMQ</a:t>
+            </a:r>
+            <a:endParaRPr lang="zh-CN" altLang="en-US" dirty="0">
+              <a:solidFill>
+                <a:schemeClr val="tx1"/>
+              </a:solidFill>
+            </a:endParaRPr>
+          </a:p>
+        </p:txBody>
+      </p:sp>
+      <p:sp>
+        <p:nvSpPr>
+          <p:cNvPr id="14" name="矩形 13">
+            <a:extLst>
+              <a:ext uri="{FF2B5EF4-FFF2-40B4-BE49-F238E27FC236}">
+                <a16:creationId xmlns:a16="http://schemas.microsoft.com/office/drawing/2014/main" id="{D35526D9-E752-19BA-C950-7D9D1D285C4C}"/>
+              </a:ext>
+            </a:extLst>
+          </p:cNvPr>
+          <p:cNvSpPr/>
+          <p:nvPr/>
+        </p:nvSpPr>
+        <p:spPr>
+          <a:xfrm>
+            <a:off x="8505825" y="1733551"/>
+            <a:ext cx="2609850" cy="1726405"/>
+          </a:xfrm>
+          <a:prstGeom prst="rect">
+            <a:avLst/>
+          </a:prstGeom>
+          <a:noFill/>
+        </p:spPr>
+        <p:style>
+          <a:lnRef idx="2">
+            <a:schemeClr val="accent1">
+              <a:shade val="50000"/>
+            </a:schemeClr>
+          </a:lnRef>
+          <a:fillRef idx="1">
+            <a:schemeClr val="accent1"/>
+          </a:fillRef>
+          <a:effectRef idx="0">
+            <a:schemeClr val="accent1"/>
+          </a:effectRef>
+          <a:fontRef idx="minor">
+            <a:schemeClr val="lt1"/>
+          </a:fontRef>
+        </p:style>
+        <p:txBody>
+          <a:bodyPr rtlCol="0" anchor="ctr"/>
+          <a:lstStyle/>
+          <a:p>
+            <a:pPr algn="ctr"/>
+            <a:endParaRPr lang="zh-CN" altLang="en-US"/>
+          </a:p>
+        </p:txBody>
+      </p:sp>
+      <p:sp>
+        <p:nvSpPr>
+          <p:cNvPr id="15" name="矩形 14">
+            <a:extLst>
+              <a:ext uri="{FF2B5EF4-FFF2-40B4-BE49-F238E27FC236}">
+                <a16:creationId xmlns:a16="http://schemas.microsoft.com/office/drawing/2014/main" id="{94C3D389-0F05-7FDC-784E-DD55882D2A8E}"/>
+              </a:ext>
+            </a:extLst>
+          </p:cNvPr>
+          <p:cNvSpPr/>
+          <p:nvPr/>
+        </p:nvSpPr>
+        <p:spPr>
+          <a:xfrm>
+            <a:off x="8591550" y="1833562"/>
+            <a:ext cx="2400300" cy="319088"/>
+          </a:xfrm>
+          <a:prstGeom prst="rect">
+            <a:avLst/>
+          </a:prstGeom>
+          <a:noFill/>
+        </p:spPr>
+        <p:style>
+          <a:lnRef idx="2">
+            <a:schemeClr val="accent1">
+              <a:shade val="50000"/>
+            </a:schemeClr>
+          </a:lnRef>
+          <a:fillRef idx="1">
+            <a:schemeClr val="accent1"/>
+          </a:fillRef>
+          <a:effectRef idx="0">
+            <a:schemeClr val="accent1"/>
+          </a:effectRef>
+          <a:fontRef idx="minor">
+            <a:schemeClr val="lt1"/>
+          </a:fontRef>
+        </p:style>
+        <p:txBody>
+          <a:bodyPr rtlCol="0" anchor="ctr"/>
+          <a:lstStyle/>
+          <a:p>
+            <a:pPr algn="ctr"/>
+            <a:r>
+              <a:rPr lang="zh-CN" altLang="en-US" dirty="0">
+                <a:solidFill>
+                  <a:schemeClr val="tx1"/>
+                </a:solidFill>
+              </a:rPr>
+              <a:t>处理请求</a:t>
+            </a:r>
+            <a:r>
+              <a:rPr lang="en-US" altLang="zh-CN" dirty="0">
+                <a:solidFill>
+                  <a:schemeClr val="tx1"/>
+                </a:solidFill>
+              </a:rPr>
+              <a:t>1</a:t>
+            </a:r>
+            <a:endParaRPr lang="zh-CN" altLang="en-US" dirty="0">
+              <a:solidFill>
+                <a:schemeClr val="tx1"/>
+              </a:solidFill>
+            </a:endParaRPr>
+          </a:p>
+        </p:txBody>
+      </p:sp>
+      <p:sp>
+        <p:nvSpPr>
+          <p:cNvPr id="16" name="矩形 15">
+            <a:extLst>
+              <a:ext uri="{FF2B5EF4-FFF2-40B4-BE49-F238E27FC236}">
+                <a16:creationId xmlns:a16="http://schemas.microsoft.com/office/drawing/2014/main" id="{B882875B-4EF5-E1BB-8054-10882FD9BF0D}"/>
+              </a:ext>
+            </a:extLst>
+          </p:cNvPr>
+          <p:cNvSpPr/>
+          <p:nvPr/>
+        </p:nvSpPr>
+        <p:spPr>
+          <a:xfrm>
+            <a:off x="8591550" y="2238373"/>
+            <a:ext cx="2400300" cy="319088"/>
+          </a:xfrm>
+          <a:prstGeom prst="rect">
+            <a:avLst/>
+          </a:prstGeom>
+          <a:noFill/>
+        </p:spPr>
+        <p:style>
+          <a:lnRef idx="2">
+            <a:schemeClr val="accent1">
+              <a:shade val="50000"/>
+            </a:schemeClr>
+          </a:lnRef>
+          <a:fillRef idx="1">
+            <a:schemeClr val="accent1"/>
+          </a:fillRef>
+          <a:effectRef idx="0">
+            <a:schemeClr val="accent1"/>
+          </a:effectRef>
+          <a:fontRef idx="minor">
+            <a:schemeClr val="lt1"/>
+          </a:fontRef>
+        </p:style>
+        <p:txBody>
+          <a:bodyPr rtlCol="0" anchor="ctr"/>
+          <a:lstStyle/>
+          <a:p>
+            <a:pPr algn="ctr"/>
+            <a:r>
+              <a:rPr lang="zh-CN" altLang="en-US" dirty="0">
+                <a:solidFill>
+                  <a:schemeClr val="tx1"/>
+                </a:solidFill>
+              </a:rPr>
+              <a:t>处理请求</a:t>
+            </a:r>
+            <a:r>
+              <a:rPr lang="en-US" altLang="zh-CN" dirty="0">
+                <a:solidFill>
+                  <a:schemeClr val="tx1"/>
+                </a:solidFill>
+              </a:rPr>
+              <a:t>2</a:t>
+            </a:r>
+            <a:endParaRPr lang="zh-CN" altLang="en-US" dirty="0">
+              <a:solidFill>
+                <a:schemeClr val="tx1"/>
+              </a:solidFill>
+            </a:endParaRPr>
+          </a:p>
+        </p:txBody>
+      </p:sp>
+      <p:sp>
+        <p:nvSpPr>
+          <p:cNvPr id="17" name="矩形 16">
+            <a:extLst>
+              <a:ext uri="{FF2B5EF4-FFF2-40B4-BE49-F238E27FC236}">
+                <a16:creationId xmlns:a16="http://schemas.microsoft.com/office/drawing/2014/main" id="{04166A7E-CC8C-1055-870B-C25AB484D664}"/>
+              </a:ext>
+            </a:extLst>
+          </p:cNvPr>
+          <p:cNvSpPr/>
+          <p:nvPr/>
+        </p:nvSpPr>
+        <p:spPr>
+          <a:xfrm>
+            <a:off x="8610600" y="2689620"/>
+            <a:ext cx="2400300" cy="319088"/>
+          </a:xfrm>
+          <a:prstGeom prst="rect">
+            <a:avLst/>
+          </a:prstGeom>
+          <a:noFill/>
+        </p:spPr>
+        <p:style>
+          <a:lnRef idx="2">
+            <a:schemeClr val="accent1">
+              <a:shade val="50000"/>
+            </a:schemeClr>
+          </a:lnRef>
+          <a:fillRef idx="1">
+            <a:schemeClr val="accent1"/>
+          </a:fillRef>
+          <a:effectRef idx="0">
+            <a:schemeClr val="accent1"/>
+          </a:effectRef>
+          <a:fontRef idx="minor">
+            <a:schemeClr val="lt1"/>
+          </a:fontRef>
+        </p:style>
+        <p:txBody>
+          <a:bodyPr rtlCol="0" anchor="ctr"/>
+          <a:lstStyle/>
+          <a:p>
+            <a:pPr algn="ctr"/>
+            <a:r>
+              <a:rPr lang="zh-CN" altLang="en-US" dirty="0">
+                <a:solidFill>
+                  <a:schemeClr val="tx1"/>
+                </a:solidFill>
+              </a:rPr>
+              <a:t>处理请求</a:t>
+            </a:r>
+            <a:r>
+              <a:rPr lang="en-US" altLang="zh-CN" dirty="0">
+                <a:solidFill>
+                  <a:schemeClr val="tx1"/>
+                </a:solidFill>
+              </a:rPr>
+              <a:t>3</a:t>
+            </a:r>
+            <a:endParaRPr lang="zh-CN" altLang="en-US" dirty="0">
+              <a:solidFill>
+                <a:schemeClr val="tx1"/>
+              </a:solidFill>
+            </a:endParaRPr>
+          </a:p>
+        </p:txBody>
+      </p:sp>
+      <p:sp>
+        <p:nvSpPr>
+          <p:cNvPr id="18" name="矩形 17">
+            <a:extLst>
+              <a:ext uri="{FF2B5EF4-FFF2-40B4-BE49-F238E27FC236}">
+                <a16:creationId xmlns:a16="http://schemas.microsoft.com/office/drawing/2014/main" id="{4C2366B6-E6F1-5FA4-FBB0-FDF5CCA05652}"/>
+              </a:ext>
+            </a:extLst>
+          </p:cNvPr>
+          <p:cNvSpPr/>
+          <p:nvPr/>
+        </p:nvSpPr>
+        <p:spPr>
+          <a:xfrm>
+            <a:off x="8610600" y="3074788"/>
+            <a:ext cx="2400300" cy="319088"/>
+          </a:xfrm>
+          <a:prstGeom prst="rect">
+            <a:avLst/>
+          </a:prstGeom>
+          <a:noFill/>
+        </p:spPr>
+        <p:style>
+          <a:lnRef idx="2">
+            <a:schemeClr val="accent1">
+              <a:shade val="50000"/>
+            </a:schemeClr>
+          </a:lnRef>
+          <a:fillRef idx="1">
+            <a:schemeClr val="accent1"/>
+          </a:fillRef>
+          <a:effectRef idx="0">
+            <a:schemeClr val="accent1"/>
+          </a:effectRef>
+          <a:fontRef idx="minor">
+            <a:schemeClr val="lt1"/>
+          </a:fontRef>
+        </p:style>
+        <p:txBody>
+          <a:bodyPr rtlCol="0" anchor="ctr"/>
+          <a:lstStyle/>
+          <a:p>
+            <a:pPr algn="ctr"/>
+            <a:r>
+              <a:rPr lang="zh-CN" altLang="en-US" dirty="0">
+                <a:solidFill>
+                  <a:schemeClr val="tx1"/>
+                </a:solidFill>
+              </a:rPr>
+              <a:t>处理请求</a:t>
+            </a:r>
+            <a:r>
+              <a:rPr lang="en-US" altLang="zh-CN" dirty="0">
+                <a:solidFill>
+                  <a:schemeClr val="tx1"/>
+                </a:solidFill>
+              </a:rPr>
+              <a:t>4</a:t>
+            </a:r>
+            <a:endParaRPr lang="zh-CN" altLang="en-US" dirty="0">
+              <a:solidFill>
+                <a:schemeClr val="tx1"/>
+              </a:solidFill>
+            </a:endParaRPr>
+          </a:p>
+        </p:txBody>
+      </p:sp>
+      <p:cxnSp>
+        <p:nvCxnSpPr>
+          <p:cNvPr id="20" name="直接箭头连接符 19">
+            <a:extLst>
+              <a:ext uri="{FF2B5EF4-FFF2-40B4-BE49-F238E27FC236}">
+                <a16:creationId xmlns:a16="http://schemas.microsoft.com/office/drawing/2014/main" id="{E549FFD7-63A9-A7E6-D00D-4BAFBA83E893}"/>
+              </a:ext>
+            </a:extLst>
+          </p:cNvPr>
+          <p:cNvCxnSpPr>
+            <a:stCxn id="4" idx="3"/>
+          </p:cNvCxnSpPr>
+          <p:nvPr/>
+        </p:nvCxnSpPr>
+        <p:spPr>
+          <a:xfrm flipV="1">
+            <a:off x="3057525" y="1200149"/>
+            <a:ext cx="1276350" cy="1"/>
+          </a:xfrm>
+          <a:prstGeom prst="straightConnector1">
+            <a:avLst/>
+          </a:prstGeom>
+          <a:ln>
+            <a:tailEnd type="triangle"/>
+          </a:ln>
+        </p:spPr>
+        <p:style>
+          <a:lnRef idx="1">
+            <a:schemeClr val="dk1"/>
+          </a:lnRef>
+          <a:fillRef idx="0">
+            <a:schemeClr val="dk1"/>
+          </a:fillRef>
+          <a:effectRef idx="0">
+            <a:schemeClr val="dk1"/>
+          </a:effectRef>
+          <a:fontRef idx="minor">
+            <a:schemeClr val="tx1"/>
+          </a:fontRef>
+        </p:style>
+      </p:cxnSp>
+      <p:cxnSp>
+        <p:nvCxnSpPr>
+          <p:cNvPr id="21" name="直接箭头连接符 20">
+            <a:extLst>
+              <a:ext uri="{FF2B5EF4-FFF2-40B4-BE49-F238E27FC236}">
+                <a16:creationId xmlns:a16="http://schemas.microsoft.com/office/drawing/2014/main" id="{3ED46BBD-BB99-2CA6-676A-6680BEB7AC96}"/>
+              </a:ext>
+            </a:extLst>
+          </p:cNvPr>
+          <p:cNvCxnSpPr/>
+          <p:nvPr/>
+        </p:nvCxnSpPr>
+        <p:spPr>
+          <a:xfrm flipV="1">
+            <a:off x="3057525" y="1645441"/>
+            <a:ext cx="1276350" cy="1"/>
+          </a:xfrm>
+          <a:prstGeom prst="straightConnector1">
+            <a:avLst/>
+          </a:prstGeom>
+          <a:ln>
+            <a:tailEnd type="triangle"/>
+          </a:ln>
+        </p:spPr>
+        <p:style>
+          <a:lnRef idx="1">
+            <a:schemeClr val="dk1"/>
+          </a:lnRef>
+          <a:fillRef idx="0">
+            <a:schemeClr val="dk1"/>
+          </a:fillRef>
+          <a:effectRef idx="0">
+            <a:schemeClr val="dk1"/>
+          </a:effectRef>
+          <a:fontRef idx="minor">
+            <a:schemeClr val="tx1"/>
+          </a:fontRef>
+        </p:style>
+      </p:cxnSp>
+      <p:cxnSp>
+        <p:nvCxnSpPr>
+          <p:cNvPr id="22" name="直接箭头连接符 21">
+            <a:extLst>
+              <a:ext uri="{FF2B5EF4-FFF2-40B4-BE49-F238E27FC236}">
+                <a16:creationId xmlns:a16="http://schemas.microsoft.com/office/drawing/2014/main" id="{E1DAB7AF-D21B-E16B-3366-1E916398A932}"/>
+              </a:ext>
+            </a:extLst>
+          </p:cNvPr>
+          <p:cNvCxnSpPr/>
+          <p:nvPr/>
+        </p:nvCxnSpPr>
+        <p:spPr>
+          <a:xfrm flipV="1">
+            <a:off x="3067050" y="2114548"/>
+            <a:ext cx="1276350" cy="1"/>
+          </a:xfrm>
+          <a:prstGeom prst="straightConnector1">
+            <a:avLst/>
+          </a:prstGeom>
+          <a:ln>
+            <a:tailEnd type="triangle"/>
+          </a:ln>
+        </p:spPr>
+        <p:style>
+          <a:lnRef idx="1">
+            <a:schemeClr val="dk1"/>
+          </a:lnRef>
+          <a:fillRef idx="0">
+            <a:schemeClr val="dk1"/>
+          </a:fillRef>
+          <a:effectRef idx="0">
+            <a:schemeClr val="dk1"/>
+          </a:effectRef>
+          <a:fontRef idx="minor">
+            <a:schemeClr val="tx1"/>
+          </a:fontRef>
+        </p:style>
+      </p:cxnSp>
+      <p:cxnSp>
+        <p:nvCxnSpPr>
+          <p:cNvPr id="23" name="直接箭头连接符 22">
+            <a:extLst>
+              <a:ext uri="{FF2B5EF4-FFF2-40B4-BE49-F238E27FC236}">
+                <a16:creationId xmlns:a16="http://schemas.microsoft.com/office/drawing/2014/main" id="{B7020F4A-8B70-718A-9BBC-7526CF4E7D42}"/>
+              </a:ext>
+            </a:extLst>
+          </p:cNvPr>
+          <p:cNvCxnSpPr/>
+          <p:nvPr/>
+        </p:nvCxnSpPr>
+        <p:spPr>
+          <a:xfrm flipV="1">
+            <a:off x="3048000" y="2600322"/>
+            <a:ext cx="1276350" cy="1"/>
+          </a:xfrm>
+          <a:prstGeom prst="straightConnector1">
+            <a:avLst/>
+          </a:prstGeom>
+          <a:ln>
+            <a:tailEnd type="triangle"/>
+          </a:ln>
+        </p:spPr>
+        <p:style>
+          <a:lnRef idx="1">
+            <a:schemeClr val="dk1"/>
+          </a:lnRef>
+          <a:fillRef idx="0">
+            <a:schemeClr val="dk1"/>
+          </a:fillRef>
+          <a:effectRef idx="0">
+            <a:schemeClr val="dk1"/>
+          </a:effectRef>
+          <a:fontRef idx="minor">
+            <a:schemeClr val="tx1"/>
+          </a:fontRef>
+        </p:style>
+      </p:cxnSp>
+      <p:cxnSp>
+        <p:nvCxnSpPr>
+          <p:cNvPr id="24" name="直接箭头连接符 23">
+            <a:extLst>
+              <a:ext uri="{FF2B5EF4-FFF2-40B4-BE49-F238E27FC236}">
+                <a16:creationId xmlns:a16="http://schemas.microsoft.com/office/drawing/2014/main" id="{30CD6D13-DE0A-8E02-3E6C-42FD1A827AA9}"/>
+              </a:ext>
+            </a:extLst>
+          </p:cNvPr>
+          <p:cNvCxnSpPr/>
+          <p:nvPr/>
+        </p:nvCxnSpPr>
+        <p:spPr>
+          <a:xfrm flipV="1">
+            <a:off x="3067050" y="3038472"/>
+            <a:ext cx="1276350" cy="1"/>
+          </a:xfrm>
+          <a:prstGeom prst="straightConnector1">
+            <a:avLst/>
+          </a:prstGeom>
+          <a:ln>
+            <a:tailEnd type="triangle"/>
+          </a:ln>
+        </p:spPr>
+        <p:style>
+          <a:lnRef idx="1">
+            <a:schemeClr val="dk1"/>
+          </a:lnRef>
+          <a:fillRef idx="0">
+            <a:schemeClr val="dk1"/>
+          </a:fillRef>
+          <a:effectRef idx="0">
+            <a:schemeClr val="dk1"/>
+          </a:effectRef>
+          <a:fontRef idx="minor">
+            <a:schemeClr val="tx1"/>
+          </a:fontRef>
+        </p:style>
+      </p:cxnSp>
+      <p:cxnSp>
+        <p:nvCxnSpPr>
+          <p:cNvPr id="25" name="直接箭头连接符 24">
+            <a:extLst>
+              <a:ext uri="{FF2B5EF4-FFF2-40B4-BE49-F238E27FC236}">
+                <a16:creationId xmlns:a16="http://schemas.microsoft.com/office/drawing/2014/main" id="{4478E66B-3CF8-E178-6985-96FB9919FAC3}"/>
+              </a:ext>
+            </a:extLst>
+          </p:cNvPr>
+          <p:cNvCxnSpPr/>
+          <p:nvPr/>
+        </p:nvCxnSpPr>
+        <p:spPr>
+          <a:xfrm flipV="1">
+            <a:off x="3067050" y="3493294"/>
+            <a:ext cx="1276350" cy="1"/>
+          </a:xfrm>
+          <a:prstGeom prst="straightConnector1">
+            <a:avLst/>
+          </a:prstGeom>
+          <a:ln>
+            <a:tailEnd type="triangle"/>
+          </a:ln>
+        </p:spPr>
+        <p:style>
+          <a:lnRef idx="1">
+            <a:schemeClr val="dk1"/>
+          </a:lnRef>
+          <a:fillRef idx="0">
+            <a:schemeClr val="dk1"/>
+          </a:fillRef>
+          <a:effectRef idx="0">
+            <a:schemeClr val="dk1"/>
+          </a:effectRef>
+          <a:fontRef idx="minor">
+            <a:schemeClr val="tx1"/>
+          </a:fontRef>
+        </p:style>
+      </p:cxnSp>
+      <p:cxnSp>
+        <p:nvCxnSpPr>
+          <p:cNvPr id="26" name="直接箭头连接符 25">
+            <a:extLst>
+              <a:ext uri="{FF2B5EF4-FFF2-40B4-BE49-F238E27FC236}">
+                <a16:creationId xmlns:a16="http://schemas.microsoft.com/office/drawing/2014/main" id="{3943258B-8B96-CF00-EC35-0B36FC5AF55D}"/>
+              </a:ext>
+            </a:extLst>
+          </p:cNvPr>
+          <p:cNvCxnSpPr/>
+          <p:nvPr/>
+        </p:nvCxnSpPr>
+        <p:spPr>
+          <a:xfrm flipV="1">
+            <a:off x="3067050" y="3945733"/>
+            <a:ext cx="1276350" cy="1"/>
+          </a:xfrm>
+          <a:prstGeom prst="straightConnector1">
+            <a:avLst/>
+          </a:prstGeom>
+          <a:ln>
+            <a:tailEnd type="triangle"/>
+          </a:ln>
+        </p:spPr>
+        <p:style>
+          <a:lnRef idx="1">
+            <a:schemeClr val="dk1"/>
+          </a:lnRef>
+          <a:fillRef idx="0">
+            <a:schemeClr val="dk1"/>
+          </a:fillRef>
+          <a:effectRef idx="0">
+            <a:schemeClr val="dk1"/>
+          </a:effectRef>
+          <a:fontRef idx="minor">
+            <a:schemeClr val="tx1"/>
+          </a:fontRef>
+        </p:style>
+      </p:cxnSp>
+      <p:cxnSp>
+        <p:nvCxnSpPr>
+          <p:cNvPr id="27" name="直接箭头连接符 26">
+            <a:extLst>
+              <a:ext uri="{FF2B5EF4-FFF2-40B4-BE49-F238E27FC236}">
+                <a16:creationId xmlns:a16="http://schemas.microsoft.com/office/drawing/2014/main" id="{E04D089D-A562-C185-5C6D-ED2759746F33}"/>
+              </a:ext>
+            </a:extLst>
+          </p:cNvPr>
+          <p:cNvCxnSpPr/>
+          <p:nvPr/>
+        </p:nvCxnSpPr>
+        <p:spPr>
+          <a:xfrm flipV="1">
+            <a:off x="3048000" y="4381501"/>
+            <a:ext cx="1276350" cy="1"/>
+          </a:xfrm>
+          <a:prstGeom prst="straightConnector1">
+            <a:avLst/>
+          </a:prstGeom>
+          <a:ln>
+            <a:tailEnd type="triangle"/>
+          </a:ln>
+        </p:spPr>
+        <p:style>
+          <a:lnRef idx="1">
+            <a:schemeClr val="dk1"/>
+          </a:lnRef>
+          <a:fillRef idx="0">
+            <a:schemeClr val="dk1"/>
+          </a:fillRef>
+          <a:effectRef idx="0">
+            <a:schemeClr val="dk1"/>
+          </a:effectRef>
+          <a:fontRef idx="minor">
+            <a:schemeClr val="tx1"/>
+          </a:fontRef>
+        </p:style>
+      </p:cxnSp>
+      <p:sp>
+        <p:nvSpPr>
+          <p:cNvPr id="28" name="箭头: 右 27">
+            <a:extLst>
+              <a:ext uri="{FF2B5EF4-FFF2-40B4-BE49-F238E27FC236}">
+                <a16:creationId xmlns:a16="http://schemas.microsoft.com/office/drawing/2014/main" id="{F28AF327-3929-91E5-0EA9-217FBD2DBCE9}"/>
+              </a:ext>
+            </a:extLst>
+          </p:cNvPr>
+          <p:cNvSpPr/>
+          <p:nvPr/>
+        </p:nvSpPr>
+        <p:spPr>
+          <a:xfrm>
+            <a:off x="6677025" y="2557461"/>
+            <a:ext cx="1790700" cy="45719"/>
+          </a:xfrm>
+          <a:prstGeom prst="rightArrow">
+            <a:avLst/>
+          </a:prstGeom>
+        </p:spPr>
+        <p:style>
+          <a:lnRef idx="2">
+            <a:schemeClr val="dk1">
+              <a:shade val="50000"/>
+            </a:schemeClr>
+          </a:lnRef>
+          <a:fillRef idx="1">
+            <a:schemeClr val="dk1"/>
+          </a:fillRef>
+          <a:effectRef idx="0">
+            <a:schemeClr val="dk1"/>
+          </a:effectRef>
+          <a:fontRef idx="minor">
+            <a:schemeClr val="lt1"/>
+          </a:fontRef>
+        </p:style>
+        <p:txBody>
+          <a:bodyPr rtlCol="0" anchor="ctr"/>
+          <a:lstStyle/>
+          <a:p>
+            <a:pPr algn="ctr"/>
+            <a:endParaRPr lang="zh-CN" altLang="en-US"/>
+          </a:p>
+        </p:txBody>
+      </p:sp>
+      <p:sp>
+        <p:nvSpPr>
+          <p:cNvPr id="29" name="文本框 28">
+            <a:extLst>
+              <a:ext uri="{FF2B5EF4-FFF2-40B4-BE49-F238E27FC236}">
+                <a16:creationId xmlns:a16="http://schemas.microsoft.com/office/drawing/2014/main" id="{07A10234-73A0-C398-B4F5-B65AC69F437D}"/>
+              </a:ext>
+            </a:extLst>
+          </p:cNvPr>
+          <p:cNvSpPr txBox="1"/>
+          <p:nvPr/>
+        </p:nvSpPr>
+        <p:spPr>
+          <a:xfrm>
+            <a:off x="8622685" y="1351714"/>
+            <a:ext cx="2492990" cy="369332"/>
+          </a:xfrm>
+          <a:prstGeom prst="rect">
+            <a:avLst/>
+          </a:prstGeom>
+          <a:noFill/>
+        </p:spPr>
+        <p:txBody>
+          <a:bodyPr wrap="none" rtlCol="0">
+            <a:spAutoFit/>
+          </a:bodyPr>
+          <a:lstStyle/>
+          <a:p>
+            <a:r>
+              <a:rPr lang="zh-CN" altLang="en-US" dirty="0"/>
+              <a:t>最多同时处理四个请求</a:t>
+            </a:r>
+          </a:p>
+        </p:txBody>
+      </p:sp>
+      <p:cxnSp>
+        <p:nvCxnSpPr>
+          <p:cNvPr id="31" name="直接箭头连接符 30">
+            <a:extLst>
+              <a:ext uri="{FF2B5EF4-FFF2-40B4-BE49-F238E27FC236}">
+                <a16:creationId xmlns:a16="http://schemas.microsoft.com/office/drawing/2014/main" id="{CF0D3BCB-7C5E-7D7F-F45C-DFF549438669}"/>
+              </a:ext>
+            </a:extLst>
+          </p:cNvPr>
+          <p:cNvCxnSpPr/>
+          <p:nvPr/>
+        </p:nvCxnSpPr>
+        <p:spPr>
+          <a:xfrm flipH="1" flipV="1">
+            <a:off x="3686175" y="4381501"/>
+            <a:ext cx="9525" cy="828674"/>
+          </a:xfrm>
+          <a:prstGeom prst="straightConnector1">
+            <a:avLst/>
+          </a:prstGeom>
+          <a:ln>
+            <a:tailEnd type="triangle"/>
+          </a:ln>
+        </p:spPr>
+        <p:style>
+          <a:lnRef idx="1">
+            <a:schemeClr val="dk1"/>
+          </a:lnRef>
+          <a:fillRef idx="0">
+            <a:schemeClr val="dk1"/>
+          </a:fillRef>
+          <a:effectRef idx="0">
+            <a:schemeClr val="dk1"/>
+          </a:effectRef>
+          <a:fontRef idx="minor">
+            <a:schemeClr val="tx1"/>
+          </a:fontRef>
+        </p:style>
+      </p:cxnSp>
+      <p:sp>
+        <p:nvSpPr>
+          <p:cNvPr id="32" name="文本框 31">
+            <a:extLst>
+              <a:ext uri="{FF2B5EF4-FFF2-40B4-BE49-F238E27FC236}">
+                <a16:creationId xmlns:a16="http://schemas.microsoft.com/office/drawing/2014/main" id="{7D84905F-EE94-EA8F-555A-EBDA64B89EDE}"/>
+              </a:ext>
+            </a:extLst>
+          </p:cNvPr>
+          <p:cNvSpPr txBox="1"/>
+          <p:nvPr/>
+        </p:nvSpPr>
+        <p:spPr>
+          <a:xfrm>
+            <a:off x="3151227" y="5210175"/>
+            <a:ext cx="1107996" cy="369332"/>
+          </a:xfrm>
+          <a:prstGeom prst="rect">
+            <a:avLst/>
+          </a:prstGeom>
+          <a:noFill/>
+        </p:spPr>
+        <p:txBody>
+          <a:bodyPr wrap="none" rtlCol="0">
+            <a:spAutoFit/>
+          </a:bodyPr>
+          <a:lstStyle/>
+          <a:p>
+            <a:r>
+              <a:rPr lang="zh-CN" altLang="en-US" dirty="0"/>
+              <a:t>消息积压</a:t>
+            </a:r>
+          </a:p>
+        </p:txBody>
+      </p:sp>
+      <p:sp>
+        <p:nvSpPr>
+          <p:cNvPr id="33" name="文本框 32">
+            <a:extLst>
+              <a:ext uri="{FF2B5EF4-FFF2-40B4-BE49-F238E27FC236}">
+                <a16:creationId xmlns:a16="http://schemas.microsoft.com/office/drawing/2014/main" id="{A520F18E-40D7-E535-E2C6-1F479C47BA09}"/>
+              </a:ext>
+            </a:extLst>
+          </p:cNvPr>
+          <p:cNvSpPr txBox="1"/>
+          <p:nvPr/>
+        </p:nvSpPr>
+        <p:spPr>
+          <a:xfrm>
+            <a:off x="6724382" y="2188129"/>
+            <a:ext cx="1800493" cy="369332"/>
+          </a:xfrm>
+          <a:prstGeom prst="rect">
+            <a:avLst/>
+          </a:prstGeom>
+          <a:noFill/>
+        </p:spPr>
+        <p:txBody>
+          <a:bodyPr wrap="none" rtlCol="0">
+            <a:spAutoFit/>
+          </a:bodyPr>
+          <a:lstStyle/>
+          <a:p>
+            <a:r>
+              <a:rPr lang="zh-CN" altLang="en-US" dirty="0"/>
+              <a:t>读取积压的消息</a:t>
+            </a:r>
+          </a:p>
+        </p:txBody>
+      </p:sp>
+      <p:sp>
+        <p:nvSpPr>
+          <p:cNvPr id="34" name="文本框 33">
+            <a:extLst>
+              <a:ext uri="{FF2B5EF4-FFF2-40B4-BE49-F238E27FC236}">
+                <a16:creationId xmlns:a16="http://schemas.microsoft.com/office/drawing/2014/main" id="{4825AA0E-6ADA-7A9F-75F8-CC7CC297E3BF}"/>
+              </a:ext>
+            </a:extLst>
+          </p:cNvPr>
+          <p:cNvSpPr txBox="1"/>
+          <p:nvPr/>
+        </p:nvSpPr>
+        <p:spPr>
+          <a:xfrm>
+            <a:off x="6781800" y="2590084"/>
+            <a:ext cx="1556836" cy="369332"/>
+          </a:xfrm>
+          <a:prstGeom prst="rect">
+            <a:avLst/>
+          </a:prstGeom>
+          <a:noFill/>
+        </p:spPr>
+        <p:txBody>
+          <a:bodyPr wrap="none" rtlCol="0">
+            <a:spAutoFit/>
+          </a:bodyPr>
+          <a:lstStyle/>
+          <a:p>
+            <a:r>
+              <a:rPr lang="zh-CN" altLang="en-US" dirty="0"/>
+              <a:t>每秒读取四个</a:t>
+            </a:r>
+          </a:p>
+        </p:txBody>
+      </p:sp>
+    </p:spTree>
+    <p:extLst>
+      <p:ext uri="{BB962C8B-B14F-4D97-AF65-F5344CB8AC3E}">
+        <p14:creationId xmlns:p14="http://schemas.microsoft.com/office/powerpoint/2010/main" val="365712049"/>
       </p:ext>
     </p:extLst>
   </p:cSld>

--- a/答辩.pptx
+++ b/答辩.pptx
@@ -32,6 +32,8 @@
     <p:sldId id="281" r:id="rId26"/>
     <p:sldId id="282" r:id="rId27"/>
     <p:sldId id="283" r:id="rId28"/>
+    <p:sldId id="284" r:id="rId29"/>
+    <p:sldId id="285" r:id="rId30"/>
   </p:sldIdLst>
   <p:sldSz cx="12192000" cy="6858000"/>
   <p:notesSz cx="6858000" cy="9144000"/>
@@ -285,7 +287,7 @@
           <a:p>
             <a:fld id="{1443E314-50F2-4479-BEDD-308E72A7783D}" type="datetimeFigureOut">
               <a:rPr lang="zh-CN" altLang="en-US" smtClean="0"/>
-              <a:t>2022/5/16</a:t>
+              <a:t>2022/5/18</a:t>
             </a:fld>
             <a:endParaRPr lang="zh-CN" altLang="en-US"/>
           </a:p>
@@ -483,7 +485,7 @@
           <a:p>
             <a:fld id="{1443E314-50F2-4479-BEDD-308E72A7783D}" type="datetimeFigureOut">
               <a:rPr lang="zh-CN" altLang="en-US" smtClean="0"/>
-              <a:t>2022/5/16</a:t>
+              <a:t>2022/5/18</a:t>
             </a:fld>
             <a:endParaRPr lang="zh-CN" altLang="en-US"/>
           </a:p>
@@ -691,7 +693,7 @@
           <a:p>
             <a:fld id="{1443E314-50F2-4479-BEDD-308E72A7783D}" type="datetimeFigureOut">
               <a:rPr lang="zh-CN" altLang="en-US" smtClean="0"/>
-              <a:t>2022/5/16</a:t>
+              <a:t>2022/5/18</a:t>
             </a:fld>
             <a:endParaRPr lang="zh-CN" altLang="en-US"/>
           </a:p>
@@ -889,7 +891,7 @@
           <a:p>
             <a:fld id="{1443E314-50F2-4479-BEDD-308E72A7783D}" type="datetimeFigureOut">
               <a:rPr lang="zh-CN" altLang="en-US" smtClean="0"/>
-              <a:t>2022/5/16</a:t>
+              <a:t>2022/5/18</a:t>
             </a:fld>
             <a:endParaRPr lang="zh-CN" altLang="en-US"/>
           </a:p>
@@ -1164,7 +1166,7 @@
           <a:p>
             <a:fld id="{1443E314-50F2-4479-BEDD-308E72A7783D}" type="datetimeFigureOut">
               <a:rPr lang="zh-CN" altLang="en-US" smtClean="0"/>
-              <a:t>2022/5/16</a:t>
+              <a:t>2022/5/18</a:t>
             </a:fld>
             <a:endParaRPr lang="zh-CN" altLang="en-US"/>
           </a:p>
@@ -1429,7 +1431,7 @@
           <a:p>
             <a:fld id="{1443E314-50F2-4479-BEDD-308E72A7783D}" type="datetimeFigureOut">
               <a:rPr lang="zh-CN" altLang="en-US" smtClean="0"/>
-              <a:t>2022/5/16</a:t>
+              <a:t>2022/5/18</a:t>
             </a:fld>
             <a:endParaRPr lang="zh-CN" altLang="en-US"/>
           </a:p>
@@ -1841,7 +1843,7 @@
           <a:p>
             <a:fld id="{1443E314-50F2-4479-BEDD-308E72A7783D}" type="datetimeFigureOut">
               <a:rPr lang="zh-CN" altLang="en-US" smtClean="0"/>
-              <a:t>2022/5/16</a:t>
+              <a:t>2022/5/18</a:t>
             </a:fld>
             <a:endParaRPr lang="zh-CN" altLang="en-US"/>
           </a:p>
@@ -1982,7 +1984,7 @@
           <a:p>
             <a:fld id="{1443E314-50F2-4479-BEDD-308E72A7783D}" type="datetimeFigureOut">
               <a:rPr lang="zh-CN" altLang="en-US" smtClean="0"/>
-              <a:t>2022/5/16</a:t>
+              <a:t>2022/5/18</a:t>
             </a:fld>
             <a:endParaRPr lang="zh-CN" altLang="en-US"/>
           </a:p>
@@ -2095,7 +2097,7 @@
           <a:p>
             <a:fld id="{1443E314-50F2-4479-BEDD-308E72A7783D}" type="datetimeFigureOut">
               <a:rPr lang="zh-CN" altLang="en-US" smtClean="0"/>
-              <a:t>2022/5/16</a:t>
+              <a:t>2022/5/18</a:t>
             </a:fld>
             <a:endParaRPr lang="zh-CN" altLang="en-US"/>
           </a:p>
@@ -2406,7 +2408,7 @@
           <a:p>
             <a:fld id="{1443E314-50F2-4479-BEDD-308E72A7783D}" type="datetimeFigureOut">
               <a:rPr lang="zh-CN" altLang="en-US" smtClean="0"/>
-              <a:t>2022/5/16</a:t>
+              <a:t>2022/5/18</a:t>
             </a:fld>
             <a:endParaRPr lang="zh-CN" altLang="en-US"/>
           </a:p>
@@ -2694,7 +2696,7 @@
           <a:p>
             <a:fld id="{1443E314-50F2-4479-BEDD-308E72A7783D}" type="datetimeFigureOut">
               <a:rPr lang="zh-CN" altLang="en-US" smtClean="0"/>
-              <a:t>2022/5/16</a:t>
+              <a:t>2022/5/18</a:t>
             </a:fld>
             <a:endParaRPr lang="zh-CN" altLang="en-US"/>
           </a:p>
@@ -2935,7 +2937,7 @@
           <a:p>
             <a:fld id="{1443E314-50F2-4479-BEDD-308E72A7783D}" type="datetimeFigureOut">
               <a:rPr lang="zh-CN" altLang="en-US" smtClean="0"/>
-              <a:t>2022/5/16</a:t>
+              <a:t>2022/5/18</a:t>
             </a:fld>
             <a:endParaRPr lang="zh-CN" altLang="en-US"/>
           </a:p>
@@ -15715,57 +15717,6 @@
       </p:grpSpPr>
       <p:sp>
         <p:nvSpPr>
-          <p:cNvPr id="4" name="矩形: 圆角 3">
-            <a:extLst>
-              <a:ext uri="{FF2B5EF4-FFF2-40B4-BE49-F238E27FC236}">
-                <a16:creationId xmlns:a16="http://schemas.microsoft.com/office/drawing/2014/main" id="{EBB4B02D-BC40-90CC-B59D-83BBCBFA1288}"/>
-              </a:ext>
-            </a:extLst>
-          </p:cNvPr>
-          <p:cNvSpPr/>
-          <p:nvPr/>
-        </p:nvSpPr>
-        <p:spPr>
-          <a:xfrm>
-            <a:off x="4257675" y="361950"/>
-            <a:ext cx="3381375" cy="400050"/>
-          </a:xfrm>
-          <a:prstGeom prst="roundRect">
-            <a:avLst/>
-          </a:prstGeom>
-        </p:spPr>
-        <p:style>
-          <a:lnRef idx="0">
-            <a:schemeClr val="accent3"/>
-          </a:lnRef>
-          <a:fillRef idx="3">
-            <a:schemeClr val="accent3"/>
-          </a:fillRef>
-          <a:effectRef idx="3">
-            <a:schemeClr val="accent3"/>
-          </a:effectRef>
-          <a:fontRef idx="minor">
-            <a:schemeClr val="lt1"/>
-          </a:fontRef>
-        </p:style>
-        <p:txBody>
-          <a:bodyPr rtlCol="0" anchor="ctr"/>
-          <a:lstStyle/>
-          <a:p>
-            <a:pPr algn="ctr"/>
-            <a:r>
-              <a:rPr lang="zh-CN" altLang="en-US" dirty="0">
-                <a:solidFill>
-                  <a:sysClr val="windowText" lastClr="000000"/>
-                </a:solidFill>
-              </a:rPr>
-              <a:t>题目管理功能</a:t>
-            </a:r>
-          </a:p>
-        </p:txBody>
-      </p:sp>
-      <p:sp>
-        <p:nvSpPr>
           <p:cNvPr id="5" name="矩形 4">
             <a:extLst>
               <a:ext uri="{FF2B5EF4-FFF2-40B4-BE49-F238E27FC236}">
@@ -16400,8 +16351,8 @@
         </p:nvSpPr>
         <p:spPr>
           <a:xfrm>
-            <a:off x="7010403" y="2684805"/>
-            <a:ext cx="4908811" cy="4166604"/>
+            <a:off x="7010403" y="2857500"/>
+            <a:ext cx="4908811" cy="3695962"/>
           </a:xfrm>
           <a:prstGeom prst="roundRect">
             <a:avLst/>
@@ -16590,7 +16541,6 @@
           </p:cNvPr>
           <p:cNvCxnSpPr>
             <a:cxnSpLocks/>
-            <a:stCxn id="4" idx="2"/>
           </p:cNvCxnSpPr>
           <p:nvPr/>
         </p:nvCxnSpPr>
@@ -17107,6 +17057,60 @@
                 </a:solidFill>
               </a:rPr>
               <a:t>支持单选、多选、判断、填空</a:t>
+            </a:r>
+          </a:p>
+        </p:txBody>
+      </p:sp>
+      <p:sp>
+        <p:nvSpPr>
+          <p:cNvPr id="35" name="矩形 34">
+            <a:extLst>
+              <a:ext uri="{FF2B5EF4-FFF2-40B4-BE49-F238E27FC236}">
+                <a16:creationId xmlns:a16="http://schemas.microsoft.com/office/drawing/2014/main" id="{7A37FF4F-E293-1FE5-E620-B6A3328162E9}"/>
+              </a:ext>
+            </a:extLst>
+          </p:cNvPr>
+          <p:cNvSpPr/>
+          <p:nvPr/>
+        </p:nvSpPr>
+        <p:spPr>
+          <a:xfrm>
+            <a:off x="5178011" y="339024"/>
+            <a:ext cx="1540702" cy="413359"/>
+          </a:xfrm>
+          <a:prstGeom prst="rect">
+            <a:avLst/>
+          </a:prstGeom>
+          <a:noFill/>
+        </p:spPr>
+        <p:style>
+          <a:lnRef idx="2">
+            <a:schemeClr val="accent1">
+              <a:shade val="50000"/>
+            </a:schemeClr>
+          </a:lnRef>
+          <a:fillRef idx="1">
+            <a:schemeClr val="accent1"/>
+          </a:fillRef>
+          <a:effectRef idx="0">
+            <a:schemeClr val="accent1"/>
+          </a:effectRef>
+          <a:fontRef idx="minor">
+            <a:schemeClr val="lt1"/>
+          </a:fontRef>
+        </p:style>
+        <p:txBody>
+          <a:bodyPr rtlCol="0" anchor="ctr"/>
+          <a:lstStyle/>
+          <a:p>
+            <a:pPr algn="ctr"/>
+            <a:r>
+              <a:rPr lang="zh-CN" altLang="en-US" dirty="0">
+                <a:solidFill>
+                  <a:schemeClr val="tx1"/>
+                </a:solidFill>
+              </a:rPr>
+              <a:t>题目管理</a:t>
             </a:r>
           </a:p>
         </p:txBody>
@@ -17539,9 +17543,7 @@
           <a:prstGeom prst="rect">
             <a:avLst/>
           </a:prstGeom>
-          <a:solidFill>
-            <a:schemeClr val="accent3"/>
-          </a:solidFill>
+          <a:noFill/>
         </p:spPr>
         <p:style>
           <a:lnRef idx="2">
@@ -21401,6 +21403,4527 @@
     <p:extLst>
       <p:ext uri="{BB962C8B-B14F-4D97-AF65-F5344CB8AC3E}">
         <p14:creationId xmlns:p14="http://schemas.microsoft.com/office/powerpoint/2010/main" val="365712049"/>
+      </p:ext>
+    </p:extLst>
+  </p:cSld>
+  <p:clrMapOvr>
+    <a:masterClrMapping/>
+  </p:clrMapOvr>
+</p:sld>
+</file>
+
+<file path=ppt/slides/slide28.xml><?xml version="1.0" encoding="utf-8"?>
+<p:sld xmlns:a="http://schemas.openxmlformats.org/drawingml/2006/main" xmlns:r="http://schemas.openxmlformats.org/officeDocument/2006/relationships" xmlns:p="http://schemas.openxmlformats.org/presentationml/2006/main">
+  <p:cSld>
+    <p:spTree>
+      <p:nvGrpSpPr>
+        <p:cNvPr id="1" name=""/>
+        <p:cNvGrpSpPr/>
+        <p:nvPr/>
+      </p:nvGrpSpPr>
+      <p:grpSpPr>
+        <a:xfrm>
+          <a:off x="0" y="0"/>
+          <a:ext cx="0" cy="0"/>
+          <a:chOff x="0" y="0"/>
+          <a:chExt cx="0" cy="0"/>
+        </a:xfrm>
+      </p:grpSpPr>
+      <p:sp>
+        <p:nvSpPr>
+          <p:cNvPr id="4" name="矩形 3">
+            <a:extLst>
+              <a:ext uri="{FF2B5EF4-FFF2-40B4-BE49-F238E27FC236}">
+                <a16:creationId xmlns:a16="http://schemas.microsoft.com/office/drawing/2014/main" id="{8938C5B0-8BB0-1E5C-0D53-BF65845C62E7}"/>
+              </a:ext>
+            </a:extLst>
+          </p:cNvPr>
+          <p:cNvSpPr/>
+          <p:nvPr/>
+        </p:nvSpPr>
+        <p:spPr>
+          <a:xfrm>
+            <a:off x="3462336" y="47626"/>
+            <a:ext cx="4638675" cy="381000"/>
+          </a:xfrm>
+          <a:prstGeom prst="rect">
+            <a:avLst/>
+          </a:prstGeom>
+          <a:noFill/>
+        </p:spPr>
+        <p:style>
+          <a:lnRef idx="2">
+            <a:schemeClr val="accent1">
+              <a:shade val="50000"/>
+            </a:schemeClr>
+          </a:lnRef>
+          <a:fillRef idx="1">
+            <a:schemeClr val="accent1"/>
+          </a:fillRef>
+          <a:effectRef idx="0">
+            <a:schemeClr val="accent1"/>
+          </a:effectRef>
+          <a:fontRef idx="minor">
+            <a:schemeClr val="lt1"/>
+          </a:fontRef>
+        </p:style>
+        <p:txBody>
+          <a:bodyPr rtlCol="0" anchor="ctr"/>
+          <a:lstStyle/>
+          <a:p>
+            <a:pPr algn="ctr"/>
+            <a:r>
+              <a:rPr lang="zh-CN" altLang="en-US" dirty="0">
+                <a:solidFill>
+                  <a:schemeClr val="tx1"/>
+                </a:solidFill>
+              </a:rPr>
+              <a:t>教考分离系统</a:t>
+            </a:r>
+          </a:p>
+        </p:txBody>
+      </p:sp>
+      <p:cxnSp>
+        <p:nvCxnSpPr>
+          <p:cNvPr id="16" name="直接连接符 15">
+            <a:extLst>
+              <a:ext uri="{FF2B5EF4-FFF2-40B4-BE49-F238E27FC236}">
+                <a16:creationId xmlns:a16="http://schemas.microsoft.com/office/drawing/2014/main" id="{A3A06BB8-A0A3-34E8-3F2E-8E2C428EA7EB}"/>
+              </a:ext>
+            </a:extLst>
+          </p:cNvPr>
+          <p:cNvCxnSpPr>
+            <a:cxnSpLocks/>
+            <a:stCxn id="4" idx="2"/>
+          </p:cNvCxnSpPr>
+          <p:nvPr/>
+        </p:nvCxnSpPr>
+        <p:spPr>
+          <a:xfrm flipH="1">
+            <a:off x="5781673" y="428626"/>
+            <a:ext cx="1" cy="342900"/>
+          </a:xfrm>
+          <a:prstGeom prst="line">
+            <a:avLst/>
+          </a:prstGeom>
+        </p:spPr>
+        <p:style>
+          <a:lnRef idx="1">
+            <a:schemeClr val="dk1"/>
+          </a:lnRef>
+          <a:fillRef idx="0">
+            <a:schemeClr val="dk1"/>
+          </a:fillRef>
+          <a:effectRef idx="0">
+            <a:schemeClr val="dk1"/>
+          </a:effectRef>
+          <a:fontRef idx="minor">
+            <a:schemeClr val="tx1"/>
+          </a:fontRef>
+        </p:style>
+      </p:cxnSp>
+      <p:cxnSp>
+        <p:nvCxnSpPr>
+          <p:cNvPr id="17" name="直接连接符 16">
+            <a:extLst>
+              <a:ext uri="{FF2B5EF4-FFF2-40B4-BE49-F238E27FC236}">
+                <a16:creationId xmlns:a16="http://schemas.microsoft.com/office/drawing/2014/main" id="{1FA00F20-2D74-AAF2-ED54-C676681800EA}"/>
+              </a:ext>
+            </a:extLst>
+          </p:cNvPr>
+          <p:cNvCxnSpPr>
+            <a:cxnSpLocks/>
+          </p:cNvCxnSpPr>
+          <p:nvPr/>
+        </p:nvCxnSpPr>
+        <p:spPr>
+          <a:xfrm>
+            <a:off x="1543050" y="1428750"/>
+            <a:ext cx="7462767" cy="0"/>
+          </a:xfrm>
+          <a:prstGeom prst="line">
+            <a:avLst/>
+          </a:prstGeom>
+        </p:spPr>
+        <p:style>
+          <a:lnRef idx="1">
+            <a:schemeClr val="dk1"/>
+          </a:lnRef>
+          <a:fillRef idx="0">
+            <a:schemeClr val="dk1"/>
+          </a:fillRef>
+          <a:effectRef idx="0">
+            <a:schemeClr val="dk1"/>
+          </a:effectRef>
+          <a:fontRef idx="minor">
+            <a:schemeClr val="tx1"/>
+          </a:fontRef>
+        </p:style>
+      </p:cxnSp>
+      <p:cxnSp>
+        <p:nvCxnSpPr>
+          <p:cNvPr id="19" name="直接连接符 18">
+            <a:extLst>
+              <a:ext uri="{FF2B5EF4-FFF2-40B4-BE49-F238E27FC236}">
+                <a16:creationId xmlns:a16="http://schemas.microsoft.com/office/drawing/2014/main" id="{59D1CA7F-D6E6-1797-4CB0-6557347667FD}"/>
+              </a:ext>
+            </a:extLst>
+          </p:cNvPr>
+          <p:cNvCxnSpPr/>
+          <p:nvPr/>
+        </p:nvCxnSpPr>
+        <p:spPr>
+          <a:xfrm>
+            <a:off x="1552575" y="1428750"/>
+            <a:ext cx="0" cy="457200"/>
+          </a:xfrm>
+          <a:prstGeom prst="line">
+            <a:avLst/>
+          </a:prstGeom>
+        </p:spPr>
+        <p:style>
+          <a:lnRef idx="1">
+            <a:schemeClr val="dk1"/>
+          </a:lnRef>
+          <a:fillRef idx="0">
+            <a:schemeClr val="dk1"/>
+          </a:fillRef>
+          <a:effectRef idx="0">
+            <a:schemeClr val="dk1"/>
+          </a:effectRef>
+          <a:fontRef idx="minor">
+            <a:schemeClr val="tx1"/>
+          </a:fontRef>
+        </p:style>
+      </p:cxnSp>
+      <p:cxnSp>
+        <p:nvCxnSpPr>
+          <p:cNvPr id="20" name="直接连接符 19">
+            <a:extLst>
+              <a:ext uri="{FF2B5EF4-FFF2-40B4-BE49-F238E27FC236}">
+                <a16:creationId xmlns:a16="http://schemas.microsoft.com/office/drawing/2014/main" id="{8CD3FF01-CCBD-A5FC-FD79-79A1384E9CEB}"/>
+              </a:ext>
+            </a:extLst>
+          </p:cNvPr>
+          <p:cNvCxnSpPr/>
+          <p:nvPr/>
+        </p:nvCxnSpPr>
+        <p:spPr>
+          <a:xfrm>
+            <a:off x="5800725" y="1428750"/>
+            <a:ext cx="0" cy="457200"/>
+          </a:xfrm>
+          <a:prstGeom prst="line">
+            <a:avLst/>
+          </a:prstGeom>
+        </p:spPr>
+        <p:style>
+          <a:lnRef idx="1">
+            <a:schemeClr val="dk1"/>
+          </a:lnRef>
+          <a:fillRef idx="0">
+            <a:schemeClr val="dk1"/>
+          </a:fillRef>
+          <a:effectRef idx="0">
+            <a:schemeClr val="dk1"/>
+          </a:effectRef>
+          <a:fontRef idx="minor">
+            <a:schemeClr val="tx1"/>
+          </a:fontRef>
+        </p:style>
+      </p:cxnSp>
+      <p:cxnSp>
+        <p:nvCxnSpPr>
+          <p:cNvPr id="21" name="直接连接符 20">
+            <a:extLst>
+              <a:ext uri="{FF2B5EF4-FFF2-40B4-BE49-F238E27FC236}">
+                <a16:creationId xmlns:a16="http://schemas.microsoft.com/office/drawing/2014/main" id="{EEC9A48A-D6F2-3737-C625-A78EE1E9A59A}"/>
+              </a:ext>
+            </a:extLst>
+          </p:cNvPr>
+          <p:cNvCxnSpPr/>
+          <p:nvPr/>
+        </p:nvCxnSpPr>
+        <p:spPr>
+          <a:xfrm>
+            <a:off x="9020172" y="1428750"/>
+            <a:ext cx="0" cy="457200"/>
+          </a:xfrm>
+          <a:prstGeom prst="line">
+            <a:avLst/>
+          </a:prstGeom>
+        </p:spPr>
+        <p:style>
+          <a:lnRef idx="1">
+            <a:schemeClr val="dk1"/>
+          </a:lnRef>
+          <a:fillRef idx="0">
+            <a:schemeClr val="dk1"/>
+          </a:fillRef>
+          <a:effectRef idx="0">
+            <a:schemeClr val="dk1"/>
+          </a:effectRef>
+          <a:fontRef idx="minor">
+            <a:schemeClr val="tx1"/>
+          </a:fontRef>
+        </p:style>
+      </p:cxnSp>
+      <p:sp>
+        <p:nvSpPr>
+          <p:cNvPr id="22" name="矩形 21">
+            <a:extLst>
+              <a:ext uri="{FF2B5EF4-FFF2-40B4-BE49-F238E27FC236}">
+                <a16:creationId xmlns:a16="http://schemas.microsoft.com/office/drawing/2014/main" id="{C629CFEC-654D-2E40-685E-C80C35170CE4}"/>
+              </a:ext>
+            </a:extLst>
+          </p:cNvPr>
+          <p:cNvSpPr/>
+          <p:nvPr/>
+        </p:nvSpPr>
+        <p:spPr>
+          <a:xfrm>
+            <a:off x="690562" y="1885950"/>
+            <a:ext cx="1685925" cy="381000"/>
+          </a:xfrm>
+          <a:prstGeom prst="rect">
+            <a:avLst/>
+          </a:prstGeom>
+          <a:noFill/>
+        </p:spPr>
+        <p:style>
+          <a:lnRef idx="2">
+            <a:schemeClr val="accent1">
+              <a:shade val="50000"/>
+            </a:schemeClr>
+          </a:lnRef>
+          <a:fillRef idx="1">
+            <a:schemeClr val="accent1"/>
+          </a:fillRef>
+          <a:effectRef idx="0">
+            <a:schemeClr val="accent1"/>
+          </a:effectRef>
+          <a:fontRef idx="minor">
+            <a:schemeClr val="lt1"/>
+          </a:fontRef>
+        </p:style>
+        <p:txBody>
+          <a:bodyPr rtlCol="0" anchor="ctr"/>
+          <a:lstStyle/>
+          <a:p>
+            <a:pPr algn="ctr"/>
+            <a:r>
+              <a:rPr lang="zh-CN" altLang="en-US" dirty="0">
+                <a:solidFill>
+                  <a:schemeClr val="tx1"/>
+                </a:solidFill>
+              </a:rPr>
+              <a:t>学生</a:t>
+            </a:r>
+          </a:p>
+        </p:txBody>
+      </p:sp>
+      <p:sp>
+        <p:nvSpPr>
+          <p:cNvPr id="23" name="矩形 22">
+            <a:extLst>
+              <a:ext uri="{FF2B5EF4-FFF2-40B4-BE49-F238E27FC236}">
+                <a16:creationId xmlns:a16="http://schemas.microsoft.com/office/drawing/2014/main" id="{C8A595B2-106B-C627-4798-BDCDF57CC222}"/>
+              </a:ext>
+            </a:extLst>
+          </p:cNvPr>
+          <p:cNvSpPr/>
+          <p:nvPr/>
+        </p:nvSpPr>
+        <p:spPr>
+          <a:xfrm>
+            <a:off x="4938712" y="1885950"/>
+            <a:ext cx="1685925" cy="381000"/>
+          </a:xfrm>
+          <a:prstGeom prst="rect">
+            <a:avLst/>
+          </a:prstGeom>
+          <a:noFill/>
+        </p:spPr>
+        <p:style>
+          <a:lnRef idx="2">
+            <a:schemeClr val="accent1">
+              <a:shade val="50000"/>
+            </a:schemeClr>
+          </a:lnRef>
+          <a:fillRef idx="1">
+            <a:schemeClr val="accent1"/>
+          </a:fillRef>
+          <a:effectRef idx="0">
+            <a:schemeClr val="accent1"/>
+          </a:effectRef>
+          <a:fontRef idx="minor">
+            <a:schemeClr val="lt1"/>
+          </a:fontRef>
+        </p:style>
+        <p:txBody>
+          <a:bodyPr rtlCol="0" anchor="ctr"/>
+          <a:lstStyle/>
+          <a:p>
+            <a:pPr algn="ctr"/>
+            <a:r>
+              <a:rPr lang="zh-CN" altLang="en-US" dirty="0">
+                <a:solidFill>
+                  <a:schemeClr val="tx1"/>
+                </a:solidFill>
+              </a:rPr>
+              <a:t>管理员</a:t>
+            </a:r>
+          </a:p>
+        </p:txBody>
+      </p:sp>
+      <p:sp>
+        <p:nvSpPr>
+          <p:cNvPr id="26" name="矩形 25">
+            <a:extLst>
+              <a:ext uri="{FF2B5EF4-FFF2-40B4-BE49-F238E27FC236}">
+                <a16:creationId xmlns:a16="http://schemas.microsoft.com/office/drawing/2014/main" id="{E73DC54C-0512-28FD-4FB2-16AAD07BADCB}"/>
+              </a:ext>
+            </a:extLst>
+          </p:cNvPr>
+          <p:cNvSpPr/>
+          <p:nvPr/>
+        </p:nvSpPr>
+        <p:spPr>
+          <a:xfrm>
+            <a:off x="8101011" y="1885950"/>
+            <a:ext cx="1685925" cy="381000"/>
+          </a:xfrm>
+          <a:prstGeom prst="rect">
+            <a:avLst/>
+          </a:prstGeom>
+          <a:noFill/>
+        </p:spPr>
+        <p:style>
+          <a:lnRef idx="2">
+            <a:schemeClr val="accent1">
+              <a:shade val="50000"/>
+            </a:schemeClr>
+          </a:lnRef>
+          <a:fillRef idx="1">
+            <a:schemeClr val="accent1"/>
+          </a:fillRef>
+          <a:effectRef idx="0">
+            <a:schemeClr val="accent1"/>
+          </a:effectRef>
+          <a:fontRef idx="minor">
+            <a:schemeClr val="lt1"/>
+          </a:fontRef>
+        </p:style>
+        <p:txBody>
+          <a:bodyPr rtlCol="0" anchor="ctr"/>
+          <a:lstStyle/>
+          <a:p>
+            <a:pPr algn="ctr"/>
+            <a:r>
+              <a:rPr lang="zh-CN" altLang="en-US" dirty="0">
+                <a:solidFill>
+                  <a:schemeClr val="tx1"/>
+                </a:solidFill>
+              </a:rPr>
+              <a:t>教师</a:t>
+            </a:r>
+          </a:p>
+        </p:txBody>
+      </p:sp>
+      <p:sp>
+        <p:nvSpPr>
+          <p:cNvPr id="30" name="矩形 29">
+            <a:extLst>
+              <a:ext uri="{FF2B5EF4-FFF2-40B4-BE49-F238E27FC236}">
+                <a16:creationId xmlns:a16="http://schemas.microsoft.com/office/drawing/2014/main" id="{82F0B8C0-E7A1-D535-BEAB-335BEBCDCED2}"/>
+              </a:ext>
+            </a:extLst>
+          </p:cNvPr>
+          <p:cNvSpPr/>
+          <p:nvPr/>
+        </p:nvSpPr>
+        <p:spPr>
+          <a:xfrm>
+            <a:off x="495299" y="2609850"/>
+            <a:ext cx="390525" cy="2171701"/>
+          </a:xfrm>
+          <a:prstGeom prst="rect">
+            <a:avLst/>
+          </a:prstGeom>
+          <a:noFill/>
+        </p:spPr>
+        <p:style>
+          <a:lnRef idx="2">
+            <a:schemeClr val="accent1">
+              <a:shade val="50000"/>
+            </a:schemeClr>
+          </a:lnRef>
+          <a:fillRef idx="1">
+            <a:schemeClr val="accent1"/>
+          </a:fillRef>
+          <a:effectRef idx="0">
+            <a:schemeClr val="accent1"/>
+          </a:effectRef>
+          <a:fontRef idx="minor">
+            <a:schemeClr val="lt1"/>
+          </a:fontRef>
+        </p:style>
+        <p:txBody>
+          <a:bodyPr rtlCol="0" anchor="ctr"/>
+          <a:lstStyle/>
+          <a:p>
+            <a:pPr algn="ctr"/>
+            <a:r>
+              <a:rPr lang="zh-CN" altLang="en-US" dirty="0">
+                <a:solidFill>
+                  <a:schemeClr val="tx1"/>
+                </a:solidFill>
+              </a:rPr>
+              <a:t>接收考试通知</a:t>
+            </a:r>
+          </a:p>
+        </p:txBody>
+      </p:sp>
+      <p:sp>
+        <p:nvSpPr>
+          <p:cNvPr id="31" name="矩形 30">
+            <a:extLst>
+              <a:ext uri="{FF2B5EF4-FFF2-40B4-BE49-F238E27FC236}">
+                <a16:creationId xmlns:a16="http://schemas.microsoft.com/office/drawing/2014/main" id="{1A217755-49E9-46C0-26F6-F52312742202}"/>
+              </a:ext>
+            </a:extLst>
+          </p:cNvPr>
+          <p:cNvSpPr/>
+          <p:nvPr/>
+        </p:nvSpPr>
+        <p:spPr>
+          <a:xfrm>
+            <a:off x="1329453" y="2609850"/>
+            <a:ext cx="390525" cy="2171701"/>
+          </a:xfrm>
+          <a:prstGeom prst="rect">
+            <a:avLst/>
+          </a:prstGeom>
+          <a:noFill/>
+        </p:spPr>
+        <p:style>
+          <a:lnRef idx="2">
+            <a:schemeClr val="accent1">
+              <a:shade val="50000"/>
+            </a:schemeClr>
+          </a:lnRef>
+          <a:fillRef idx="1">
+            <a:schemeClr val="accent1"/>
+          </a:fillRef>
+          <a:effectRef idx="0">
+            <a:schemeClr val="accent1"/>
+          </a:effectRef>
+          <a:fontRef idx="minor">
+            <a:schemeClr val="lt1"/>
+          </a:fontRef>
+        </p:style>
+        <p:txBody>
+          <a:bodyPr rtlCol="0" anchor="ctr"/>
+          <a:lstStyle/>
+          <a:p>
+            <a:pPr algn="ctr"/>
+            <a:r>
+              <a:rPr lang="zh-CN" altLang="en-US" dirty="0">
+                <a:solidFill>
+                  <a:schemeClr val="tx1"/>
+                </a:solidFill>
+              </a:rPr>
+              <a:t>参加考试</a:t>
+            </a:r>
+          </a:p>
+        </p:txBody>
+      </p:sp>
+      <p:sp>
+        <p:nvSpPr>
+          <p:cNvPr id="32" name="矩形 31">
+            <a:extLst>
+              <a:ext uri="{FF2B5EF4-FFF2-40B4-BE49-F238E27FC236}">
+                <a16:creationId xmlns:a16="http://schemas.microsoft.com/office/drawing/2014/main" id="{19C5E740-00D0-22A8-5E3A-859B79088FC5}"/>
+              </a:ext>
+            </a:extLst>
+          </p:cNvPr>
+          <p:cNvSpPr/>
+          <p:nvPr/>
+        </p:nvSpPr>
+        <p:spPr>
+          <a:xfrm>
+            <a:off x="1992290" y="2609850"/>
+            <a:ext cx="390525" cy="2171701"/>
+          </a:xfrm>
+          <a:prstGeom prst="rect">
+            <a:avLst/>
+          </a:prstGeom>
+          <a:noFill/>
+        </p:spPr>
+        <p:style>
+          <a:lnRef idx="2">
+            <a:schemeClr val="accent1">
+              <a:shade val="50000"/>
+            </a:schemeClr>
+          </a:lnRef>
+          <a:fillRef idx="1">
+            <a:schemeClr val="accent1"/>
+          </a:fillRef>
+          <a:effectRef idx="0">
+            <a:schemeClr val="accent1"/>
+          </a:effectRef>
+          <a:fontRef idx="minor">
+            <a:schemeClr val="lt1"/>
+          </a:fontRef>
+        </p:style>
+        <p:txBody>
+          <a:bodyPr rtlCol="0" anchor="ctr"/>
+          <a:lstStyle/>
+          <a:p>
+            <a:pPr algn="ctr"/>
+            <a:r>
+              <a:rPr lang="zh-CN" altLang="en-US" dirty="0">
+                <a:solidFill>
+                  <a:schemeClr val="tx1"/>
+                </a:solidFill>
+              </a:rPr>
+              <a:t>成绩查看</a:t>
+            </a:r>
+          </a:p>
+        </p:txBody>
+      </p:sp>
+      <p:sp>
+        <p:nvSpPr>
+          <p:cNvPr id="33" name="矩形 32">
+            <a:extLst>
+              <a:ext uri="{FF2B5EF4-FFF2-40B4-BE49-F238E27FC236}">
+                <a16:creationId xmlns:a16="http://schemas.microsoft.com/office/drawing/2014/main" id="{03BE2A89-80A8-65D6-BEEF-2AC1B0192298}"/>
+              </a:ext>
+            </a:extLst>
+          </p:cNvPr>
+          <p:cNvSpPr/>
+          <p:nvPr/>
+        </p:nvSpPr>
+        <p:spPr>
+          <a:xfrm>
+            <a:off x="4188650" y="2609850"/>
+            <a:ext cx="390525" cy="2171701"/>
+          </a:xfrm>
+          <a:prstGeom prst="rect">
+            <a:avLst/>
+          </a:prstGeom>
+          <a:noFill/>
+        </p:spPr>
+        <p:style>
+          <a:lnRef idx="2">
+            <a:schemeClr val="accent1">
+              <a:shade val="50000"/>
+            </a:schemeClr>
+          </a:lnRef>
+          <a:fillRef idx="1">
+            <a:schemeClr val="accent1"/>
+          </a:fillRef>
+          <a:effectRef idx="0">
+            <a:schemeClr val="accent1"/>
+          </a:effectRef>
+          <a:fontRef idx="minor">
+            <a:schemeClr val="lt1"/>
+          </a:fontRef>
+        </p:style>
+        <p:txBody>
+          <a:bodyPr rtlCol="0" anchor="ctr"/>
+          <a:lstStyle/>
+          <a:p>
+            <a:pPr algn="ctr"/>
+            <a:r>
+              <a:rPr lang="zh-CN" altLang="en-US" dirty="0">
+                <a:solidFill>
+                  <a:schemeClr val="tx1"/>
+                </a:solidFill>
+              </a:rPr>
+              <a:t>组织机构管理</a:t>
+            </a:r>
+          </a:p>
+        </p:txBody>
+      </p:sp>
+      <p:sp>
+        <p:nvSpPr>
+          <p:cNvPr id="34" name="矩形 33">
+            <a:extLst>
+              <a:ext uri="{FF2B5EF4-FFF2-40B4-BE49-F238E27FC236}">
+                <a16:creationId xmlns:a16="http://schemas.microsoft.com/office/drawing/2014/main" id="{E54E82ED-6D5A-52CF-60A8-53679B21662B}"/>
+              </a:ext>
+            </a:extLst>
+          </p:cNvPr>
+          <p:cNvSpPr/>
+          <p:nvPr/>
+        </p:nvSpPr>
+        <p:spPr>
+          <a:xfrm>
+            <a:off x="4914899" y="2609850"/>
+            <a:ext cx="390525" cy="2171701"/>
+          </a:xfrm>
+          <a:prstGeom prst="rect">
+            <a:avLst/>
+          </a:prstGeom>
+          <a:noFill/>
+        </p:spPr>
+        <p:style>
+          <a:lnRef idx="2">
+            <a:schemeClr val="accent1">
+              <a:shade val="50000"/>
+            </a:schemeClr>
+          </a:lnRef>
+          <a:fillRef idx="1">
+            <a:schemeClr val="accent1"/>
+          </a:fillRef>
+          <a:effectRef idx="0">
+            <a:schemeClr val="accent1"/>
+          </a:effectRef>
+          <a:fontRef idx="minor">
+            <a:schemeClr val="lt1"/>
+          </a:fontRef>
+        </p:style>
+        <p:txBody>
+          <a:bodyPr rtlCol="0" anchor="ctr"/>
+          <a:lstStyle/>
+          <a:p>
+            <a:pPr algn="ctr"/>
+            <a:r>
+              <a:rPr lang="zh-CN" altLang="en-US" dirty="0">
+                <a:solidFill>
+                  <a:schemeClr val="tx1"/>
+                </a:solidFill>
+              </a:rPr>
+              <a:t>功能模块管理</a:t>
+            </a:r>
+          </a:p>
+        </p:txBody>
+      </p:sp>
+      <p:sp>
+        <p:nvSpPr>
+          <p:cNvPr id="35" name="矩形 34">
+            <a:extLst>
+              <a:ext uri="{FF2B5EF4-FFF2-40B4-BE49-F238E27FC236}">
+                <a16:creationId xmlns:a16="http://schemas.microsoft.com/office/drawing/2014/main" id="{FB7C02A3-AEEF-7A1F-01B8-69C5B8B2EB32}"/>
+              </a:ext>
+            </a:extLst>
+          </p:cNvPr>
+          <p:cNvSpPr/>
+          <p:nvPr/>
+        </p:nvSpPr>
+        <p:spPr>
+          <a:xfrm>
+            <a:off x="5641148" y="2609850"/>
+            <a:ext cx="390525" cy="2171701"/>
+          </a:xfrm>
+          <a:prstGeom prst="rect">
+            <a:avLst/>
+          </a:prstGeom>
+          <a:noFill/>
+        </p:spPr>
+        <p:style>
+          <a:lnRef idx="2">
+            <a:schemeClr val="accent1">
+              <a:shade val="50000"/>
+            </a:schemeClr>
+          </a:lnRef>
+          <a:fillRef idx="1">
+            <a:schemeClr val="accent1"/>
+          </a:fillRef>
+          <a:effectRef idx="0">
+            <a:schemeClr val="accent1"/>
+          </a:effectRef>
+          <a:fontRef idx="minor">
+            <a:schemeClr val="lt1"/>
+          </a:fontRef>
+        </p:style>
+        <p:txBody>
+          <a:bodyPr rtlCol="0" anchor="ctr"/>
+          <a:lstStyle/>
+          <a:p>
+            <a:pPr algn="ctr"/>
+            <a:r>
+              <a:rPr lang="zh-CN" altLang="en-US" dirty="0">
+                <a:solidFill>
+                  <a:schemeClr val="tx1"/>
+                </a:solidFill>
+              </a:rPr>
+              <a:t>角色权限管理</a:t>
+            </a:r>
+          </a:p>
+        </p:txBody>
+      </p:sp>
+      <p:sp>
+        <p:nvSpPr>
+          <p:cNvPr id="36" name="矩形 35">
+            <a:extLst>
+              <a:ext uri="{FF2B5EF4-FFF2-40B4-BE49-F238E27FC236}">
+                <a16:creationId xmlns:a16="http://schemas.microsoft.com/office/drawing/2014/main" id="{75D1F2E7-AA63-195C-8607-0B9CA3B0110E}"/>
+              </a:ext>
+            </a:extLst>
+          </p:cNvPr>
+          <p:cNvSpPr/>
+          <p:nvPr/>
+        </p:nvSpPr>
+        <p:spPr>
+          <a:xfrm>
+            <a:off x="6367397" y="2609850"/>
+            <a:ext cx="390525" cy="2171701"/>
+          </a:xfrm>
+          <a:prstGeom prst="rect">
+            <a:avLst/>
+          </a:prstGeom>
+          <a:noFill/>
+        </p:spPr>
+        <p:style>
+          <a:lnRef idx="2">
+            <a:schemeClr val="accent1">
+              <a:shade val="50000"/>
+            </a:schemeClr>
+          </a:lnRef>
+          <a:fillRef idx="1">
+            <a:schemeClr val="accent1"/>
+          </a:fillRef>
+          <a:effectRef idx="0">
+            <a:schemeClr val="accent1"/>
+          </a:effectRef>
+          <a:fontRef idx="minor">
+            <a:schemeClr val="lt1"/>
+          </a:fontRef>
+        </p:style>
+        <p:txBody>
+          <a:bodyPr rtlCol="0" anchor="ctr"/>
+          <a:lstStyle/>
+          <a:p>
+            <a:pPr algn="ctr"/>
+            <a:r>
+              <a:rPr lang="zh-CN" altLang="en-US" dirty="0">
+                <a:solidFill>
+                  <a:schemeClr val="tx1"/>
+                </a:solidFill>
+              </a:rPr>
+              <a:t>操作日志管理</a:t>
+            </a:r>
+          </a:p>
+        </p:txBody>
+      </p:sp>
+      <p:sp>
+        <p:nvSpPr>
+          <p:cNvPr id="37" name="矩形 36">
+            <a:extLst>
+              <a:ext uri="{FF2B5EF4-FFF2-40B4-BE49-F238E27FC236}">
+                <a16:creationId xmlns:a16="http://schemas.microsoft.com/office/drawing/2014/main" id="{AD61EE61-BBFB-EDC3-263D-C9EFBFF8B6CB}"/>
+              </a:ext>
+            </a:extLst>
+          </p:cNvPr>
+          <p:cNvSpPr/>
+          <p:nvPr/>
+        </p:nvSpPr>
+        <p:spPr>
+          <a:xfrm>
+            <a:off x="7030234" y="2609850"/>
+            <a:ext cx="390525" cy="2171701"/>
+          </a:xfrm>
+          <a:prstGeom prst="rect">
+            <a:avLst/>
+          </a:prstGeom>
+          <a:noFill/>
+        </p:spPr>
+        <p:style>
+          <a:lnRef idx="2">
+            <a:schemeClr val="accent1">
+              <a:shade val="50000"/>
+            </a:schemeClr>
+          </a:lnRef>
+          <a:fillRef idx="1">
+            <a:schemeClr val="accent1"/>
+          </a:fillRef>
+          <a:effectRef idx="0">
+            <a:schemeClr val="accent1"/>
+          </a:effectRef>
+          <a:fontRef idx="minor">
+            <a:schemeClr val="lt1"/>
+          </a:fontRef>
+        </p:style>
+        <p:txBody>
+          <a:bodyPr rtlCol="0" anchor="ctr"/>
+          <a:lstStyle/>
+          <a:p>
+            <a:pPr algn="ctr"/>
+            <a:r>
+              <a:rPr lang="zh-CN" altLang="en-US" dirty="0">
+                <a:solidFill>
+                  <a:schemeClr val="tx1"/>
+                </a:solidFill>
+              </a:rPr>
+              <a:t>用户管理</a:t>
+            </a:r>
+          </a:p>
+        </p:txBody>
+      </p:sp>
+      <p:sp>
+        <p:nvSpPr>
+          <p:cNvPr id="38" name="矩形 37">
+            <a:extLst>
+              <a:ext uri="{FF2B5EF4-FFF2-40B4-BE49-F238E27FC236}">
+                <a16:creationId xmlns:a16="http://schemas.microsoft.com/office/drawing/2014/main" id="{831DEA73-E1A1-4AC3-90B4-B466AF402678}"/>
+              </a:ext>
+            </a:extLst>
+          </p:cNvPr>
+          <p:cNvSpPr/>
+          <p:nvPr/>
+        </p:nvSpPr>
+        <p:spPr>
+          <a:xfrm>
+            <a:off x="8035056" y="2628899"/>
+            <a:ext cx="390525" cy="2171701"/>
+          </a:xfrm>
+          <a:prstGeom prst="rect">
+            <a:avLst/>
+          </a:prstGeom>
+          <a:noFill/>
+        </p:spPr>
+        <p:style>
+          <a:lnRef idx="2">
+            <a:schemeClr val="accent1">
+              <a:shade val="50000"/>
+            </a:schemeClr>
+          </a:lnRef>
+          <a:fillRef idx="1">
+            <a:schemeClr val="accent1"/>
+          </a:fillRef>
+          <a:effectRef idx="0">
+            <a:schemeClr val="accent1"/>
+          </a:effectRef>
+          <a:fontRef idx="minor">
+            <a:schemeClr val="lt1"/>
+          </a:fontRef>
+        </p:style>
+        <p:txBody>
+          <a:bodyPr rtlCol="0" anchor="ctr"/>
+          <a:lstStyle/>
+          <a:p>
+            <a:pPr algn="ctr"/>
+            <a:r>
+              <a:rPr lang="zh-CN" altLang="en-US" dirty="0">
+                <a:solidFill>
+                  <a:schemeClr val="tx1"/>
+                </a:solidFill>
+              </a:rPr>
+              <a:t>大纲管理</a:t>
+            </a:r>
+          </a:p>
+        </p:txBody>
+      </p:sp>
+      <p:sp>
+        <p:nvSpPr>
+          <p:cNvPr id="39" name="矩形 38">
+            <a:extLst>
+              <a:ext uri="{FF2B5EF4-FFF2-40B4-BE49-F238E27FC236}">
+                <a16:creationId xmlns:a16="http://schemas.microsoft.com/office/drawing/2014/main" id="{619A8C06-B8E7-5F73-6C39-31A887D747D4}"/>
+              </a:ext>
+            </a:extLst>
+          </p:cNvPr>
+          <p:cNvSpPr/>
+          <p:nvPr/>
+        </p:nvSpPr>
+        <p:spPr>
+          <a:xfrm>
+            <a:off x="8621563" y="2638425"/>
+            <a:ext cx="390525" cy="2171701"/>
+          </a:xfrm>
+          <a:prstGeom prst="rect">
+            <a:avLst/>
+          </a:prstGeom>
+          <a:noFill/>
+        </p:spPr>
+        <p:style>
+          <a:lnRef idx="2">
+            <a:schemeClr val="accent1">
+              <a:shade val="50000"/>
+            </a:schemeClr>
+          </a:lnRef>
+          <a:fillRef idx="1">
+            <a:schemeClr val="accent1"/>
+          </a:fillRef>
+          <a:effectRef idx="0">
+            <a:schemeClr val="accent1"/>
+          </a:effectRef>
+          <a:fontRef idx="minor">
+            <a:schemeClr val="lt1"/>
+          </a:fontRef>
+        </p:style>
+        <p:txBody>
+          <a:bodyPr rtlCol="0" anchor="ctr"/>
+          <a:lstStyle/>
+          <a:p>
+            <a:pPr algn="ctr"/>
+            <a:r>
+              <a:rPr lang="zh-CN" altLang="en-US" dirty="0">
+                <a:solidFill>
+                  <a:schemeClr val="tx1"/>
+                </a:solidFill>
+              </a:rPr>
+              <a:t>题库管理</a:t>
+            </a:r>
+          </a:p>
+        </p:txBody>
+      </p:sp>
+      <p:sp>
+        <p:nvSpPr>
+          <p:cNvPr id="40" name="矩形 39">
+            <a:extLst>
+              <a:ext uri="{FF2B5EF4-FFF2-40B4-BE49-F238E27FC236}">
+                <a16:creationId xmlns:a16="http://schemas.microsoft.com/office/drawing/2014/main" id="{3602F235-80A7-7F53-8C71-3EB6F6692D31}"/>
+              </a:ext>
+            </a:extLst>
+          </p:cNvPr>
+          <p:cNvSpPr/>
+          <p:nvPr/>
+        </p:nvSpPr>
+        <p:spPr>
+          <a:xfrm>
+            <a:off x="9866718" y="2638425"/>
+            <a:ext cx="390525" cy="2171701"/>
+          </a:xfrm>
+          <a:prstGeom prst="rect">
+            <a:avLst/>
+          </a:prstGeom>
+          <a:noFill/>
+        </p:spPr>
+        <p:style>
+          <a:lnRef idx="2">
+            <a:schemeClr val="accent1">
+              <a:shade val="50000"/>
+            </a:schemeClr>
+          </a:lnRef>
+          <a:fillRef idx="1">
+            <a:schemeClr val="accent1"/>
+          </a:fillRef>
+          <a:effectRef idx="0">
+            <a:schemeClr val="accent1"/>
+          </a:effectRef>
+          <a:fontRef idx="minor">
+            <a:schemeClr val="lt1"/>
+          </a:fontRef>
+        </p:style>
+        <p:txBody>
+          <a:bodyPr rtlCol="0" anchor="ctr"/>
+          <a:lstStyle/>
+          <a:p>
+            <a:pPr algn="ctr"/>
+            <a:r>
+              <a:rPr lang="zh-CN" altLang="en-US" dirty="0">
+                <a:solidFill>
+                  <a:schemeClr val="tx1"/>
+                </a:solidFill>
+              </a:rPr>
+              <a:t>考试管理</a:t>
+            </a:r>
+          </a:p>
+        </p:txBody>
+      </p:sp>
+      <p:sp>
+        <p:nvSpPr>
+          <p:cNvPr id="41" name="矩形 40">
+            <a:extLst>
+              <a:ext uri="{FF2B5EF4-FFF2-40B4-BE49-F238E27FC236}">
+                <a16:creationId xmlns:a16="http://schemas.microsoft.com/office/drawing/2014/main" id="{494B11FC-B4AD-E736-A463-69825622436B}"/>
+              </a:ext>
+            </a:extLst>
+          </p:cNvPr>
+          <p:cNvSpPr/>
+          <p:nvPr/>
+        </p:nvSpPr>
+        <p:spPr>
+          <a:xfrm>
+            <a:off x="11205859" y="2619374"/>
+            <a:ext cx="390525" cy="2171701"/>
+          </a:xfrm>
+          <a:prstGeom prst="rect">
+            <a:avLst/>
+          </a:prstGeom>
+          <a:noFill/>
+        </p:spPr>
+        <p:style>
+          <a:lnRef idx="2">
+            <a:schemeClr val="accent1">
+              <a:shade val="50000"/>
+            </a:schemeClr>
+          </a:lnRef>
+          <a:fillRef idx="1">
+            <a:schemeClr val="accent1"/>
+          </a:fillRef>
+          <a:effectRef idx="0">
+            <a:schemeClr val="accent1"/>
+          </a:effectRef>
+          <a:fontRef idx="minor">
+            <a:schemeClr val="lt1"/>
+          </a:fontRef>
+        </p:style>
+        <p:txBody>
+          <a:bodyPr rtlCol="0" anchor="ctr"/>
+          <a:lstStyle/>
+          <a:p>
+            <a:pPr algn="ctr"/>
+            <a:r>
+              <a:rPr lang="zh-CN" altLang="en-US" dirty="0">
+                <a:solidFill>
+                  <a:schemeClr val="tx1"/>
+                </a:solidFill>
+              </a:rPr>
+              <a:t>试卷批阅</a:t>
+            </a:r>
+          </a:p>
+        </p:txBody>
+      </p:sp>
+      <p:cxnSp>
+        <p:nvCxnSpPr>
+          <p:cNvPr id="44" name="直接连接符 43">
+            <a:extLst>
+              <a:ext uri="{FF2B5EF4-FFF2-40B4-BE49-F238E27FC236}">
+                <a16:creationId xmlns:a16="http://schemas.microsoft.com/office/drawing/2014/main" id="{5D7D519F-F9C6-5377-D635-08FBDCEE785F}"/>
+              </a:ext>
+            </a:extLst>
+          </p:cNvPr>
+          <p:cNvCxnSpPr>
+            <a:cxnSpLocks/>
+            <a:stCxn id="23" idx="2"/>
+          </p:cNvCxnSpPr>
+          <p:nvPr/>
+        </p:nvCxnSpPr>
+        <p:spPr>
+          <a:xfrm flipH="1">
+            <a:off x="5781673" y="2266950"/>
+            <a:ext cx="2" cy="161925"/>
+          </a:xfrm>
+          <a:prstGeom prst="line">
+            <a:avLst/>
+          </a:prstGeom>
+        </p:spPr>
+        <p:style>
+          <a:lnRef idx="1">
+            <a:schemeClr val="dk1"/>
+          </a:lnRef>
+          <a:fillRef idx="0">
+            <a:schemeClr val="dk1"/>
+          </a:fillRef>
+          <a:effectRef idx="0">
+            <a:schemeClr val="dk1"/>
+          </a:effectRef>
+          <a:fontRef idx="minor">
+            <a:schemeClr val="tx1"/>
+          </a:fontRef>
+        </p:style>
+      </p:cxnSp>
+      <p:sp>
+        <p:nvSpPr>
+          <p:cNvPr id="54" name="矩形 53">
+            <a:extLst>
+              <a:ext uri="{FF2B5EF4-FFF2-40B4-BE49-F238E27FC236}">
+                <a16:creationId xmlns:a16="http://schemas.microsoft.com/office/drawing/2014/main" id="{B5733D0C-15AA-B0F0-8E0D-7BA6A28E2EF3}"/>
+              </a:ext>
+            </a:extLst>
+          </p:cNvPr>
+          <p:cNvSpPr/>
+          <p:nvPr/>
+        </p:nvSpPr>
+        <p:spPr>
+          <a:xfrm>
+            <a:off x="5062602" y="771526"/>
+            <a:ext cx="1452497" cy="381000"/>
+          </a:xfrm>
+          <a:prstGeom prst="rect">
+            <a:avLst/>
+          </a:prstGeom>
+          <a:noFill/>
+        </p:spPr>
+        <p:style>
+          <a:lnRef idx="2">
+            <a:schemeClr val="accent1">
+              <a:shade val="50000"/>
+            </a:schemeClr>
+          </a:lnRef>
+          <a:fillRef idx="1">
+            <a:schemeClr val="accent1"/>
+          </a:fillRef>
+          <a:effectRef idx="0">
+            <a:schemeClr val="accent1"/>
+          </a:effectRef>
+          <a:fontRef idx="minor">
+            <a:schemeClr val="lt1"/>
+          </a:fontRef>
+        </p:style>
+        <p:txBody>
+          <a:bodyPr rtlCol="0" anchor="ctr"/>
+          <a:lstStyle/>
+          <a:p>
+            <a:pPr algn="ctr"/>
+            <a:r>
+              <a:rPr lang="zh-CN" altLang="en-US" dirty="0">
+                <a:solidFill>
+                  <a:schemeClr val="tx1"/>
+                </a:solidFill>
+              </a:rPr>
+              <a:t>登录功能</a:t>
+            </a:r>
+          </a:p>
+        </p:txBody>
+      </p:sp>
+      <p:cxnSp>
+        <p:nvCxnSpPr>
+          <p:cNvPr id="58" name="直接连接符 57">
+            <a:extLst>
+              <a:ext uri="{FF2B5EF4-FFF2-40B4-BE49-F238E27FC236}">
+                <a16:creationId xmlns:a16="http://schemas.microsoft.com/office/drawing/2014/main" id="{75D6C4F6-6E14-591B-1762-4F3C1E6B2D8B}"/>
+              </a:ext>
+            </a:extLst>
+          </p:cNvPr>
+          <p:cNvCxnSpPr>
+            <a:stCxn id="54" idx="3"/>
+          </p:cNvCxnSpPr>
+          <p:nvPr/>
+        </p:nvCxnSpPr>
+        <p:spPr>
+          <a:xfrm>
+            <a:off x="6515099" y="962026"/>
+            <a:ext cx="233298" cy="0"/>
+          </a:xfrm>
+          <a:prstGeom prst="line">
+            <a:avLst/>
+          </a:prstGeom>
+        </p:spPr>
+        <p:style>
+          <a:lnRef idx="1">
+            <a:schemeClr val="dk1"/>
+          </a:lnRef>
+          <a:fillRef idx="0">
+            <a:schemeClr val="dk1"/>
+          </a:fillRef>
+          <a:effectRef idx="0">
+            <a:schemeClr val="dk1"/>
+          </a:effectRef>
+          <a:fontRef idx="minor">
+            <a:schemeClr val="tx1"/>
+          </a:fontRef>
+        </p:style>
+      </p:cxnSp>
+      <p:cxnSp>
+        <p:nvCxnSpPr>
+          <p:cNvPr id="60" name="直接连接符 59">
+            <a:extLst>
+              <a:ext uri="{FF2B5EF4-FFF2-40B4-BE49-F238E27FC236}">
+                <a16:creationId xmlns:a16="http://schemas.microsoft.com/office/drawing/2014/main" id="{707F3244-04E7-B22A-58AF-9A461F9481E6}"/>
+              </a:ext>
+            </a:extLst>
+          </p:cNvPr>
+          <p:cNvCxnSpPr/>
+          <p:nvPr/>
+        </p:nvCxnSpPr>
+        <p:spPr>
+          <a:xfrm>
+            <a:off x="6748397" y="771526"/>
+            <a:ext cx="0" cy="381000"/>
+          </a:xfrm>
+          <a:prstGeom prst="line">
+            <a:avLst/>
+          </a:prstGeom>
+        </p:spPr>
+        <p:style>
+          <a:lnRef idx="1">
+            <a:schemeClr val="dk1"/>
+          </a:lnRef>
+          <a:fillRef idx="0">
+            <a:schemeClr val="dk1"/>
+          </a:fillRef>
+          <a:effectRef idx="0">
+            <a:schemeClr val="dk1"/>
+          </a:effectRef>
+          <a:fontRef idx="minor">
+            <a:schemeClr val="tx1"/>
+          </a:fontRef>
+        </p:style>
+      </p:cxnSp>
+      <p:cxnSp>
+        <p:nvCxnSpPr>
+          <p:cNvPr id="62" name="直接连接符 61">
+            <a:extLst>
+              <a:ext uri="{FF2B5EF4-FFF2-40B4-BE49-F238E27FC236}">
+                <a16:creationId xmlns:a16="http://schemas.microsoft.com/office/drawing/2014/main" id="{72FDC9E2-95F4-0D7F-89FC-6A8ED5CA9725}"/>
+              </a:ext>
+            </a:extLst>
+          </p:cNvPr>
+          <p:cNvCxnSpPr/>
+          <p:nvPr/>
+        </p:nvCxnSpPr>
+        <p:spPr>
+          <a:xfrm>
+            <a:off x="6748397" y="771526"/>
+            <a:ext cx="272312" cy="0"/>
+          </a:xfrm>
+          <a:prstGeom prst="line">
+            <a:avLst/>
+          </a:prstGeom>
+        </p:spPr>
+        <p:style>
+          <a:lnRef idx="1">
+            <a:schemeClr val="dk1"/>
+          </a:lnRef>
+          <a:fillRef idx="0">
+            <a:schemeClr val="dk1"/>
+          </a:fillRef>
+          <a:effectRef idx="0">
+            <a:schemeClr val="dk1"/>
+          </a:effectRef>
+          <a:fontRef idx="minor">
+            <a:schemeClr val="tx1"/>
+          </a:fontRef>
+        </p:style>
+      </p:cxnSp>
+      <p:cxnSp>
+        <p:nvCxnSpPr>
+          <p:cNvPr id="63" name="直接连接符 62">
+            <a:extLst>
+              <a:ext uri="{FF2B5EF4-FFF2-40B4-BE49-F238E27FC236}">
+                <a16:creationId xmlns:a16="http://schemas.microsoft.com/office/drawing/2014/main" id="{48E064CF-073A-C87B-E3E0-6A9FD8519217}"/>
+              </a:ext>
+            </a:extLst>
+          </p:cNvPr>
+          <p:cNvCxnSpPr>
+            <a:cxnSpLocks/>
+          </p:cNvCxnSpPr>
+          <p:nvPr/>
+        </p:nvCxnSpPr>
+        <p:spPr>
+          <a:xfrm>
+            <a:off x="6748397" y="1152526"/>
+            <a:ext cx="272312" cy="0"/>
+          </a:xfrm>
+          <a:prstGeom prst="line">
+            <a:avLst/>
+          </a:prstGeom>
+        </p:spPr>
+        <p:style>
+          <a:lnRef idx="1">
+            <a:schemeClr val="dk1"/>
+          </a:lnRef>
+          <a:fillRef idx="0">
+            <a:schemeClr val="dk1"/>
+          </a:fillRef>
+          <a:effectRef idx="0">
+            <a:schemeClr val="dk1"/>
+          </a:effectRef>
+          <a:fontRef idx="minor">
+            <a:schemeClr val="tx1"/>
+          </a:fontRef>
+        </p:style>
+      </p:cxnSp>
+      <p:sp>
+        <p:nvSpPr>
+          <p:cNvPr id="65" name="矩形 64">
+            <a:extLst>
+              <a:ext uri="{FF2B5EF4-FFF2-40B4-BE49-F238E27FC236}">
+                <a16:creationId xmlns:a16="http://schemas.microsoft.com/office/drawing/2014/main" id="{D2C11738-8730-3275-D45B-CA4DB34588A2}"/>
+              </a:ext>
+            </a:extLst>
+          </p:cNvPr>
+          <p:cNvSpPr/>
+          <p:nvPr/>
+        </p:nvSpPr>
+        <p:spPr>
+          <a:xfrm>
+            <a:off x="7037931" y="647704"/>
+            <a:ext cx="1982241" cy="219073"/>
+          </a:xfrm>
+          <a:prstGeom prst="rect">
+            <a:avLst/>
+          </a:prstGeom>
+          <a:noFill/>
+        </p:spPr>
+        <p:style>
+          <a:lnRef idx="2">
+            <a:schemeClr val="accent1">
+              <a:shade val="50000"/>
+            </a:schemeClr>
+          </a:lnRef>
+          <a:fillRef idx="1">
+            <a:schemeClr val="accent1"/>
+          </a:fillRef>
+          <a:effectRef idx="0">
+            <a:schemeClr val="accent1"/>
+          </a:effectRef>
+          <a:fontRef idx="minor">
+            <a:schemeClr val="lt1"/>
+          </a:fontRef>
+        </p:style>
+        <p:txBody>
+          <a:bodyPr rtlCol="0" anchor="ctr"/>
+          <a:lstStyle/>
+          <a:p>
+            <a:pPr algn="ctr"/>
+            <a:r>
+              <a:rPr lang="zh-CN" altLang="en-US" sz="1400" dirty="0">
+                <a:solidFill>
+                  <a:schemeClr val="tx1"/>
+                </a:solidFill>
+              </a:rPr>
+              <a:t>用户名密码登录</a:t>
+            </a:r>
+          </a:p>
+        </p:txBody>
+      </p:sp>
+      <p:sp>
+        <p:nvSpPr>
+          <p:cNvPr id="66" name="矩形 65">
+            <a:extLst>
+              <a:ext uri="{FF2B5EF4-FFF2-40B4-BE49-F238E27FC236}">
+                <a16:creationId xmlns:a16="http://schemas.microsoft.com/office/drawing/2014/main" id="{71B460FC-DA26-6591-75A1-331950EE3191}"/>
+              </a:ext>
+            </a:extLst>
+          </p:cNvPr>
+          <p:cNvSpPr/>
+          <p:nvPr/>
+        </p:nvSpPr>
+        <p:spPr>
+          <a:xfrm>
+            <a:off x="7037931" y="1066802"/>
+            <a:ext cx="1967886" cy="190500"/>
+          </a:xfrm>
+          <a:prstGeom prst="rect">
+            <a:avLst/>
+          </a:prstGeom>
+          <a:noFill/>
+        </p:spPr>
+        <p:style>
+          <a:lnRef idx="2">
+            <a:schemeClr val="accent1">
+              <a:shade val="50000"/>
+            </a:schemeClr>
+          </a:lnRef>
+          <a:fillRef idx="1">
+            <a:schemeClr val="accent1"/>
+          </a:fillRef>
+          <a:effectRef idx="0">
+            <a:schemeClr val="accent1"/>
+          </a:effectRef>
+          <a:fontRef idx="minor">
+            <a:schemeClr val="lt1"/>
+          </a:fontRef>
+        </p:style>
+        <p:txBody>
+          <a:bodyPr rtlCol="0" anchor="ctr"/>
+          <a:lstStyle/>
+          <a:p>
+            <a:pPr algn="ctr"/>
+            <a:r>
+              <a:rPr lang="zh-CN" altLang="en-US" sz="1400" dirty="0">
+                <a:solidFill>
+                  <a:schemeClr val="tx1"/>
+                </a:solidFill>
+              </a:rPr>
+              <a:t>邮箱验证码登录</a:t>
+            </a:r>
+          </a:p>
+        </p:txBody>
+      </p:sp>
+      <p:cxnSp>
+        <p:nvCxnSpPr>
+          <p:cNvPr id="68" name="直接连接符 67">
+            <a:extLst>
+              <a:ext uri="{FF2B5EF4-FFF2-40B4-BE49-F238E27FC236}">
+                <a16:creationId xmlns:a16="http://schemas.microsoft.com/office/drawing/2014/main" id="{3624E714-4BD3-D121-D9BC-7FF72372495C}"/>
+              </a:ext>
+            </a:extLst>
+          </p:cNvPr>
+          <p:cNvCxnSpPr>
+            <a:cxnSpLocks/>
+          </p:cNvCxnSpPr>
+          <p:nvPr/>
+        </p:nvCxnSpPr>
+        <p:spPr>
+          <a:xfrm flipH="1">
+            <a:off x="5800723" y="1152526"/>
+            <a:ext cx="7178" cy="276224"/>
+          </a:xfrm>
+          <a:prstGeom prst="line">
+            <a:avLst/>
+          </a:prstGeom>
+        </p:spPr>
+        <p:style>
+          <a:lnRef idx="1">
+            <a:schemeClr val="dk1"/>
+          </a:lnRef>
+          <a:fillRef idx="0">
+            <a:schemeClr val="dk1"/>
+          </a:fillRef>
+          <a:effectRef idx="0">
+            <a:schemeClr val="dk1"/>
+          </a:effectRef>
+          <a:fontRef idx="minor">
+            <a:schemeClr val="tx1"/>
+          </a:fontRef>
+        </p:style>
+      </p:cxnSp>
+      <p:cxnSp>
+        <p:nvCxnSpPr>
+          <p:cNvPr id="72" name="直接连接符 71">
+            <a:extLst>
+              <a:ext uri="{FF2B5EF4-FFF2-40B4-BE49-F238E27FC236}">
+                <a16:creationId xmlns:a16="http://schemas.microsoft.com/office/drawing/2014/main" id="{C970A8BB-313C-3CE8-158A-56792E3E0782}"/>
+              </a:ext>
+            </a:extLst>
+          </p:cNvPr>
+          <p:cNvCxnSpPr>
+            <a:cxnSpLocks/>
+          </p:cNvCxnSpPr>
+          <p:nvPr/>
+        </p:nvCxnSpPr>
+        <p:spPr>
+          <a:xfrm flipH="1">
+            <a:off x="1533523" y="2266950"/>
+            <a:ext cx="2" cy="161925"/>
+          </a:xfrm>
+          <a:prstGeom prst="line">
+            <a:avLst/>
+          </a:prstGeom>
+        </p:spPr>
+        <p:style>
+          <a:lnRef idx="1">
+            <a:schemeClr val="dk1"/>
+          </a:lnRef>
+          <a:fillRef idx="0">
+            <a:schemeClr val="dk1"/>
+          </a:fillRef>
+          <a:effectRef idx="0">
+            <a:schemeClr val="dk1"/>
+          </a:effectRef>
+          <a:fontRef idx="minor">
+            <a:schemeClr val="tx1"/>
+          </a:fontRef>
+        </p:style>
+      </p:cxnSp>
+      <p:cxnSp>
+        <p:nvCxnSpPr>
+          <p:cNvPr id="76" name="直接连接符 75">
+            <a:extLst>
+              <a:ext uri="{FF2B5EF4-FFF2-40B4-BE49-F238E27FC236}">
+                <a16:creationId xmlns:a16="http://schemas.microsoft.com/office/drawing/2014/main" id="{FB6E44CF-E625-354A-F5C5-7DFC55A68149}"/>
+              </a:ext>
+            </a:extLst>
+          </p:cNvPr>
+          <p:cNvCxnSpPr/>
+          <p:nvPr/>
+        </p:nvCxnSpPr>
+        <p:spPr>
+          <a:xfrm>
+            <a:off x="690562" y="2428875"/>
+            <a:ext cx="1546308" cy="0"/>
+          </a:xfrm>
+          <a:prstGeom prst="line">
+            <a:avLst/>
+          </a:prstGeom>
+        </p:spPr>
+        <p:style>
+          <a:lnRef idx="1">
+            <a:schemeClr val="dk1"/>
+          </a:lnRef>
+          <a:fillRef idx="0">
+            <a:schemeClr val="dk1"/>
+          </a:fillRef>
+          <a:effectRef idx="0">
+            <a:schemeClr val="dk1"/>
+          </a:effectRef>
+          <a:fontRef idx="minor">
+            <a:schemeClr val="tx1"/>
+          </a:fontRef>
+        </p:style>
+      </p:cxnSp>
+      <p:cxnSp>
+        <p:nvCxnSpPr>
+          <p:cNvPr id="77" name="直接连接符 76">
+            <a:extLst>
+              <a:ext uri="{FF2B5EF4-FFF2-40B4-BE49-F238E27FC236}">
+                <a16:creationId xmlns:a16="http://schemas.microsoft.com/office/drawing/2014/main" id="{610A5270-F4B3-EFEA-6011-4A2638FC74B7}"/>
+              </a:ext>
+            </a:extLst>
+          </p:cNvPr>
+          <p:cNvCxnSpPr>
+            <a:cxnSpLocks/>
+          </p:cNvCxnSpPr>
+          <p:nvPr/>
+        </p:nvCxnSpPr>
+        <p:spPr>
+          <a:xfrm flipH="1">
+            <a:off x="690562" y="2433637"/>
+            <a:ext cx="2" cy="161925"/>
+          </a:xfrm>
+          <a:prstGeom prst="line">
+            <a:avLst/>
+          </a:prstGeom>
+        </p:spPr>
+        <p:style>
+          <a:lnRef idx="1">
+            <a:schemeClr val="dk1"/>
+          </a:lnRef>
+          <a:fillRef idx="0">
+            <a:schemeClr val="dk1"/>
+          </a:fillRef>
+          <a:effectRef idx="0">
+            <a:schemeClr val="dk1"/>
+          </a:effectRef>
+          <a:fontRef idx="minor">
+            <a:schemeClr val="tx1"/>
+          </a:fontRef>
+        </p:style>
+      </p:cxnSp>
+      <p:cxnSp>
+        <p:nvCxnSpPr>
+          <p:cNvPr id="78" name="直接连接符 77">
+            <a:extLst>
+              <a:ext uri="{FF2B5EF4-FFF2-40B4-BE49-F238E27FC236}">
+                <a16:creationId xmlns:a16="http://schemas.microsoft.com/office/drawing/2014/main" id="{24331778-A05D-989A-F2F8-C9D092EDBF5F}"/>
+              </a:ext>
+            </a:extLst>
+          </p:cNvPr>
+          <p:cNvCxnSpPr>
+            <a:cxnSpLocks/>
+          </p:cNvCxnSpPr>
+          <p:nvPr/>
+        </p:nvCxnSpPr>
+        <p:spPr>
+          <a:xfrm flipH="1">
+            <a:off x="1534240" y="2433638"/>
+            <a:ext cx="2" cy="161925"/>
+          </a:xfrm>
+          <a:prstGeom prst="line">
+            <a:avLst/>
+          </a:prstGeom>
+        </p:spPr>
+        <p:style>
+          <a:lnRef idx="1">
+            <a:schemeClr val="dk1"/>
+          </a:lnRef>
+          <a:fillRef idx="0">
+            <a:schemeClr val="dk1"/>
+          </a:fillRef>
+          <a:effectRef idx="0">
+            <a:schemeClr val="dk1"/>
+          </a:effectRef>
+          <a:fontRef idx="minor">
+            <a:schemeClr val="tx1"/>
+          </a:fontRef>
+        </p:style>
+      </p:cxnSp>
+      <p:cxnSp>
+        <p:nvCxnSpPr>
+          <p:cNvPr id="79" name="直接连接符 78">
+            <a:extLst>
+              <a:ext uri="{FF2B5EF4-FFF2-40B4-BE49-F238E27FC236}">
+                <a16:creationId xmlns:a16="http://schemas.microsoft.com/office/drawing/2014/main" id="{FCD6706F-B335-9ECE-B1CB-FA43551331F7}"/>
+              </a:ext>
+            </a:extLst>
+          </p:cNvPr>
+          <p:cNvCxnSpPr>
+            <a:cxnSpLocks/>
+          </p:cNvCxnSpPr>
+          <p:nvPr/>
+        </p:nvCxnSpPr>
+        <p:spPr>
+          <a:xfrm flipH="1">
+            <a:off x="2234062" y="2433637"/>
+            <a:ext cx="2" cy="161925"/>
+          </a:xfrm>
+          <a:prstGeom prst="line">
+            <a:avLst/>
+          </a:prstGeom>
+        </p:spPr>
+        <p:style>
+          <a:lnRef idx="1">
+            <a:schemeClr val="dk1"/>
+          </a:lnRef>
+          <a:fillRef idx="0">
+            <a:schemeClr val="dk1"/>
+          </a:fillRef>
+          <a:effectRef idx="0">
+            <a:schemeClr val="dk1"/>
+          </a:effectRef>
+          <a:fontRef idx="minor">
+            <a:schemeClr val="tx1"/>
+          </a:fontRef>
+        </p:style>
+      </p:cxnSp>
+      <p:cxnSp>
+        <p:nvCxnSpPr>
+          <p:cNvPr id="81" name="直接连接符 80">
+            <a:extLst>
+              <a:ext uri="{FF2B5EF4-FFF2-40B4-BE49-F238E27FC236}">
+                <a16:creationId xmlns:a16="http://schemas.microsoft.com/office/drawing/2014/main" id="{C2E5E1CC-49D4-6ADF-5626-FEE279926B32}"/>
+              </a:ext>
+            </a:extLst>
+          </p:cNvPr>
+          <p:cNvCxnSpPr>
+            <a:stCxn id="30" idx="2"/>
+          </p:cNvCxnSpPr>
+          <p:nvPr/>
+        </p:nvCxnSpPr>
+        <p:spPr>
+          <a:xfrm flipH="1">
+            <a:off x="690561" y="4781551"/>
+            <a:ext cx="1" cy="228599"/>
+          </a:xfrm>
+          <a:prstGeom prst="line">
+            <a:avLst/>
+          </a:prstGeom>
+        </p:spPr>
+        <p:style>
+          <a:lnRef idx="1">
+            <a:schemeClr val="dk1"/>
+          </a:lnRef>
+          <a:fillRef idx="0">
+            <a:schemeClr val="dk1"/>
+          </a:fillRef>
+          <a:effectRef idx="0">
+            <a:schemeClr val="dk1"/>
+          </a:effectRef>
+          <a:fontRef idx="minor">
+            <a:schemeClr val="tx1"/>
+          </a:fontRef>
+        </p:style>
+      </p:cxnSp>
+      <p:cxnSp>
+        <p:nvCxnSpPr>
+          <p:cNvPr id="85" name="直接连接符 84">
+            <a:extLst>
+              <a:ext uri="{FF2B5EF4-FFF2-40B4-BE49-F238E27FC236}">
+                <a16:creationId xmlns:a16="http://schemas.microsoft.com/office/drawing/2014/main" id="{6C557BA1-6E76-8404-AF8F-5D87C67410D0}"/>
+              </a:ext>
+            </a:extLst>
+          </p:cNvPr>
+          <p:cNvCxnSpPr/>
+          <p:nvPr/>
+        </p:nvCxnSpPr>
+        <p:spPr>
+          <a:xfrm>
+            <a:off x="495299" y="5010150"/>
+            <a:ext cx="390525" cy="0"/>
+          </a:xfrm>
+          <a:prstGeom prst="line">
+            <a:avLst/>
+          </a:prstGeom>
+        </p:spPr>
+        <p:style>
+          <a:lnRef idx="1">
+            <a:schemeClr val="dk1"/>
+          </a:lnRef>
+          <a:fillRef idx="0">
+            <a:schemeClr val="dk1"/>
+          </a:fillRef>
+          <a:effectRef idx="0">
+            <a:schemeClr val="dk1"/>
+          </a:effectRef>
+          <a:fontRef idx="minor">
+            <a:schemeClr val="tx1"/>
+          </a:fontRef>
+        </p:style>
+      </p:cxnSp>
+      <p:cxnSp>
+        <p:nvCxnSpPr>
+          <p:cNvPr id="87" name="直接连接符 86">
+            <a:extLst>
+              <a:ext uri="{FF2B5EF4-FFF2-40B4-BE49-F238E27FC236}">
+                <a16:creationId xmlns:a16="http://schemas.microsoft.com/office/drawing/2014/main" id="{1DB54E94-326E-2304-5578-9D23BCF1A556}"/>
+              </a:ext>
+            </a:extLst>
+          </p:cNvPr>
+          <p:cNvCxnSpPr/>
+          <p:nvPr/>
+        </p:nvCxnSpPr>
+        <p:spPr>
+          <a:xfrm>
+            <a:off x="495299" y="5010150"/>
+            <a:ext cx="0" cy="161926"/>
+          </a:xfrm>
+          <a:prstGeom prst="line">
+            <a:avLst/>
+          </a:prstGeom>
+        </p:spPr>
+        <p:style>
+          <a:lnRef idx="1">
+            <a:schemeClr val="dk1"/>
+          </a:lnRef>
+          <a:fillRef idx="0">
+            <a:schemeClr val="dk1"/>
+          </a:fillRef>
+          <a:effectRef idx="0">
+            <a:schemeClr val="dk1"/>
+          </a:effectRef>
+          <a:fontRef idx="minor">
+            <a:schemeClr val="tx1"/>
+          </a:fontRef>
+        </p:style>
+      </p:cxnSp>
+      <p:cxnSp>
+        <p:nvCxnSpPr>
+          <p:cNvPr id="88" name="直接连接符 87">
+            <a:extLst>
+              <a:ext uri="{FF2B5EF4-FFF2-40B4-BE49-F238E27FC236}">
+                <a16:creationId xmlns:a16="http://schemas.microsoft.com/office/drawing/2014/main" id="{8EE136D0-6FBE-09B7-6E94-72EA75F33DF9}"/>
+              </a:ext>
+            </a:extLst>
+          </p:cNvPr>
+          <p:cNvCxnSpPr/>
+          <p:nvPr/>
+        </p:nvCxnSpPr>
+        <p:spPr>
+          <a:xfrm>
+            <a:off x="885824" y="5010150"/>
+            <a:ext cx="0" cy="161926"/>
+          </a:xfrm>
+          <a:prstGeom prst="line">
+            <a:avLst/>
+          </a:prstGeom>
+        </p:spPr>
+        <p:style>
+          <a:lnRef idx="1">
+            <a:schemeClr val="dk1"/>
+          </a:lnRef>
+          <a:fillRef idx="0">
+            <a:schemeClr val="dk1"/>
+          </a:fillRef>
+          <a:effectRef idx="0">
+            <a:schemeClr val="dk1"/>
+          </a:effectRef>
+          <a:fontRef idx="minor">
+            <a:schemeClr val="tx1"/>
+          </a:fontRef>
+        </p:style>
+      </p:cxnSp>
+      <p:sp>
+        <p:nvSpPr>
+          <p:cNvPr id="89" name="矩形 88">
+            <a:extLst>
+              <a:ext uri="{FF2B5EF4-FFF2-40B4-BE49-F238E27FC236}">
+                <a16:creationId xmlns:a16="http://schemas.microsoft.com/office/drawing/2014/main" id="{BBC16AF4-AD52-3F59-BB14-E212A63D6E84}"/>
+              </a:ext>
+            </a:extLst>
+          </p:cNvPr>
+          <p:cNvSpPr/>
+          <p:nvPr/>
+        </p:nvSpPr>
+        <p:spPr>
+          <a:xfrm>
+            <a:off x="371475" y="5172076"/>
+            <a:ext cx="297558" cy="1238247"/>
+          </a:xfrm>
+          <a:prstGeom prst="rect">
+            <a:avLst/>
+          </a:prstGeom>
+          <a:noFill/>
+        </p:spPr>
+        <p:style>
+          <a:lnRef idx="2">
+            <a:schemeClr val="accent1">
+              <a:shade val="50000"/>
+            </a:schemeClr>
+          </a:lnRef>
+          <a:fillRef idx="1">
+            <a:schemeClr val="accent1"/>
+          </a:fillRef>
+          <a:effectRef idx="0">
+            <a:schemeClr val="accent1"/>
+          </a:effectRef>
+          <a:fontRef idx="minor">
+            <a:schemeClr val="lt1"/>
+          </a:fontRef>
+        </p:style>
+        <p:txBody>
+          <a:bodyPr rtlCol="0" anchor="ctr"/>
+          <a:lstStyle/>
+          <a:p>
+            <a:pPr algn="ctr"/>
+            <a:r>
+              <a:rPr lang="zh-CN" altLang="en-US" sz="1200" dirty="0">
+                <a:solidFill>
+                  <a:schemeClr val="tx1"/>
+                </a:solidFill>
+              </a:rPr>
+              <a:t>进入界面通知</a:t>
+            </a:r>
+          </a:p>
+        </p:txBody>
+      </p:sp>
+      <p:sp>
+        <p:nvSpPr>
+          <p:cNvPr id="90" name="矩形 89">
+            <a:extLst>
+              <a:ext uri="{FF2B5EF4-FFF2-40B4-BE49-F238E27FC236}">
+                <a16:creationId xmlns:a16="http://schemas.microsoft.com/office/drawing/2014/main" id="{65527C4C-5317-F9D9-4032-073CFE240F80}"/>
+              </a:ext>
+            </a:extLst>
+          </p:cNvPr>
+          <p:cNvSpPr/>
+          <p:nvPr/>
+        </p:nvSpPr>
+        <p:spPr>
+          <a:xfrm>
+            <a:off x="3870899" y="5100638"/>
+            <a:ext cx="297558" cy="1238247"/>
+          </a:xfrm>
+          <a:prstGeom prst="rect">
+            <a:avLst/>
+          </a:prstGeom>
+          <a:noFill/>
+        </p:spPr>
+        <p:style>
+          <a:lnRef idx="2">
+            <a:schemeClr val="accent1">
+              <a:shade val="50000"/>
+            </a:schemeClr>
+          </a:lnRef>
+          <a:fillRef idx="1">
+            <a:schemeClr val="accent1"/>
+          </a:fillRef>
+          <a:effectRef idx="0">
+            <a:schemeClr val="accent1"/>
+          </a:effectRef>
+          <a:fontRef idx="minor">
+            <a:schemeClr val="lt1"/>
+          </a:fontRef>
+        </p:style>
+        <p:txBody>
+          <a:bodyPr rtlCol="0" anchor="ctr"/>
+          <a:lstStyle/>
+          <a:p>
+            <a:pPr algn="ctr"/>
+            <a:r>
+              <a:rPr lang="zh-CN" altLang="en-US" sz="1200" dirty="0">
+                <a:solidFill>
+                  <a:schemeClr val="tx1"/>
+                </a:solidFill>
+              </a:rPr>
+              <a:t>修改用户组织</a:t>
+            </a:r>
+          </a:p>
+        </p:txBody>
+      </p:sp>
+      <p:cxnSp>
+        <p:nvCxnSpPr>
+          <p:cNvPr id="92" name="直接连接符 91">
+            <a:extLst>
+              <a:ext uri="{FF2B5EF4-FFF2-40B4-BE49-F238E27FC236}">
+                <a16:creationId xmlns:a16="http://schemas.microsoft.com/office/drawing/2014/main" id="{00436EE7-E1FF-72E7-3B33-BA6CDFFBBA25}"/>
+              </a:ext>
+            </a:extLst>
+          </p:cNvPr>
+          <p:cNvCxnSpPr>
+            <a:cxnSpLocks/>
+          </p:cNvCxnSpPr>
+          <p:nvPr/>
+        </p:nvCxnSpPr>
+        <p:spPr>
+          <a:xfrm>
+            <a:off x="4352925" y="2428875"/>
+            <a:ext cx="2867025" cy="0"/>
+          </a:xfrm>
+          <a:prstGeom prst="line">
+            <a:avLst/>
+          </a:prstGeom>
+        </p:spPr>
+        <p:style>
+          <a:lnRef idx="1">
+            <a:schemeClr val="dk1"/>
+          </a:lnRef>
+          <a:fillRef idx="0">
+            <a:schemeClr val="dk1"/>
+          </a:fillRef>
+          <a:effectRef idx="0">
+            <a:schemeClr val="dk1"/>
+          </a:effectRef>
+          <a:fontRef idx="minor">
+            <a:schemeClr val="tx1"/>
+          </a:fontRef>
+        </p:style>
+      </p:cxnSp>
+      <p:cxnSp>
+        <p:nvCxnSpPr>
+          <p:cNvPr id="98" name="直接连接符 97">
+            <a:extLst>
+              <a:ext uri="{FF2B5EF4-FFF2-40B4-BE49-F238E27FC236}">
+                <a16:creationId xmlns:a16="http://schemas.microsoft.com/office/drawing/2014/main" id="{EBFF0488-9099-97BD-AA27-DE9AE2123BD2}"/>
+              </a:ext>
+            </a:extLst>
+          </p:cNvPr>
+          <p:cNvCxnSpPr>
+            <a:cxnSpLocks/>
+          </p:cNvCxnSpPr>
+          <p:nvPr/>
+        </p:nvCxnSpPr>
+        <p:spPr>
+          <a:xfrm flipH="1">
+            <a:off x="4352925" y="2438400"/>
+            <a:ext cx="2" cy="161925"/>
+          </a:xfrm>
+          <a:prstGeom prst="line">
+            <a:avLst/>
+          </a:prstGeom>
+        </p:spPr>
+        <p:style>
+          <a:lnRef idx="1">
+            <a:schemeClr val="dk1"/>
+          </a:lnRef>
+          <a:fillRef idx="0">
+            <a:schemeClr val="dk1"/>
+          </a:fillRef>
+          <a:effectRef idx="0">
+            <a:schemeClr val="dk1"/>
+          </a:effectRef>
+          <a:fontRef idx="minor">
+            <a:schemeClr val="tx1"/>
+          </a:fontRef>
+        </p:style>
+      </p:cxnSp>
+      <p:cxnSp>
+        <p:nvCxnSpPr>
+          <p:cNvPr id="99" name="直接连接符 98">
+            <a:extLst>
+              <a:ext uri="{FF2B5EF4-FFF2-40B4-BE49-F238E27FC236}">
+                <a16:creationId xmlns:a16="http://schemas.microsoft.com/office/drawing/2014/main" id="{4D704814-1887-2521-2432-AF971A2EEF29}"/>
+              </a:ext>
+            </a:extLst>
+          </p:cNvPr>
+          <p:cNvCxnSpPr>
+            <a:cxnSpLocks/>
+          </p:cNvCxnSpPr>
+          <p:nvPr/>
+        </p:nvCxnSpPr>
+        <p:spPr>
+          <a:xfrm flipH="1">
+            <a:off x="5107809" y="2438400"/>
+            <a:ext cx="2" cy="161925"/>
+          </a:xfrm>
+          <a:prstGeom prst="line">
+            <a:avLst/>
+          </a:prstGeom>
+        </p:spPr>
+        <p:style>
+          <a:lnRef idx="1">
+            <a:schemeClr val="dk1"/>
+          </a:lnRef>
+          <a:fillRef idx="0">
+            <a:schemeClr val="dk1"/>
+          </a:fillRef>
+          <a:effectRef idx="0">
+            <a:schemeClr val="dk1"/>
+          </a:effectRef>
+          <a:fontRef idx="minor">
+            <a:schemeClr val="tx1"/>
+          </a:fontRef>
+        </p:style>
+      </p:cxnSp>
+      <p:cxnSp>
+        <p:nvCxnSpPr>
+          <p:cNvPr id="100" name="直接连接符 99">
+            <a:extLst>
+              <a:ext uri="{FF2B5EF4-FFF2-40B4-BE49-F238E27FC236}">
+                <a16:creationId xmlns:a16="http://schemas.microsoft.com/office/drawing/2014/main" id="{FADEDA30-363B-FD7A-A7A2-C0767B424F2E}"/>
+              </a:ext>
+            </a:extLst>
+          </p:cNvPr>
+          <p:cNvCxnSpPr>
+            <a:cxnSpLocks/>
+          </p:cNvCxnSpPr>
+          <p:nvPr/>
+        </p:nvCxnSpPr>
+        <p:spPr>
+          <a:xfrm flipH="1">
+            <a:off x="5834056" y="2438400"/>
+            <a:ext cx="2" cy="161925"/>
+          </a:xfrm>
+          <a:prstGeom prst="line">
+            <a:avLst/>
+          </a:prstGeom>
+        </p:spPr>
+        <p:style>
+          <a:lnRef idx="1">
+            <a:schemeClr val="dk1"/>
+          </a:lnRef>
+          <a:fillRef idx="0">
+            <a:schemeClr val="dk1"/>
+          </a:fillRef>
+          <a:effectRef idx="0">
+            <a:schemeClr val="dk1"/>
+          </a:effectRef>
+          <a:fontRef idx="minor">
+            <a:schemeClr val="tx1"/>
+          </a:fontRef>
+        </p:style>
+      </p:cxnSp>
+      <p:cxnSp>
+        <p:nvCxnSpPr>
+          <p:cNvPr id="101" name="直接连接符 100">
+            <a:extLst>
+              <a:ext uri="{FF2B5EF4-FFF2-40B4-BE49-F238E27FC236}">
+                <a16:creationId xmlns:a16="http://schemas.microsoft.com/office/drawing/2014/main" id="{26C67617-C75F-A9C6-2424-D7EFC4FD7F98}"/>
+              </a:ext>
+            </a:extLst>
+          </p:cNvPr>
+          <p:cNvCxnSpPr>
+            <a:cxnSpLocks/>
+          </p:cNvCxnSpPr>
+          <p:nvPr/>
+        </p:nvCxnSpPr>
+        <p:spPr>
+          <a:xfrm flipH="1">
+            <a:off x="6558312" y="2438400"/>
+            <a:ext cx="2" cy="161925"/>
+          </a:xfrm>
+          <a:prstGeom prst="line">
+            <a:avLst/>
+          </a:prstGeom>
+        </p:spPr>
+        <p:style>
+          <a:lnRef idx="1">
+            <a:schemeClr val="dk1"/>
+          </a:lnRef>
+          <a:fillRef idx="0">
+            <a:schemeClr val="dk1"/>
+          </a:fillRef>
+          <a:effectRef idx="0">
+            <a:schemeClr val="dk1"/>
+          </a:effectRef>
+          <a:fontRef idx="minor">
+            <a:schemeClr val="tx1"/>
+          </a:fontRef>
+        </p:style>
+      </p:cxnSp>
+      <p:cxnSp>
+        <p:nvCxnSpPr>
+          <p:cNvPr id="102" name="直接连接符 101">
+            <a:extLst>
+              <a:ext uri="{FF2B5EF4-FFF2-40B4-BE49-F238E27FC236}">
+                <a16:creationId xmlns:a16="http://schemas.microsoft.com/office/drawing/2014/main" id="{5AE818C3-19F3-6BB8-090F-AB25F287E53D}"/>
+              </a:ext>
+            </a:extLst>
+          </p:cNvPr>
+          <p:cNvCxnSpPr>
+            <a:cxnSpLocks/>
+          </p:cNvCxnSpPr>
+          <p:nvPr/>
+        </p:nvCxnSpPr>
+        <p:spPr>
+          <a:xfrm flipH="1">
+            <a:off x="7219948" y="2438400"/>
+            <a:ext cx="2" cy="161925"/>
+          </a:xfrm>
+          <a:prstGeom prst="line">
+            <a:avLst/>
+          </a:prstGeom>
+        </p:spPr>
+        <p:style>
+          <a:lnRef idx="1">
+            <a:schemeClr val="dk1"/>
+          </a:lnRef>
+          <a:fillRef idx="0">
+            <a:schemeClr val="dk1"/>
+          </a:fillRef>
+          <a:effectRef idx="0">
+            <a:schemeClr val="dk1"/>
+          </a:effectRef>
+          <a:fontRef idx="minor">
+            <a:schemeClr val="tx1"/>
+          </a:fontRef>
+        </p:style>
+      </p:cxnSp>
+      <p:cxnSp>
+        <p:nvCxnSpPr>
+          <p:cNvPr id="105" name="直接连接符 104">
+            <a:extLst>
+              <a:ext uri="{FF2B5EF4-FFF2-40B4-BE49-F238E27FC236}">
+                <a16:creationId xmlns:a16="http://schemas.microsoft.com/office/drawing/2014/main" id="{E9F55364-3364-9A44-D6B6-83A4195D278B}"/>
+              </a:ext>
+            </a:extLst>
+          </p:cNvPr>
+          <p:cNvCxnSpPr>
+            <a:cxnSpLocks/>
+          </p:cNvCxnSpPr>
+          <p:nvPr/>
+        </p:nvCxnSpPr>
+        <p:spPr>
+          <a:xfrm flipH="1">
+            <a:off x="4383910" y="4781551"/>
+            <a:ext cx="2" cy="161925"/>
+          </a:xfrm>
+          <a:prstGeom prst="line">
+            <a:avLst/>
+          </a:prstGeom>
+        </p:spPr>
+        <p:style>
+          <a:lnRef idx="1">
+            <a:schemeClr val="dk1"/>
+          </a:lnRef>
+          <a:fillRef idx="0">
+            <a:schemeClr val="dk1"/>
+          </a:fillRef>
+          <a:effectRef idx="0">
+            <a:schemeClr val="dk1"/>
+          </a:effectRef>
+          <a:fontRef idx="minor">
+            <a:schemeClr val="tx1"/>
+          </a:fontRef>
+        </p:style>
+      </p:cxnSp>
+      <p:cxnSp>
+        <p:nvCxnSpPr>
+          <p:cNvPr id="106" name="直接连接符 105">
+            <a:extLst>
+              <a:ext uri="{FF2B5EF4-FFF2-40B4-BE49-F238E27FC236}">
+                <a16:creationId xmlns:a16="http://schemas.microsoft.com/office/drawing/2014/main" id="{C3D8D78D-A763-52E3-58FD-FABF3EE2D11B}"/>
+              </a:ext>
+            </a:extLst>
+          </p:cNvPr>
+          <p:cNvCxnSpPr>
+            <a:cxnSpLocks/>
+          </p:cNvCxnSpPr>
+          <p:nvPr/>
+        </p:nvCxnSpPr>
+        <p:spPr>
+          <a:xfrm>
+            <a:off x="3990780" y="4943476"/>
+            <a:ext cx="585917" cy="0"/>
+          </a:xfrm>
+          <a:prstGeom prst="line">
+            <a:avLst/>
+          </a:prstGeom>
+        </p:spPr>
+        <p:style>
+          <a:lnRef idx="1">
+            <a:schemeClr val="dk1"/>
+          </a:lnRef>
+          <a:fillRef idx="0">
+            <a:schemeClr val="dk1"/>
+          </a:fillRef>
+          <a:effectRef idx="0">
+            <a:schemeClr val="dk1"/>
+          </a:effectRef>
+          <a:fontRef idx="minor">
+            <a:schemeClr val="tx1"/>
+          </a:fontRef>
+        </p:style>
+      </p:cxnSp>
+      <p:cxnSp>
+        <p:nvCxnSpPr>
+          <p:cNvPr id="107" name="直接连接符 106">
+            <a:extLst>
+              <a:ext uri="{FF2B5EF4-FFF2-40B4-BE49-F238E27FC236}">
+                <a16:creationId xmlns:a16="http://schemas.microsoft.com/office/drawing/2014/main" id="{A52B3230-8F34-50B1-9C7D-7CB0666360F4}"/>
+              </a:ext>
+            </a:extLst>
+          </p:cNvPr>
+          <p:cNvCxnSpPr>
+            <a:cxnSpLocks/>
+          </p:cNvCxnSpPr>
+          <p:nvPr/>
+        </p:nvCxnSpPr>
+        <p:spPr>
+          <a:xfrm flipH="1">
+            <a:off x="7209642" y="7296152"/>
+            <a:ext cx="2" cy="161925"/>
+          </a:xfrm>
+          <a:prstGeom prst="line">
+            <a:avLst/>
+          </a:prstGeom>
+        </p:spPr>
+        <p:style>
+          <a:lnRef idx="1">
+            <a:schemeClr val="dk1"/>
+          </a:lnRef>
+          <a:fillRef idx="0">
+            <a:schemeClr val="dk1"/>
+          </a:fillRef>
+          <a:effectRef idx="0">
+            <a:schemeClr val="dk1"/>
+          </a:effectRef>
+          <a:fontRef idx="minor">
+            <a:schemeClr val="tx1"/>
+          </a:fontRef>
+        </p:style>
+      </p:cxnSp>
+      <p:sp>
+        <p:nvSpPr>
+          <p:cNvPr id="112" name="矩形 111">
+            <a:extLst>
+              <a:ext uri="{FF2B5EF4-FFF2-40B4-BE49-F238E27FC236}">
+                <a16:creationId xmlns:a16="http://schemas.microsoft.com/office/drawing/2014/main" id="{D700D217-4DA0-14E4-1F7D-897016498E40}"/>
+              </a:ext>
+            </a:extLst>
+          </p:cNvPr>
+          <p:cNvSpPr/>
+          <p:nvPr/>
+        </p:nvSpPr>
+        <p:spPr>
+          <a:xfrm>
+            <a:off x="737045" y="5181602"/>
+            <a:ext cx="297558" cy="1238247"/>
+          </a:xfrm>
+          <a:prstGeom prst="rect">
+            <a:avLst/>
+          </a:prstGeom>
+          <a:noFill/>
+        </p:spPr>
+        <p:style>
+          <a:lnRef idx="2">
+            <a:schemeClr val="accent1">
+              <a:shade val="50000"/>
+            </a:schemeClr>
+          </a:lnRef>
+          <a:fillRef idx="1">
+            <a:schemeClr val="accent1"/>
+          </a:fillRef>
+          <a:effectRef idx="0">
+            <a:schemeClr val="accent1"/>
+          </a:effectRef>
+          <a:fontRef idx="minor">
+            <a:schemeClr val="lt1"/>
+          </a:fontRef>
+        </p:style>
+        <p:txBody>
+          <a:bodyPr rtlCol="0" anchor="ctr"/>
+          <a:lstStyle/>
+          <a:p>
+            <a:pPr algn="ctr"/>
+            <a:r>
+              <a:rPr lang="zh-CN" altLang="en-US" sz="1200" dirty="0">
+                <a:solidFill>
+                  <a:schemeClr val="tx1"/>
+                </a:solidFill>
+              </a:rPr>
+              <a:t>进入界面通知</a:t>
+            </a:r>
+          </a:p>
+        </p:txBody>
+      </p:sp>
+      <p:sp>
+        <p:nvSpPr>
+          <p:cNvPr id="113" name="矩形 112">
+            <a:extLst>
+              <a:ext uri="{FF2B5EF4-FFF2-40B4-BE49-F238E27FC236}">
+                <a16:creationId xmlns:a16="http://schemas.microsoft.com/office/drawing/2014/main" id="{495784BF-3298-7111-0CF1-CC018D50CBF0}"/>
+              </a:ext>
+            </a:extLst>
+          </p:cNvPr>
+          <p:cNvSpPr/>
+          <p:nvPr/>
+        </p:nvSpPr>
+        <p:spPr>
+          <a:xfrm>
+            <a:off x="4383910" y="5100638"/>
+            <a:ext cx="297558" cy="1238247"/>
+          </a:xfrm>
+          <a:prstGeom prst="rect">
+            <a:avLst/>
+          </a:prstGeom>
+          <a:noFill/>
+        </p:spPr>
+        <p:style>
+          <a:lnRef idx="2">
+            <a:schemeClr val="accent1">
+              <a:shade val="50000"/>
+            </a:schemeClr>
+          </a:lnRef>
+          <a:fillRef idx="1">
+            <a:schemeClr val="accent1"/>
+          </a:fillRef>
+          <a:effectRef idx="0">
+            <a:schemeClr val="accent1"/>
+          </a:effectRef>
+          <a:fontRef idx="minor">
+            <a:schemeClr val="lt1"/>
+          </a:fontRef>
+        </p:style>
+        <p:txBody>
+          <a:bodyPr rtlCol="0" anchor="ctr"/>
+          <a:lstStyle/>
+          <a:p>
+            <a:pPr algn="ctr"/>
+            <a:r>
+              <a:rPr lang="zh-CN" altLang="en-US" sz="1200" dirty="0">
+                <a:solidFill>
+                  <a:schemeClr val="tx1"/>
+                </a:solidFill>
+              </a:rPr>
+              <a:t>组织增删改查</a:t>
+            </a:r>
+          </a:p>
+        </p:txBody>
+      </p:sp>
+      <p:cxnSp>
+        <p:nvCxnSpPr>
+          <p:cNvPr id="116" name="直接连接符 115">
+            <a:extLst>
+              <a:ext uri="{FF2B5EF4-FFF2-40B4-BE49-F238E27FC236}">
+                <a16:creationId xmlns:a16="http://schemas.microsoft.com/office/drawing/2014/main" id="{FBEA47A9-BB31-0656-ABEC-69683F2B95B9}"/>
+              </a:ext>
+            </a:extLst>
+          </p:cNvPr>
+          <p:cNvCxnSpPr>
+            <a:cxnSpLocks/>
+          </p:cNvCxnSpPr>
+          <p:nvPr/>
+        </p:nvCxnSpPr>
+        <p:spPr>
+          <a:xfrm flipH="1">
+            <a:off x="4000305" y="4943476"/>
+            <a:ext cx="2" cy="161925"/>
+          </a:xfrm>
+          <a:prstGeom prst="line">
+            <a:avLst/>
+          </a:prstGeom>
+        </p:spPr>
+        <p:style>
+          <a:lnRef idx="1">
+            <a:schemeClr val="dk1"/>
+          </a:lnRef>
+          <a:fillRef idx="0">
+            <a:schemeClr val="dk1"/>
+          </a:fillRef>
+          <a:effectRef idx="0">
+            <a:schemeClr val="dk1"/>
+          </a:effectRef>
+          <a:fontRef idx="minor">
+            <a:schemeClr val="tx1"/>
+          </a:fontRef>
+        </p:style>
+      </p:cxnSp>
+      <p:cxnSp>
+        <p:nvCxnSpPr>
+          <p:cNvPr id="117" name="直接连接符 116">
+            <a:extLst>
+              <a:ext uri="{FF2B5EF4-FFF2-40B4-BE49-F238E27FC236}">
+                <a16:creationId xmlns:a16="http://schemas.microsoft.com/office/drawing/2014/main" id="{CF204451-3AB7-BC76-3E56-0C25E0586E14}"/>
+              </a:ext>
+            </a:extLst>
+          </p:cNvPr>
+          <p:cNvCxnSpPr>
+            <a:cxnSpLocks/>
+          </p:cNvCxnSpPr>
+          <p:nvPr/>
+        </p:nvCxnSpPr>
+        <p:spPr>
+          <a:xfrm flipH="1">
+            <a:off x="4560706" y="4943475"/>
+            <a:ext cx="2" cy="161925"/>
+          </a:xfrm>
+          <a:prstGeom prst="line">
+            <a:avLst/>
+          </a:prstGeom>
+        </p:spPr>
+        <p:style>
+          <a:lnRef idx="1">
+            <a:schemeClr val="dk1"/>
+          </a:lnRef>
+          <a:fillRef idx="0">
+            <a:schemeClr val="dk1"/>
+          </a:fillRef>
+          <a:effectRef idx="0">
+            <a:schemeClr val="dk1"/>
+          </a:effectRef>
+          <a:fontRef idx="minor">
+            <a:schemeClr val="tx1"/>
+          </a:fontRef>
+        </p:style>
+      </p:cxnSp>
+      <p:sp>
+        <p:nvSpPr>
+          <p:cNvPr id="118" name="矩形 117">
+            <a:extLst>
+              <a:ext uri="{FF2B5EF4-FFF2-40B4-BE49-F238E27FC236}">
+                <a16:creationId xmlns:a16="http://schemas.microsoft.com/office/drawing/2014/main" id="{1DADBB18-927B-2A7B-2BA7-2B95E8C79009}"/>
+              </a:ext>
+            </a:extLst>
+          </p:cNvPr>
+          <p:cNvSpPr/>
+          <p:nvPr/>
+        </p:nvSpPr>
+        <p:spPr>
+          <a:xfrm>
+            <a:off x="4823399" y="5129213"/>
+            <a:ext cx="297558" cy="1238247"/>
+          </a:xfrm>
+          <a:prstGeom prst="rect">
+            <a:avLst/>
+          </a:prstGeom>
+          <a:noFill/>
+        </p:spPr>
+        <p:style>
+          <a:lnRef idx="2">
+            <a:schemeClr val="accent1">
+              <a:shade val="50000"/>
+            </a:schemeClr>
+          </a:lnRef>
+          <a:fillRef idx="1">
+            <a:schemeClr val="accent1"/>
+          </a:fillRef>
+          <a:effectRef idx="0">
+            <a:schemeClr val="accent1"/>
+          </a:effectRef>
+          <a:fontRef idx="minor">
+            <a:schemeClr val="lt1"/>
+          </a:fontRef>
+        </p:style>
+        <p:txBody>
+          <a:bodyPr rtlCol="0" anchor="ctr"/>
+          <a:lstStyle/>
+          <a:p>
+            <a:pPr algn="ctr"/>
+            <a:r>
+              <a:rPr lang="zh-CN" altLang="en-US" sz="1200" dirty="0">
+                <a:solidFill>
+                  <a:schemeClr val="tx1"/>
+                </a:solidFill>
+              </a:rPr>
+              <a:t>功能增删改查</a:t>
+            </a:r>
+          </a:p>
+        </p:txBody>
+      </p:sp>
+      <p:cxnSp>
+        <p:nvCxnSpPr>
+          <p:cNvPr id="119" name="直接连接符 118">
+            <a:extLst>
+              <a:ext uri="{FF2B5EF4-FFF2-40B4-BE49-F238E27FC236}">
+                <a16:creationId xmlns:a16="http://schemas.microsoft.com/office/drawing/2014/main" id="{29C308FC-43B6-3594-E48B-65DAC9C3E6CD}"/>
+              </a:ext>
+            </a:extLst>
+          </p:cNvPr>
+          <p:cNvCxnSpPr>
+            <a:cxnSpLocks/>
+          </p:cNvCxnSpPr>
+          <p:nvPr/>
+        </p:nvCxnSpPr>
+        <p:spPr>
+          <a:xfrm flipH="1">
+            <a:off x="5152109" y="4810125"/>
+            <a:ext cx="2" cy="161925"/>
+          </a:xfrm>
+          <a:prstGeom prst="line">
+            <a:avLst/>
+          </a:prstGeom>
+        </p:spPr>
+        <p:style>
+          <a:lnRef idx="1">
+            <a:schemeClr val="dk1"/>
+          </a:lnRef>
+          <a:fillRef idx="0">
+            <a:schemeClr val="dk1"/>
+          </a:fillRef>
+          <a:effectRef idx="0">
+            <a:schemeClr val="dk1"/>
+          </a:effectRef>
+          <a:fontRef idx="minor">
+            <a:schemeClr val="tx1"/>
+          </a:fontRef>
+        </p:style>
+      </p:cxnSp>
+      <p:cxnSp>
+        <p:nvCxnSpPr>
+          <p:cNvPr id="120" name="直接连接符 119">
+            <a:extLst>
+              <a:ext uri="{FF2B5EF4-FFF2-40B4-BE49-F238E27FC236}">
+                <a16:creationId xmlns:a16="http://schemas.microsoft.com/office/drawing/2014/main" id="{83004DBF-B1BF-8105-D02E-6C03D5804593}"/>
+              </a:ext>
+            </a:extLst>
+          </p:cNvPr>
+          <p:cNvCxnSpPr>
+            <a:cxnSpLocks/>
+          </p:cNvCxnSpPr>
+          <p:nvPr/>
+        </p:nvCxnSpPr>
+        <p:spPr>
+          <a:xfrm>
+            <a:off x="4943280" y="4972051"/>
+            <a:ext cx="437138" cy="0"/>
+          </a:xfrm>
+          <a:prstGeom prst="line">
+            <a:avLst/>
+          </a:prstGeom>
+        </p:spPr>
+        <p:style>
+          <a:lnRef idx="1">
+            <a:schemeClr val="dk1"/>
+          </a:lnRef>
+          <a:fillRef idx="0">
+            <a:schemeClr val="dk1"/>
+          </a:fillRef>
+          <a:effectRef idx="0">
+            <a:schemeClr val="dk1"/>
+          </a:effectRef>
+          <a:fontRef idx="minor">
+            <a:schemeClr val="tx1"/>
+          </a:fontRef>
+        </p:style>
+      </p:cxnSp>
+      <p:sp>
+        <p:nvSpPr>
+          <p:cNvPr id="121" name="矩形 120">
+            <a:extLst>
+              <a:ext uri="{FF2B5EF4-FFF2-40B4-BE49-F238E27FC236}">
+                <a16:creationId xmlns:a16="http://schemas.microsoft.com/office/drawing/2014/main" id="{C95609DB-5B8D-18EC-0A34-94ACE3ED60A7}"/>
+              </a:ext>
+            </a:extLst>
+          </p:cNvPr>
+          <p:cNvSpPr/>
+          <p:nvPr/>
+        </p:nvSpPr>
+        <p:spPr>
+          <a:xfrm>
+            <a:off x="5231639" y="5129213"/>
+            <a:ext cx="297558" cy="1238247"/>
+          </a:xfrm>
+          <a:prstGeom prst="rect">
+            <a:avLst/>
+          </a:prstGeom>
+          <a:noFill/>
+        </p:spPr>
+        <p:style>
+          <a:lnRef idx="2">
+            <a:schemeClr val="accent1">
+              <a:shade val="50000"/>
+            </a:schemeClr>
+          </a:lnRef>
+          <a:fillRef idx="1">
+            <a:schemeClr val="accent1"/>
+          </a:fillRef>
+          <a:effectRef idx="0">
+            <a:schemeClr val="accent1"/>
+          </a:effectRef>
+          <a:fontRef idx="minor">
+            <a:schemeClr val="lt1"/>
+          </a:fontRef>
+        </p:style>
+        <p:txBody>
+          <a:bodyPr rtlCol="0" anchor="ctr"/>
+          <a:lstStyle/>
+          <a:p>
+            <a:pPr algn="ctr"/>
+            <a:r>
+              <a:rPr lang="zh-CN" altLang="en-US" sz="1200" dirty="0">
+                <a:solidFill>
+                  <a:schemeClr val="tx1"/>
+                </a:solidFill>
+              </a:rPr>
+              <a:t>修改功能权限</a:t>
+            </a:r>
+          </a:p>
+        </p:txBody>
+      </p:sp>
+      <p:cxnSp>
+        <p:nvCxnSpPr>
+          <p:cNvPr id="122" name="直接连接符 121">
+            <a:extLst>
+              <a:ext uri="{FF2B5EF4-FFF2-40B4-BE49-F238E27FC236}">
+                <a16:creationId xmlns:a16="http://schemas.microsoft.com/office/drawing/2014/main" id="{B63D0BE6-1709-82F4-C0EA-A7EDC95B8F11}"/>
+              </a:ext>
+            </a:extLst>
+          </p:cNvPr>
+          <p:cNvCxnSpPr>
+            <a:cxnSpLocks/>
+          </p:cNvCxnSpPr>
+          <p:nvPr/>
+        </p:nvCxnSpPr>
+        <p:spPr>
+          <a:xfrm flipH="1">
+            <a:off x="4952805" y="4972051"/>
+            <a:ext cx="2" cy="161925"/>
+          </a:xfrm>
+          <a:prstGeom prst="line">
+            <a:avLst/>
+          </a:prstGeom>
+        </p:spPr>
+        <p:style>
+          <a:lnRef idx="1">
+            <a:schemeClr val="dk1"/>
+          </a:lnRef>
+          <a:fillRef idx="0">
+            <a:schemeClr val="dk1"/>
+          </a:fillRef>
+          <a:effectRef idx="0">
+            <a:schemeClr val="dk1"/>
+          </a:effectRef>
+          <a:fontRef idx="minor">
+            <a:schemeClr val="tx1"/>
+          </a:fontRef>
+        </p:style>
+      </p:cxnSp>
+      <p:cxnSp>
+        <p:nvCxnSpPr>
+          <p:cNvPr id="127" name="直接连接符 126">
+            <a:extLst>
+              <a:ext uri="{FF2B5EF4-FFF2-40B4-BE49-F238E27FC236}">
+                <a16:creationId xmlns:a16="http://schemas.microsoft.com/office/drawing/2014/main" id="{3082DE71-FBCB-80D4-75C4-B8EACFC6B30B}"/>
+              </a:ext>
+            </a:extLst>
+          </p:cNvPr>
+          <p:cNvCxnSpPr>
+            <a:cxnSpLocks/>
+          </p:cNvCxnSpPr>
+          <p:nvPr/>
+        </p:nvCxnSpPr>
+        <p:spPr>
+          <a:xfrm flipH="1">
+            <a:off x="5360938" y="4962525"/>
+            <a:ext cx="2" cy="161925"/>
+          </a:xfrm>
+          <a:prstGeom prst="line">
+            <a:avLst/>
+          </a:prstGeom>
+        </p:spPr>
+        <p:style>
+          <a:lnRef idx="1">
+            <a:schemeClr val="dk1"/>
+          </a:lnRef>
+          <a:fillRef idx="0">
+            <a:schemeClr val="dk1"/>
+          </a:fillRef>
+          <a:effectRef idx="0">
+            <a:schemeClr val="dk1"/>
+          </a:effectRef>
+          <a:fontRef idx="minor">
+            <a:schemeClr val="tx1"/>
+          </a:fontRef>
+        </p:style>
+      </p:cxnSp>
+      <p:sp>
+        <p:nvSpPr>
+          <p:cNvPr id="129" name="矩形 128">
+            <a:extLst>
+              <a:ext uri="{FF2B5EF4-FFF2-40B4-BE49-F238E27FC236}">
+                <a16:creationId xmlns:a16="http://schemas.microsoft.com/office/drawing/2014/main" id="{A8C81A3C-3864-7FF8-2416-3E8A678D3128}"/>
+              </a:ext>
+            </a:extLst>
+          </p:cNvPr>
+          <p:cNvSpPr/>
+          <p:nvPr/>
+        </p:nvSpPr>
+        <p:spPr>
+          <a:xfrm>
+            <a:off x="6918899" y="5138738"/>
+            <a:ext cx="297558" cy="1238247"/>
+          </a:xfrm>
+          <a:prstGeom prst="rect">
+            <a:avLst/>
+          </a:prstGeom>
+          <a:noFill/>
+        </p:spPr>
+        <p:style>
+          <a:lnRef idx="2">
+            <a:schemeClr val="accent1">
+              <a:shade val="50000"/>
+            </a:schemeClr>
+          </a:lnRef>
+          <a:fillRef idx="1">
+            <a:schemeClr val="accent1"/>
+          </a:fillRef>
+          <a:effectRef idx="0">
+            <a:schemeClr val="accent1"/>
+          </a:effectRef>
+          <a:fontRef idx="minor">
+            <a:schemeClr val="lt1"/>
+          </a:fontRef>
+        </p:style>
+        <p:txBody>
+          <a:bodyPr rtlCol="0" anchor="ctr"/>
+          <a:lstStyle/>
+          <a:p>
+            <a:pPr algn="ctr"/>
+            <a:r>
+              <a:rPr lang="zh-CN" altLang="en-US" sz="1200" dirty="0">
+                <a:solidFill>
+                  <a:schemeClr val="tx1"/>
+                </a:solidFill>
+              </a:rPr>
+              <a:t>注册用户</a:t>
+            </a:r>
+          </a:p>
+        </p:txBody>
+      </p:sp>
+      <p:cxnSp>
+        <p:nvCxnSpPr>
+          <p:cNvPr id="130" name="直接连接符 129">
+            <a:extLst>
+              <a:ext uri="{FF2B5EF4-FFF2-40B4-BE49-F238E27FC236}">
+                <a16:creationId xmlns:a16="http://schemas.microsoft.com/office/drawing/2014/main" id="{43A718B8-3155-B038-C639-BEC9479A9501}"/>
+              </a:ext>
+            </a:extLst>
+          </p:cNvPr>
+          <p:cNvCxnSpPr>
+            <a:cxnSpLocks/>
+          </p:cNvCxnSpPr>
+          <p:nvPr/>
+        </p:nvCxnSpPr>
+        <p:spPr>
+          <a:xfrm flipH="1">
+            <a:off x="7247609" y="4791075"/>
+            <a:ext cx="2" cy="161925"/>
+          </a:xfrm>
+          <a:prstGeom prst="line">
+            <a:avLst/>
+          </a:prstGeom>
+        </p:spPr>
+        <p:style>
+          <a:lnRef idx="1">
+            <a:schemeClr val="dk1"/>
+          </a:lnRef>
+          <a:fillRef idx="0">
+            <a:schemeClr val="dk1"/>
+          </a:fillRef>
+          <a:effectRef idx="0">
+            <a:schemeClr val="dk1"/>
+          </a:effectRef>
+          <a:fontRef idx="minor">
+            <a:schemeClr val="tx1"/>
+          </a:fontRef>
+        </p:style>
+      </p:cxnSp>
+      <p:sp>
+        <p:nvSpPr>
+          <p:cNvPr id="131" name="矩形 130">
+            <a:extLst>
+              <a:ext uri="{FF2B5EF4-FFF2-40B4-BE49-F238E27FC236}">
+                <a16:creationId xmlns:a16="http://schemas.microsoft.com/office/drawing/2014/main" id="{8CA9AA95-60D2-F13E-045C-147E9F5BB6EF}"/>
+              </a:ext>
+            </a:extLst>
+          </p:cNvPr>
+          <p:cNvSpPr/>
+          <p:nvPr/>
+        </p:nvSpPr>
+        <p:spPr>
+          <a:xfrm>
+            <a:off x="7327139" y="5138738"/>
+            <a:ext cx="297558" cy="1238247"/>
+          </a:xfrm>
+          <a:prstGeom prst="rect">
+            <a:avLst/>
+          </a:prstGeom>
+          <a:noFill/>
+        </p:spPr>
+        <p:style>
+          <a:lnRef idx="2">
+            <a:schemeClr val="accent1">
+              <a:shade val="50000"/>
+            </a:schemeClr>
+          </a:lnRef>
+          <a:fillRef idx="1">
+            <a:schemeClr val="accent1"/>
+          </a:fillRef>
+          <a:effectRef idx="0">
+            <a:schemeClr val="accent1"/>
+          </a:effectRef>
+          <a:fontRef idx="minor">
+            <a:schemeClr val="lt1"/>
+          </a:fontRef>
+        </p:style>
+        <p:txBody>
+          <a:bodyPr rtlCol="0" anchor="ctr"/>
+          <a:lstStyle/>
+          <a:p>
+            <a:pPr algn="ctr"/>
+            <a:r>
+              <a:rPr lang="zh-CN" altLang="en-US" sz="1200" dirty="0">
+                <a:solidFill>
+                  <a:schemeClr val="tx1"/>
+                </a:solidFill>
+              </a:rPr>
+              <a:t>修改用户信息</a:t>
+            </a:r>
+          </a:p>
+        </p:txBody>
+      </p:sp>
+      <p:cxnSp>
+        <p:nvCxnSpPr>
+          <p:cNvPr id="132" name="直接连接符 131">
+            <a:extLst>
+              <a:ext uri="{FF2B5EF4-FFF2-40B4-BE49-F238E27FC236}">
+                <a16:creationId xmlns:a16="http://schemas.microsoft.com/office/drawing/2014/main" id="{3F6D5089-C90F-D5A4-991A-1DC5047B1861}"/>
+              </a:ext>
+            </a:extLst>
+          </p:cNvPr>
+          <p:cNvCxnSpPr>
+            <a:cxnSpLocks/>
+          </p:cNvCxnSpPr>
+          <p:nvPr/>
+        </p:nvCxnSpPr>
+        <p:spPr>
+          <a:xfrm flipH="1">
+            <a:off x="7048305" y="4981576"/>
+            <a:ext cx="2" cy="161925"/>
+          </a:xfrm>
+          <a:prstGeom prst="line">
+            <a:avLst/>
+          </a:prstGeom>
+        </p:spPr>
+        <p:style>
+          <a:lnRef idx="1">
+            <a:schemeClr val="dk1"/>
+          </a:lnRef>
+          <a:fillRef idx="0">
+            <a:schemeClr val="dk1"/>
+          </a:fillRef>
+          <a:effectRef idx="0">
+            <a:schemeClr val="dk1"/>
+          </a:effectRef>
+          <a:fontRef idx="minor">
+            <a:schemeClr val="tx1"/>
+          </a:fontRef>
+        </p:style>
+      </p:cxnSp>
+      <p:cxnSp>
+        <p:nvCxnSpPr>
+          <p:cNvPr id="133" name="直接连接符 132">
+            <a:extLst>
+              <a:ext uri="{FF2B5EF4-FFF2-40B4-BE49-F238E27FC236}">
+                <a16:creationId xmlns:a16="http://schemas.microsoft.com/office/drawing/2014/main" id="{D004D847-DE90-730C-F462-21E32854563F}"/>
+              </a:ext>
+            </a:extLst>
+          </p:cNvPr>
+          <p:cNvCxnSpPr>
+            <a:cxnSpLocks/>
+          </p:cNvCxnSpPr>
+          <p:nvPr/>
+        </p:nvCxnSpPr>
+        <p:spPr>
+          <a:xfrm flipH="1">
+            <a:off x="7485441" y="4962525"/>
+            <a:ext cx="2" cy="161925"/>
+          </a:xfrm>
+          <a:prstGeom prst="line">
+            <a:avLst/>
+          </a:prstGeom>
+        </p:spPr>
+        <p:style>
+          <a:lnRef idx="1">
+            <a:schemeClr val="dk1"/>
+          </a:lnRef>
+          <a:fillRef idx="0">
+            <a:schemeClr val="dk1"/>
+          </a:fillRef>
+          <a:effectRef idx="0">
+            <a:schemeClr val="dk1"/>
+          </a:effectRef>
+          <a:fontRef idx="minor">
+            <a:schemeClr val="tx1"/>
+          </a:fontRef>
+        </p:style>
+      </p:cxnSp>
+      <p:cxnSp>
+        <p:nvCxnSpPr>
+          <p:cNvPr id="135" name="直接连接符 134">
+            <a:extLst>
+              <a:ext uri="{FF2B5EF4-FFF2-40B4-BE49-F238E27FC236}">
+                <a16:creationId xmlns:a16="http://schemas.microsoft.com/office/drawing/2014/main" id="{4B3DB17F-D1A7-4C70-0EE1-C98911F3161B}"/>
+              </a:ext>
+            </a:extLst>
+          </p:cNvPr>
+          <p:cNvCxnSpPr>
+            <a:cxnSpLocks/>
+          </p:cNvCxnSpPr>
+          <p:nvPr/>
+        </p:nvCxnSpPr>
+        <p:spPr>
+          <a:xfrm>
+            <a:off x="7048305" y="4972050"/>
+            <a:ext cx="437138" cy="0"/>
+          </a:xfrm>
+          <a:prstGeom prst="line">
+            <a:avLst/>
+          </a:prstGeom>
+        </p:spPr>
+        <p:style>
+          <a:lnRef idx="1">
+            <a:schemeClr val="dk1"/>
+          </a:lnRef>
+          <a:fillRef idx="0">
+            <a:schemeClr val="dk1"/>
+          </a:fillRef>
+          <a:effectRef idx="0">
+            <a:schemeClr val="dk1"/>
+          </a:effectRef>
+          <a:fontRef idx="minor">
+            <a:schemeClr val="tx1"/>
+          </a:fontRef>
+        </p:style>
+      </p:cxnSp>
+      <p:cxnSp>
+        <p:nvCxnSpPr>
+          <p:cNvPr id="137" name="直接连接符 136">
+            <a:extLst>
+              <a:ext uri="{FF2B5EF4-FFF2-40B4-BE49-F238E27FC236}">
+                <a16:creationId xmlns:a16="http://schemas.microsoft.com/office/drawing/2014/main" id="{4D1F1778-C994-EA71-25B2-C3BC257FF555}"/>
+              </a:ext>
+            </a:extLst>
+          </p:cNvPr>
+          <p:cNvCxnSpPr>
+            <a:cxnSpLocks/>
+          </p:cNvCxnSpPr>
+          <p:nvPr/>
+        </p:nvCxnSpPr>
+        <p:spPr>
+          <a:xfrm flipH="1">
+            <a:off x="8972548" y="2276475"/>
+            <a:ext cx="2" cy="161925"/>
+          </a:xfrm>
+          <a:prstGeom prst="line">
+            <a:avLst/>
+          </a:prstGeom>
+        </p:spPr>
+        <p:style>
+          <a:lnRef idx="1">
+            <a:schemeClr val="dk1"/>
+          </a:lnRef>
+          <a:fillRef idx="0">
+            <a:schemeClr val="dk1"/>
+          </a:fillRef>
+          <a:effectRef idx="0">
+            <a:schemeClr val="dk1"/>
+          </a:effectRef>
+          <a:fontRef idx="minor">
+            <a:schemeClr val="tx1"/>
+          </a:fontRef>
+        </p:style>
+      </p:cxnSp>
+      <p:cxnSp>
+        <p:nvCxnSpPr>
+          <p:cNvPr id="138" name="直接连接符 137">
+            <a:extLst>
+              <a:ext uri="{FF2B5EF4-FFF2-40B4-BE49-F238E27FC236}">
+                <a16:creationId xmlns:a16="http://schemas.microsoft.com/office/drawing/2014/main" id="{EE75A373-FF40-806D-A6B4-788CF418CBC8}"/>
+              </a:ext>
+            </a:extLst>
+          </p:cNvPr>
+          <p:cNvCxnSpPr>
+            <a:cxnSpLocks/>
+          </p:cNvCxnSpPr>
+          <p:nvPr/>
+        </p:nvCxnSpPr>
+        <p:spPr>
+          <a:xfrm>
+            <a:off x="8101011" y="2447924"/>
+            <a:ext cx="3366370" cy="0"/>
+          </a:xfrm>
+          <a:prstGeom prst="line">
+            <a:avLst/>
+          </a:prstGeom>
+        </p:spPr>
+        <p:style>
+          <a:lnRef idx="1">
+            <a:schemeClr val="dk1"/>
+          </a:lnRef>
+          <a:fillRef idx="0">
+            <a:schemeClr val="dk1"/>
+          </a:fillRef>
+          <a:effectRef idx="0">
+            <a:schemeClr val="dk1"/>
+          </a:effectRef>
+          <a:fontRef idx="minor">
+            <a:schemeClr val="tx1"/>
+          </a:fontRef>
+        </p:style>
+      </p:cxnSp>
+      <p:cxnSp>
+        <p:nvCxnSpPr>
+          <p:cNvPr id="144" name="直接连接符 143">
+            <a:extLst>
+              <a:ext uri="{FF2B5EF4-FFF2-40B4-BE49-F238E27FC236}">
+                <a16:creationId xmlns:a16="http://schemas.microsoft.com/office/drawing/2014/main" id="{C5041F3B-560F-A8AF-4353-B70CCF2E5AB9}"/>
+              </a:ext>
+            </a:extLst>
+          </p:cNvPr>
+          <p:cNvCxnSpPr>
+            <a:cxnSpLocks/>
+          </p:cNvCxnSpPr>
+          <p:nvPr/>
+        </p:nvCxnSpPr>
+        <p:spPr>
+          <a:xfrm flipH="1">
+            <a:off x="8110534" y="2457449"/>
+            <a:ext cx="2" cy="161925"/>
+          </a:xfrm>
+          <a:prstGeom prst="line">
+            <a:avLst/>
+          </a:prstGeom>
+        </p:spPr>
+        <p:style>
+          <a:lnRef idx="1">
+            <a:schemeClr val="dk1"/>
+          </a:lnRef>
+          <a:fillRef idx="0">
+            <a:schemeClr val="dk1"/>
+          </a:fillRef>
+          <a:effectRef idx="0">
+            <a:schemeClr val="dk1"/>
+          </a:effectRef>
+          <a:fontRef idx="minor">
+            <a:schemeClr val="tx1"/>
+          </a:fontRef>
+        </p:style>
+      </p:cxnSp>
+      <p:cxnSp>
+        <p:nvCxnSpPr>
+          <p:cNvPr id="147" name="直接连接符 146">
+            <a:extLst>
+              <a:ext uri="{FF2B5EF4-FFF2-40B4-BE49-F238E27FC236}">
+                <a16:creationId xmlns:a16="http://schemas.microsoft.com/office/drawing/2014/main" id="{3F861DBB-4469-79CE-FF96-7FEFC0B975FE}"/>
+              </a:ext>
+            </a:extLst>
+          </p:cNvPr>
+          <p:cNvCxnSpPr>
+            <a:cxnSpLocks/>
+          </p:cNvCxnSpPr>
+          <p:nvPr/>
+        </p:nvCxnSpPr>
+        <p:spPr>
+          <a:xfrm flipH="1">
+            <a:off x="8800309" y="2447924"/>
+            <a:ext cx="2" cy="161925"/>
+          </a:xfrm>
+          <a:prstGeom prst="line">
+            <a:avLst/>
+          </a:prstGeom>
+        </p:spPr>
+        <p:style>
+          <a:lnRef idx="1">
+            <a:schemeClr val="dk1"/>
+          </a:lnRef>
+          <a:fillRef idx="0">
+            <a:schemeClr val="dk1"/>
+          </a:fillRef>
+          <a:effectRef idx="0">
+            <a:schemeClr val="dk1"/>
+          </a:effectRef>
+          <a:fontRef idx="minor">
+            <a:schemeClr val="tx1"/>
+          </a:fontRef>
+        </p:style>
+      </p:cxnSp>
+      <p:cxnSp>
+        <p:nvCxnSpPr>
+          <p:cNvPr id="154" name="直接连接符 153">
+            <a:extLst>
+              <a:ext uri="{FF2B5EF4-FFF2-40B4-BE49-F238E27FC236}">
+                <a16:creationId xmlns:a16="http://schemas.microsoft.com/office/drawing/2014/main" id="{FDBED5A9-231A-DC34-598B-363E6E00F302}"/>
+              </a:ext>
+            </a:extLst>
+          </p:cNvPr>
+          <p:cNvCxnSpPr>
+            <a:cxnSpLocks/>
+          </p:cNvCxnSpPr>
+          <p:nvPr/>
+        </p:nvCxnSpPr>
+        <p:spPr>
+          <a:xfrm flipH="1">
+            <a:off x="10038561" y="2457449"/>
+            <a:ext cx="2" cy="161925"/>
+          </a:xfrm>
+          <a:prstGeom prst="line">
+            <a:avLst/>
+          </a:prstGeom>
+        </p:spPr>
+        <p:style>
+          <a:lnRef idx="1">
+            <a:schemeClr val="dk1"/>
+          </a:lnRef>
+          <a:fillRef idx="0">
+            <a:schemeClr val="dk1"/>
+          </a:fillRef>
+          <a:effectRef idx="0">
+            <a:schemeClr val="dk1"/>
+          </a:effectRef>
+          <a:fontRef idx="minor">
+            <a:schemeClr val="tx1"/>
+          </a:fontRef>
+        </p:style>
+      </p:cxnSp>
+      <p:sp>
+        <p:nvSpPr>
+          <p:cNvPr id="157" name="矩形 156">
+            <a:extLst>
+              <a:ext uri="{FF2B5EF4-FFF2-40B4-BE49-F238E27FC236}">
+                <a16:creationId xmlns:a16="http://schemas.microsoft.com/office/drawing/2014/main" id="{309C21A5-48CD-564F-6899-659896E5BD39}"/>
+              </a:ext>
+            </a:extLst>
+          </p:cNvPr>
+          <p:cNvSpPr/>
+          <p:nvPr/>
+        </p:nvSpPr>
+        <p:spPr>
+          <a:xfrm>
+            <a:off x="7885552" y="5143502"/>
+            <a:ext cx="297558" cy="1238247"/>
+          </a:xfrm>
+          <a:prstGeom prst="rect">
+            <a:avLst/>
+          </a:prstGeom>
+          <a:noFill/>
+        </p:spPr>
+        <p:style>
+          <a:lnRef idx="2">
+            <a:schemeClr val="accent1">
+              <a:shade val="50000"/>
+            </a:schemeClr>
+          </a:lnRef>
+          <a:fillRef idx="1">
+            <a:schemeClr val="accent1"/>
+          </a:fillRef>
+          <a:effectRef idx="0">
+            <a:schemeClr val="accent1"/>
+          </a:effectRef>
+          <a:fontRef idx="minor">
+            <a:schemeClr val="lt1"/>
+          </a:fontRef>
+        </p:style>
+        <p:txBody>
+          <a:bodyPr rtlCol="0" anchor="ctr"/>
+          <a:lstStyle/>
+          <a:p>
+            <a:pPr algn="ctr"/>
+            <a:r>
+              <a:rPr lang="zh-CN" altLang="en-US" sz="1200" dirty="0">
+                <a:solidFill>
+                  <a:schemeClr val="tx1"/>
+                </a:solidFill>
+              </a:rPr>
+              <a:t>新建大纲根节点</a:t>
+            </a:r>
+          </a:p>
+        </p:txBody>
+      </p:sp>
+      <p:cxnSp>
+        <p:nvCxnSpPr>
+          <p:cNvPr id="158" name="直接连接符 157">
+            <a:extLst>
+              <a:ext uri="{FF2B5EF4-FFF2-40B4-BE49-F238E27FC236}">
+                <a16:creationId xmlns:a16="http://schemas.microsoft.com/office/drawing/2014/main" id="{7A3E0E94-5457-8B52-6FC5-9EF585DECCB9}"/>
+              </a:ext>
+            </a:extLst>
+          </p:cNvPr>
+          <p:cNvCxnSpPr>
+            <a:cxnSpLocks/>
+          </p:cNvCxnSpPr>
+          <p:nvPr/>
+        </p:nvCxnSpPr>
+        <p:spPr>
+          <a:xfrm>
+            <a:off x="8214264" y="4814889"/>
+            <a:ext cx="0" cy="138111"/>
+          </a:xfrm>
+          <a:prstGeom prst="line">
+            <a:avLst/>
+          </a:prstGeom>
+        </p:spPr>
+        <p:style>
+          <a:lnRef idx="1">
+            <a:schemeClr val="dk1"/>
+          </a:lnRef>
+          <a:fillRef idx="0">
+            <a:schemeClr val="dk1"/>
+          </a:fillRef>
+          <a:effectRef idx="0">
+            <a:schemeClr val="dk1"/>
+          </a:effectRef>
+          <a:fontRef idx="minor">
+            <a:schemeClr val="tx1"/>
+          </a:fontRef>
+        </p:style>
+      </p:cxnSp>
+      <p:sp>
+        <p:nvSpPr>
+          <p:cNvPr id="159" name="矩形 158">
+            <a:extLst>
+              <a:ext uri="{FF2B5EF4-FFF2-40B4-BE49-F238E27FC236}">
+                <a16:creationId xmlns:a16="http://schemas.microsoft.com/office/drawing/2014/main" id="{ECE4CE36-5E36-F5D5-A40A-AE5F087EAA23}"/>
+              </a:ext>
+            </a:extLst>
+          </p:cNvPr>
+          <p:cNvSpPr/>
+          <p:nvPr/>
+        </p:nvSpPr>
+        <p:spPr>
+          <a:xfrm>
+            <a:off x="8246167" y="5143502"/>
+            <a:ext cx="297558" cy="1238247"/>
+          </a:xfrm>
+          <a:prstGeom prst="rect">
+            <a:avLst/>
+          </a:prstGeom>
+          <a:noFill/>
+        </p:spPr>
+        <p:style>
+          <a:lnRef idx="2">
+            <a:schemeClr val="accent1">
+              <a:shade val="50000"/>
+            </a:schemeClr>
+          </a:lnRef>
+          <a:fillRef idx="1">
+            <a:schemeClr val="accent1"/>
+          </a:fillRef>
+          <a:effectRef idx="0">
+            <a:schemeClr val="accent1"/>
+          </a:effectRef>
+          <a:fontRef idx="minor">
+            <a:schemeClr val="lt1"/>
+          </a:fontRef>
+        </p:style>
+        <p:txBody>
+          <a:bodyPr rtlCol="0" anchor="ctr"/>
+          <a:lstStyle/>
+          <a:p>
+            <a:pPr algn="ctr"/>
+            <a:r>
+              <a:rPr lang="zh-CN" altLang="en-US" sz="1200" dirty="0">
+                <a:solidFill>
+                  <a:schemeClr val="tx1"/>
+                </a:solidFill>
+              </a:rPr>
+              <a:t>大纲删改查</a:t>
+            </a:r>
+          </a:p>
+        </p:txBody>
+      </p:sp>
+      <p:cxnSp>
+        <p:nvCxnSpPr>
+          <p:cNvPr id="160" name="直接连接符 159">
+            <a:extLst>
+              <a:ext uri="{FF2B5EF4-FFF2-40B4-BE49-F238E27FC236}">
+                <a16:creationId xmlns:a16="http://schemas.microsoft.com/office/drawing/2014/main" id="{EAC69987-EE0C-8BF1-F34D-E21435F15DE3}"/>
+              </a:ext>
+            </a:extLst>
+          </p:cNvPr>
+          <p:cNvCxnSpPr>
+            <a:cxnSpLocks/>
+          </p:cNvCxnSpPr>
+          <p:nvPr/>
+        </p:nvCxnSpPr>
+        <p:spPr>
+          <a:xfrm flipH="1">
+            <a:off x="8014958" y="4967290"/>
+            <a:ext cx="2" cy="161925"/>
+          </a:xfrm>
+          <a:prstGeom prst="line">
+            <a:avLst/>
+          </a:prstGeom>
+        </p:spPr>
+        <p:style>
+          <a:lnRef idx="1">
+            <a:schemeClr val="dk1"/>
+          </a:lnRef>
+          <a:fillRef idx="0">
+            <a:schemeClr val="dk1"/>
+          </a:fillRef>
+          <a:effectRef idx="0">
+            <a:schemeClr val="dk1"/>
+          </a:effectRef>
+          <a:fontRef idx="minor">
+            <a:schemeClr val="tx1"/>
+          </a:fontRef>
+        </p:style>
+      </p:cxnSp>
+      <p:cxnSp>
+        <p:nvCxnSpPr>
+          <p:cNvPr id="161" name="直接连接符 160">
+            <a:extLst>
+              <a:ext uri="{FF2B5EF4-FFF2-40B4-BE49-F238E27FC236}">
+                <a16:creationId xmlns:a16="http://schemas.microsoft.com/office/drawing/2014/main" id="{90F0229E-6C28-65D0-567D-DFF7D7800859}"/>
+              </a:ext>
+            </a:extLst>
+          </p:cNvPr>
+          <p:cNvCxnSpPr>
+            <a:cxnSpLocks/>
+          </p:cNvCxnSpPr>
+          <p:nvPr/>
+        </p:nvCxnSpPr>
+        <p:spPr>
+          <a:xfrm flipH="1">
+            <a:off x="8385419" y="4967289"/>
+            <a:ext cx="2" cy="161925"/>
+          </a:xfrm>
+          <a:prstGeom prst="line">
+            <a:avLst/>
+          </a:prstGeom>
+        </p:spPr>
+        <p:style>
+          <a:lnRef idx="1">
+            <a:schemeClr val="dk1"/>
+          </a:lnRef>
+          <a:fillRef idx="0">
+            <a:schemeClr val="dk1"/>
+          </a:fillRef>
+          <a:effectRef idx="0">
+            <a:schemeClr val="dk1"/>
+          </a:effectRef>
+          <a:fontRef idx="minor">
+            <a:schemeClr val="tx1"/>
+          </a:fontRef>
+        </p:style>
+      </p:cxnSp>
+      <p:cxnSp>
+        <p:nvCxnSpPr>
+          <p:cNvPr id="162" name="直接连接符 161">
+            <a:extLst>
+              <a:ext uri="{FF2B5EF4-FFF2-40B4-BE49-F238E27FC236}">
+                <a16:creationId xmlns:a16="http://schemas.microsoft.com/office/drawing/2014/main" id="{46E9531A-1521-A345-76C1-BCBA294627B3}"/>
+              </a:ext>
+            </a:extLst>
+          </p:cNvPr>
+          <p:cNvCxnSpPr>
+            <a:cxnSpLocks/>
+          </p:cNvCxnSpPr>
+          <p:nvPr/>
+        </p:nvCxnSpPr>
+        <p:spPr>
+          <a:xfrm flipV="1">
+            <a:off x="8014958" y="4953000"/>
+            <a:ext cx="370461" cy="4765"/>
+          </a:xfrm>
+          <a:prstGeom prst="line">
+            <a:avLst/>
+          </a:prstGeom>
+        </p:spPr>
+        <p:style>
+          <a:lnRef idx="1">
+            <a:schemeClr val="dk1"/>
+          </a:lnRef>
+          <a:fillRef idx="0">
+            <a:schemeClr val="dk1"/>
+          </a:fillRef>
+          <a:effectRef idx="0">
+            <a:schemeClr val="dk1"/>
+          </a:effectRef>
+          <a:fontRef idx="minor">
+            <a:schemeClr val="tx1"/>
+          </a:fontRef>
+        </p:style>
+      </p:cxnSp>
+      <p:sp>
+        <p:nvSpPr>
+          <p:cNvPr id="170" name="矩形 169">
+            <a:extLst>
+              <a:ext uri="{FF2B5EF4-FFF2-40B4-BE49-F238E27FC236}">
+                <a16:creationId xmlns:a16="http://schemas.microsoft.com/office/drawing/2014/main" id="{63C9D089-5475-0EE2-DA0F-4014A2969BDA}"/>
+              </a:ext>
+            </a:extLst>
+          </p:cNvPr>
+          <p:cNvSpPr/>
+          <p:nvPr/>
+        </p:nvSpPr>
+        <p:spPr>
+          <a:xfrm>
+            <a:off x="8609451" y="5133977"/>
+            <a:ext cx="297557" cy="1252533"/>
+          </a:xfrm>
+          <a:prstGeom prst="rect">
+            <a:avLst/>
+          </a:prstGeom>
+          <a:noFill/>
+        </p:spPr>
+        <p:style>
+          <a:lnRef idx="2">
+            <a:schemeClr val="accent1">
+              <a:shade val="50000"/>
+            </a:schemeClr>
+          </a:lnRef>
+          <a:fillRef idx="1">
+            <a:schemeClr val="accent1"/>
+          </a:fillRef>
+          <a:effectRef idx="0">
+            <a:schemeClr val="accent1"/>
+          </a:effectRef>
+          <a:fontRef idx="minor">
+            <a:schemeClr val="lt1"/>
+          </a:fontRef>
+        </p:style>
+        <p:txBody>
+          <a:bodyPr rtlCol="0" anchor="ctr"/>
+          <a:lstStyle/>
+          <a:p>
+            <a:pPr algn="ctr"/>
+            <a:r>
+              <a:rPr lang="zh-CN" altLang="en-US" sz="1200" dirty="0">
+                <a:solidFill>
+                  <a:schemeClr val="tx1"/>
+                </a:solidFill>
+              </a:rPr>
+              <a:t>修改题库密码</a:t>
+            </a:r>
+          </a:p>
+        </p:txBody>
+      </p:sp>
+      <p:cxnSp>
+        <p:nvCxnSpPr>
+          <p:cNvPr id="171" name="直接连接符 170">
+            <a:extLst>
+              <a:ext uri="{FF2B5EF4-FFF2-40B4-BE49-F238E27FC236}">
+                <a16:creationId xmlns:a16="http://schemas.microsoft.com/office/drawing/2014/main" id="{6C827D43-5D53-A358-41FB-C8294A3DE252}"/>
+              </a:ext>
+            </a:extLst>
+          </p:cNvPr>
+          <p:cNvCxnSpPr>
+            <a:cxnSpLocks/>
+          </p:cNvCxnSpPr>
+          <p:nvPr/>
+        </p:nvCxnSpPr>
+        <p:spPr>
+          <a:xfrm>
+            <a:off x="8900064" y="4795839"/>
+            <a:ext cx="0" cy="138111"/>
+          </a:xfrm>
+          <a:prstGeom prst="line">
+            <a:avLst/>
+          </a:prstGeom>
+        </p:spPr>
+        <p:style>
+          <a:lnRef idx="1">
+            <a:schemeClr val="dk1"/>
+          </a:lnRef>
+          <a:fillRef idx="0">
+            <a:schemeClr val="dk1"/>
+          </a:fillRef>
+          <a:effectRef idx="0">
+            <a:schemeClr val="dk1"/>
+          </a:effectRef>
+          <a:fontRef idx="minor">
+            <a:schemeClr val="tx1"/>
+          </a:fontRef>
+        </p:style>
+      </p:cxnSp>
+      <p:sp>
+        <p:nvSpPr>
+          <p:cNvPr id="172" name="矩形 171">
+            <a:extLst>
+              <a:ext uri="{FF2B5EF4-FFF2-40B4-BE49-F238E27FC236}">
+                <a16:creationId xmlns:a16="http://schemas.microsoft.com/office/drawing/2014/main" id="{1150C2AB-5975-CDA0-3B50-B2972674F663}"/>
+              </a:ext>
+            </a:extLst>
+          </p:cNvPr>
+          <p:cNvSpPr/>
+          <p:nvPr/>
+        </p:nvSpPr>
+        <p:spPr>
+          <a:xfrm>
+            <a:off x="8979592" y="5124452"/>
+            <a:ext cx="297558" cy="1238247"/>
+          </a:xfrm>
+          <a:prstGeom prst="rect">
+            <a:avLst/>
+          </a:prstGeom>
+          <a:noFill/>
+        </p:spPr>
+        <p:style>
+          <a:lnRef idx="2">
+            <a:schemeClr val="accent1">
+              <a:shade val="50000"/>
+            </a:schemeClr>
+          </a:lnRef>
+          <a:fillRef idx="1">
+            <a:schemeClr val="accent1"/>
+          </a:fillRef>
+          <a:effectRef idx="0">
+            <a:schemeClr val="accent1"/>
+          </a:effectRef>
+          <a:fontRef idx="minor">
+            <a:schemeClr val="lt1"/>
+          </a:fontRef>
+        </p:style>
+        <p:txBody>
+          <a:bodyPr rtlCol="0" anchor="ctr"/>
+          <a:lstStyle/>
+          <a:p>
+            <a:pPr algn="ctr"/>
+            <a:r>
+              <a:rPr lang="zh-CN" altLang="en-US" sz="1200" dirty="0">
+                <a:solidFill>
+                  <a:schemeClr val="tx1"/>
+                </a:solidFill>
+              </a:rPr>
+              <a:t>题库删改查</a:t>
+            </a:r>
+          </a:p>
+        </p:txBody>
+      </p:sp>
+      <p:cxnSp>
+        <p:nvCxnSpPr>
+          <p:cNvPr id="173" name="直接连接符 172">
+            <a:extLst>
+              <a:ext uri="{FF2B5EF4-FFF2-40B4-BE49-F238E27FC236}">
+                <a16:creationId xmlns:a16="http://schemas.microsoft.com/office/drawing/2014/main" id="{8098D0D8-DF35-C0DA-80D2-E11051710EAB}"/>
+              </a:ext>
+            </a:extLst>
+          </p:cNvPr>
+          <p:cNvCxnSpPr>
+            <a:cxnSpLocks/>
+          </p:cNvCxnSpPr>
+          <p:nvPr/>
+        </p:nvCxnSpPr>
+        <p:spPr>
+          <a:xfrm flipH="1">
+            <a:off x="9137894" y="4948239"/>
+            <a:ext cx="2" cy="161925"/>
+          </a:xfrm>
+          <a:prstGeom prst="line">
+            <a:avLst/>
+          </a:prstGeom>
+        </p:spPr>
+        <p:style>
+          <a:lnRef idx="1">
+            <a:schemeClr val="dk1"/>
+          </a:lnRef>
+          <a:fillRef idx="0">
+            <a:schemeClr val="dk1"/>
+          </a:fillRef>
+          <a:effectRef idx="0">
+            <a:schemeClr val="dk1"/>
+          </a:effectRef>
+          <a:fontRef idx="minor">
+            <a:schemeClr val="tx1"/>
+          </a:fontRef>
+        </p:style>
+      </p:cxnSp>
+      <p:cxnSp>
+        <p:nvCxnSpPr>
+          <p:cNvPr id="174" name="直接连接符 173">
+            <a:extLst>
+              <a:ext uri="{FF2B5EF4-FFF2-40B4-BE49-F238E27FC236}">
+                <a16:creationId xmlns:a16="http://schemas.microsoft.com/office/drawing/2014/main" id="{C4FBE1CD-BD92-D0C9-AA35-24283C262FF6}"/>
+              </a:ext>
+            </a:extLst>
+          </p:cNvPr>
+          <p:cNvCxnSpPr>
+            <a:cxnSpLocks/>
+          </p:cNvCxnSpPr>
+          <p:nvPr/>
+        </p:nvCxnSpPr>
+        <p:spPr>
+          <a:xfrm>
+            <a:off x="8700758" y="4938715"/>
+            <a:ext cx="437138" cy="0"/>
+          </a:xfrm>
+          <a:prstGeom prst="line">
+            <a:avLst/>
+          </a:prstGeom>
+        </p:spPr>
+        <p:style>
+          <a:lnRef idx="1">
+            <a:schemeClr val="dk1"/>
+          </a:lnRef>
+          <a:fillRef idx="0">
+            <a:schemeClr val="dk1"/>
+          </a:fillRef>
+          <a:effectRef idx="0">
+            <a:schemeClr val="dk1"/>
+          </a:effectRef>
+          <a:fontRef idx="minor">
+            <a:schemeClr val="tx1"/>
+          </a:fontRef>
+        </p:style>
+      </p:cxnSp>
+      <p:cxnSp>
+        <p:nvCxnSpPr>
+          <p:cNvPr id="177" name="直接连接符 176">
+            <a:extLst>
+              <a:ext uri="{FF2B5EF4-FFF2-40B4-BE49-F238E27FC236}">
+                <a16:creationId xmlns:a16="http://schemas.microsoft.com/office/drawing/2014/main" id="{D5A9E27E-A831-9952-4058-45E1487AAB42}"/>
+              </a:ext>
+            </a:extLst>
+          </p:cNvPr>
+          <p:cNvCxnSpPr>
+            <a:cxnSpLocks/>
+          </p:cNvCxnSpPr>
+          <p:nvPr/>
+        </p:nvCxnSpPr>
+        <p:spPr>
+          <a:xfrm flipH="1">
+            <a:off x="8695341" y="4938715"/>
+            <a:ext cx="2" cy="161925"/>
+          </a:xfrm>
+          <a:prstGeom prst="line">
+            <a:avLst/>
+          </a:prstGeom>
+        </p:spPr>
+        <p:style>
+          <a:lnRef idx="1">
+            <a:schemeClr val="dk1"/>
+          </a:lnRef>
+          <a:fillRef idx="0">
+            <a:schemeClr val="dk1"/>
+          </a:fillRef>
+          <a:effectRef idx="0">
+            <a:schemeClr val="dk1"/>
+          </a:effectRef>
+          <a:fontRef idx="minor">
+            <a:schemeClr val="tx1"/>
+          </a:fontRef>
+        </p:style>
+      </p:cxnSp>
+      <p:cxnSp>
+        <p:nvCxnSpPr>
+          <p:cNvPr id="180" name="直接连接符 179">
+            <a:extLst>
+              <a:ext uri="{FF2B5EF4-FFF2-40B4-BE49-F238E27FC236}">
+                <a16:creationId xmlns:a16="http://schemas.microsoft.com/office/drawing/2014/main" id="{631CCC84-7041-548A-0875-9AD4BF0E333A}"/>
+              </a:ext>
+            </a:extLst>
+          </p:cNvPr>
+          <p:cNvCxnSpPr>
+            <a:cxnSpLocks/>
+          </p:cNvCxnSpPr>
+          <p:nvPr/>
+        </p:nvCxnSpPr>
+        <p:spPr>
+          <a:xfrm>
+            <a:off x="10066024" y="4795837"/>
+            <a:ext cx="0" cy="138111"/>
+          </a:xfrm>
+          <a:prstGeom prst="line">
+            <a:avLst/>
+          </a:prstGeom>
+        </p:spPr>
+        <p:style>
+          <a:lnRef idx="1">
+            <a:schemeClr val="dk1"/>
+          </a:lnRef>
+          <a:fillRef idx="0">
+            <a:schemeClr val="dk1"/>
+          </a:fillRef>
+          <a:effectRef idx="0">
+            <a:schemeClr val="dk1"/>
+          </a:effectRef>
+          <a:fontRef idx="minor">
+            <a:schemeClr val="tx1"/>
+          </a:fontRef>
+        </p:style>
+      </p:cxnSp>
+      <p:cxnSp>
+        <p:nvCxnSpPr>
+          <p:cNvPr id="181" name="直接连接符 180">
+            <a:extLst>
+              <a:ext uri="{FF2B5EF4-FFF2-40B4-BE49-F238E27FC236}">
+                <a16:creationId xmlns:a16="http://schemas.microsoft.com/office/drawing/2014/main" id="{37E52C61-BE8D-626A-3362-62442B5D421A}"/>
+              </a:ext>
+            </a:extLst>
+          </p:cNvPr>
+          <p:cNvCxnSpPr>
+            <a:cxnSpLocks/>
+          </p:cNvCxnSpPr>
+          <p:nvPr/>
+        </p:nvCxnSpPr>
+        <p:spPr>
+          <a:xfrm flipH="1">
+            <a:off x="10303854" y="4948237"/>
+            <a:ext cx="2" cy="161925"/>
+          </a:xfrm>
+          <a:prstGeom prst="line">
+            <a:avLst/>
+          </a:prstGeom>
+        </p:spPr>
+        <p:style>
+          <a:lnRef idx="1">
+            <a:schemeClr val="dk1"/>
+          </a:lnRef>
+          <a:fillRef idx="0">
+            <a:schemeClr val="dk1"/>
+          </a:fillRef>
+          <a:effectRef idx="0">
+            <a:schemeClr val="dk1"/>
+          </a:effectRef>
+          <a:fontRef idx="minor">
+            <a:schemeClr val="tx1"/>
+          </a:fontRef>
+        </p:style>
+      </p:cxnSp>
+      <p:cxnSp>
+        <p:nvCxnSpPr>
+          <p:cNvPr id="182" name="直接连接符 181">
+            <a:extLst>
+              <a:ext uri="{FF2B5EF4-FFF2-40B4-BE49-F238E27FC236}">
+                <a16:creationId xmlns:a16="http://schemas.microsoft.com/office/drawing/2014/main" id="{8659871D-1D2E-F9CA-C4E7-9EC5E60ED618}"/>
+              </a:ext>
+            </a:extLst>
+          </p:cNvPr>
+          <p:cNvCxnSpPr>
+            <a:cxnSpLocks/>
+          </p:cNvCxnSpPr>
+          <p:nvPr/>
+        </p:nvCxnSpPr>
+        <p:spPr>
+          <a:xfrm>
+            <a:off x="9604104" y="4933948"/>
+            <a:ext cx="699752" cy="4765"/>
+          </a:xfrm>
+          <a:prstGeom prst="line">
+            <a:avLst/>
+          </a:prstGeom>
+        </p:spPr>
+        <p:style>
+          <a:lnRef idx="1">
+            <a:schemeClr val="dk1"/>
+          </a:lnRef>
+          <a:fillRef idx="0">
+            <a:schemeClr val="dk1"/>
+          </a:fillRef>
+          <a:effectRef idx="0">
+            <a:schemeClr val="dk1"/>
+          </a:effectRef>
+          <a:fontRef idx="minor">
+            <a:schemeClr val="tx1"/>
+          </a:fontRef>
+        </p:style>
+      </p:cxnSp>
+      <p:cxnSp>
+        <p:nvCxnSpPr>
+          <p:cNvPr id="183" name="直接连接符 182">
+            <a:extLst>
+              <a:ext uri="{FF2B5EF4-FFF2-40B4-BE49-F238E27FC236}">
+                <a16:creationId xmlns:a16="http://schemas.microsoft.com/office/drawing/2014/main" id="{C0E135A8-2867-E439-4B75-40469758F176}"/>
+              </a:ext>
+            </a:extLst>
+          </p:cNvPr>
+          <p:cNvCxnSpPr>
+            <a:cxnSpLocks/>
+          </p:cNvCxnSpPr>
+          <p:nvPr/>
+        </p:nvCxnSpPr>
+        <p:spPr>
+          <a:xfrm flipH="1">
+            <a:off x="9604104" y="4938713"/>
+            <a:ext cx="2" cy="161925"/>
+          </a:xfrm>
+          <a:prstGeom prst="line">
+            <a:avLst/>
+          </a:prstGeom>
+        </p:spPr>
+        <p:style>
+          <a:lnRef idx="1">
+            <a:schemeClr val="dk1"/>
+          </a:lnRef>
+          <a:fillRef idx="0">
+            <a:schemeClr val="dk1"/>
+          </a:fillRef>
+          <a:effectRef idx="0">
+            <a:schemeClr val="dk1"/>
+          </a:effectRef>
+          <a:fontRef idx="minor">
+            <a:schemeClr val="tx1"/>
+          </a:fontRef>
+        </p:style>
+      </p:cxnSp>
+      <p:sp>
+        <p:nvSpPr>
+          <p:cNvPr id="184" name="矩形 183">
+            <a:extLst>
+              <a:ext uri="{FF2B5EF4-FFF2-40B4-BE49-F238E27FC236}">
+                <a16:creationId xmlns:a16="http://schemas.microsoft.com/office/drawing/2014/main" id="{6A6CAAF3-4CCD-796D-B4CC-B4BAF6D48DA2}"/>
+              </a:ext>
+            </a:extLst>
+          </p:cNvPr>
+          <p:cNvSpPr/>
+          <p:nvPr/>
+        </p:nvSpPr>
+        <p:spPr>
+          <a:xfrm>
+            <a:off x="9489600" y="5124452"/>
+            <a:ext cx="216094" cy="1252533"/>
+          </a:xfrm>
+          <a:prstGeom prst="rect">
+            <a:avLst/>
+          </a:prstGeom>
+          <a:noFill/>
+        </p:spPr>
+        <p:style>
+          <a:lnRef idx="2">
+            <a:schemeClr val="accent1">
+              <a:shade val="50000"/>
+            </a:schemeClr>
+          </a:lnRef>
+          <a:fillRef idx="1">
+            <a:schemeClr val="accent1"/>
+          </a:fillRef>
+          <a:effectRef idx="0">
+            <a:schemeClr val="accent1"/>
+          </a:effectRef>
+          <a:fontRef idx="minor">
+            <a:schemeClr val="lt1"/>
+          </a:fontRef>
+        </p:style>
+        <p:txBody>
+          <a:bodyPr rtlCol="0" anchor="ctr"/>
+          <a:lstStyle/>
+          <a:p>
+            <a:pPr algn="ctr"/>
+            <a:r>
+              <a:rPr lang="zh-CN" altLang="en-US" sz="1200" dirty="0">
+                <a:solidFill>
+                  <a:schemeClr val="tx1"/>
+                </a:solidFill>
+              </a:rPr>
+              <a:t>自动组卷</a:t>
+            </a:r>
+          </a:p>
+        </p:txBody>
+      </p:sp>
+      <p:sp>
+        <p:nvSpPr>
+          <p:cNvPr id="186" name="矩形 185">
+            <a:extLst>
+              <a:ext uri="{FF2B5EF4-FFF2-40B4-BE49-F238E27FC236}">
+                <a16:creationId xmlns:a16="http://schemas.microsoft.com/office/drawing/2014/main" id="{AE62417F-EC28-97D5-D260-88D1377E8FEC}"/>
+              </a:ext>
+            </a:extLst>
+          </p:cNvPr>
+          <p:cNvSpPr/>
+          <p:nvPr/>
+        </p:nvSpPr>
+        <p:spPr>
+          <a:xfrm>
+            <a:off x="9828672" y="5124452"/>
+            <a:ext cx="216094" cy="1252533"/>
+          </a:xfrm>
+          <a:prstGeom prst="rect">
+            <a:avLst/>
+          </a:prstGeom>
+          <a:noFill/>
+        </p:spPr>
+        <p:style>
+          <a:lnRef idx="2">
+            <a:schemeClr val="accent1">
+              <a:shade val="50000"/>
+            </a:schemeClr>
+          </a:lnRef>
+          <a:fillRef idx="1">
+            <a:schemeClr val="accent1"/>
+          </a:fillRef>
+          <a:effectRef idx="0">
+            <a:schemeClr val="accent1"/>
+          </a:effectRef>
+          <a:fontRef idx="minor">
+            <a:schemeClr val="lt1"/>
+          </a:fontRef>
+        </p:style>
+        <p:txBody>
+          <a:bodyPr rtlCol="0" anchor="ctr"/>
+          <a:lstStyle/>
+          <a:p>
+            <a:pPr algn="ctr"/>
+            <a:r>
+              <a:rPr lang="zh-CN" altLang="en-US" sz="1200" dirty="0">
+                <a:solidFill>
+                  <a:schemeClr val="tx1"/>
+                </a:solidFill>
+              </a:rPr>
+              <a:t>手动组卷</a:t>
+            </a:r>
+          </a:p>
+        </p:txBody>
+      </p:sp>
+      <p:sp>
+        <p:nvSpPr>
+          <p:cNvPr id="187" name="矩形 186">
+            <a:extLst>
+              <a:ext uri="{FF2B5EF4-FFF2-40B4-BE49-F238E27FC236}">
+                <a16:creationId xmlns:a16="http://schemas.microsoft.com/office/drawing/2014/main" id="{7CB44747-FB48-F131-DEF0-9D9B5F6480AE}"/>
+              </a:ext>
+            </a:extLst>
+          </p:cNvPr>
+          <p:cNvSpPr/>
+          <p:nvPr/>
+        </p:nvSpPr>
+        <p:spPr>
+          <a:xfrm>
+            <a:off x="10160715" y="5124452"/>
+            <a:ext cx="216094" cy="1252533"/>
+          </a:xfrm>
+          <a:prstGeom prst="rect">
+            <a:avLst/>
+          </a:prstGeom>
+          <a:noFill/>
+        </p:spPr>
+        <p:style>
+          <a:lnRef idx="2">
+            <a:schemeClr val="accent1">
+              <a:shade val="50000"/>
+            </a:schemeClr>
+          </a:lnRef>
+          <a:fillRef idx="1">
+            <a:schemeClr val="accent1"/>
+          </a:fillRef>
+          <a:effectRef idx="0">
+            <a:schemeClr val="accent1"/>
+          </a:effectRef>
+          <a:fontRef idx="minor">
+            <a:schemeClr val="lt1"/>
+          </a:fontRef>
+        </p:style>
+        <p:txBody>
+          <a:bodyPr rtlCol="0" anchor="ctr"/>
+          <a:lstStyle/>
+          <a:p>
+            <a:pPr algn="ctr"/>
+            <a:r>
+              <a:rPr lang="zh-CN" altLang="en-US" sz="1200" dirty="0">
+                <a:solidFill>
+                  <a:schemeClr val="tx1"/>
+                </a:solidFill>
+              </a:rPr>
+              <a:t>发布考试</a:t>
+            </a:r>
+          </a:p>
+        </p:txBody>
+      </p:sp>
+      <p:cxnSp>
+        <p:nvCxnSpPr>
+          <p:cNvPr id="190" name="直接连接符 189">
+            <a:extLst>
+              <a:ext uri="{FF2B5EF4-FFF2-40B4-BE49-F238E27FC236}">
+                <a16:creationId xmlns:a16="http://schemas.microsoft.com/office/drawing/2014/main" id="{29C5329E-AF16-F752-34C1-2F5326FEA44B}"/>
+              </a:ext>
+            </a:extLst>
+          </p:cNvPr>
+          <p:cNvCxnSpPr>
+            <a:cxnSpLocks/>
+          </p:cNvCxnSpPr>
+          <p:nvPr/>
+        </p:nvCxnSpPr>
+        <p:spPr>
+          <a:xfrm flipH="1">
+            <a:off x="9947004" y="4948238"/>
+            <a:ext cx="2" cy="161925"/>
+          </a:xfrm>
+          <a:prstGeom prst="line">
+            <a:avLst/>
+          </a:prstGeom>
+        </p:spPr>
+        <p:style>
+          <a:lnRef idx="1">
+            <a:schemeClr val="dk1"/>
+          </a:lnRef>
+          <a:fillRef idx="0">
+            <a:schemeClr val="dk1"/>
+          </a:fillRef>
+          <a:effectRef idx="0">
+            <a:schemeClr val="dk1"/>
+          </a:effectRef>
+          <a:fontRef idx="minor">
+            <a:schemeClr val="tx1"/>
+          </a:fontRef>
+        </p:style>
+      </p:cxnSp>
+      <p:cxnSp>
+        <p:nvCxnSpPr>
+          <p:cNvPr id="192" name="直接连接符 191">
+            <a:extLst>
+              <a:ext uri="{FF2B5EF4-FFF2-40B4-BE49-F238E27FC236}">
+                <a16:creationId xmlns:a16="http://schemas.microsoft.com/office/drawing/2014/main" id="{2150A5E9-D3AB-510A-7158-36E689D8AA66}"/>
+              </a:ext>
+            </a:extLst>
+          </p:cNvPr>
+          <p:cNvCxnSpPr>
+            <a:cxnSpLocks/>
+          </p:cNvCxnSpPr>
+          <p:nvPr/>
+        </p:nvCxnSpPr>
+        <p:spPr>
+          <a:xfrm flipH="1">
+            <a:off x="11466660" y="2438400"/>
+            <a:ext cx="2" cy="161925"/>
+          </a:xfrm>
+          <a:prstGeom prst="line">
+            <a:avLst/>
+          </a:prstGeom>
+        </p:spPr>
+        <p:style>
+          <a:lnRef idx="1">
+            <a:schemeClr val="dk1"/>
+          </a:lnRef>
+          <a:fillRef idx="0">
+            <a:schemeClr val="dk1"/>
+          </a:fillRef>
+          <a:effectRef idx="0">
+            <a:schemeClr val="dk1"/>
+          </a:effectRef>
+          <a:fontRef idx="minor">
+            <a:schemeClr val="tx1"/>
+          </a:fontRef>
+        </p:style>
+      </p:cxnSp>
+      <p:cxnSp>
+        <p:nvCxnSpPr>
+          <p:cNvPr id="194" name="直接连接符 193">
+            <a:extLst>
+              <a:ext uri="{FF2B5EF4-FFF2-40B4-BE49-F238E27FC236}">
+                <a16:creationId xmlns:a16="http://schemas.microsoft.com/office/drawing/2014/main" id="{F507D503-4512-8DA2-673D-2A3B091913C7}"/>
+              </a:ext>
+            </a:extLst>
+          </p:cNvPr>
+          <p:cNvCxnSpPr>
+            <a:stCxn id="41" idx="2"/>
+          </p:cNvCxnSpPr>
+          <p:nvPr/>
+        </p:nvCxnSpPr>
+        <p:spPr>
+          <a:xfrm flipH="1">
+            <a:off x="11401121" y="4791075"/>
+            <a:ext cx="1" cy="142873"/>
+          </a:xfrm>
+          <a:prstGeom prst="line">
+            <a:avLst/>
+          </a:prstGeom>
+        </p:spPr>
+        <p:style>
+          <a:lnRef idx="1">
+            <a:schemeClr val="dk1"/>
+          </a:lnRef>
+          <a:fillRef idx="0">
+            <a:schemeClr val="dk1"/>
+          </a:fillRef>
+          <a:effectRef idx="0">
+            <a:schemeClr val="dk1"/>
+          </a:effectRef>
+          <a:fontRef idx="minor">
+            <a:schemeClr val="tx1"/>
+          </a:fontRef>
+        </p:style>
+      </p:cxnSp>
+      <p:cxnSp>
+        <p:nvCxnSpPr>
+          <p:cNvPr id="199" name="直接连接符 198">
+            <a:extLst>
+              <a:ext uri="{FF2B5EF4-FFF2-40B4-BE49-F238E27FC236}">
+                <a16:creationId xmlns:a16="http://schemas.microsoft.com/office/drawing/2014/main" id="{933BAF2B-F939-E24E-21A2-C01BC8109E3B}"/>
+              </a:ext>
+            </a:extLst>
+          </p:cNvPr>
+          <p:cNvCxnSpPr/>
+          <p:nvPr/>
+        </p:nvCxnSpPr>
+        <p:spPr>
+          <a:xfrm>
+            <a:off x="11205859" y="4933948"/>
+            <a:ext cx="390525" cy="0"/>
+          </a:xfrm>
+          <a:prstGeom prst="line">
+            <a:avLst/>
+          </a:prstGeom>
+        </p:spPr>
+        <p:style>
+          <a:lnRef idx="1">
+            <a:schemeClr val="dk1"/>
+          </a:lnRef>
+          <a:fillRef idx="0">
+            <a:schemeClr val="dk1"/>
+          </a:fillRef>
+          <a:effectRef idx="0">
+            <a:schemeClr val="dk1"/>
+          </a:effectRef>
+          <a:fontRef idx="minor">
+            <a:schemeClr val="tx1"/>
+          </a:fontRef>
+        </p:style>
+      </p:cxnSp>
+      <p:cxnSp>
+        <p:nvCxnSpPr>
+          <p:cNvPr id="201" name="直接连接符 200">
+            <a:extLst>
+              <a:ext uri="{FF2B5EF4-FFF2-40B4-BE49-F238E27FC236}">
+                <a16:creationId xmlns:a16="http://schemas.microsoft.com/office/drawing/2014/main" id="{7190568C-0784-6EA8-0EAC-71BF00ABA2EA}"/>
+              </a:ext>
+            </a:extLst>
+          </p:cNvPr>
+          <p:cNvCxnSpPr>
+            <a:cxnSpLocks/>
+          </p:cNvCxnSpPr>
+          <p:nvPr/>
+        </p:nvCxnSpPr>
+        <p:spPr>
+          <a:xfrm>
+            <a:off x="11205859" y="4943475"/>
+            <a:ext cx="0" cy="138113"/>
+          </a:xfrm>
+          <a:prstGeom prst="line">
+            <a:avLst/>
+          </a:prstGeom>
+        </p:spPr>
+        <p:style>
+          <a:lnRef idx="1">
+            <a:schemeClr val="dk1"/>
+          </a:lnRef>
+          <a:fillRef idx="0">
+            <a:schemeClr val="dk1"/>
+          </a:fillRef>
+          <a:effectRef idx="0">
+            <a:schemeClr val="dk1"/>
+          </a:effectRef>
+          <a:fontRef idx="minor">
+            <a:schemeClr val="tx1"/>
+          </a:fontRef>
+        </p:style>
+      </p:cxnSp>
+      <p:cxnSp>
+        <p:nvCxnSpPr>
+          <p:cNvPr id="203" name="直接连接符 202">
+            <a:extLst>
+              <a:ext uri="{FF2B5EF4-FFF2-40B4-BE49-F238E27FC236}">
+                <a16:creationId xmlns:a16="http://schemas.microsoft.com/office/drawing/2014/main" id="{7674F6F7-27D6-5BAE-70ED-5AFFB2F2AD93}"/>
+              </a:ext>
+            </a:extLst>
+          </p:cNvPr>
+          <p:cNvCxnSpPr>
+            <a:cxnSpLocks/>
+          </p:cNvCxnSpPr>
+          <p:nvPr/>
+        </p:nvCxnSpPr>
+        <p:spPr>
+          <a:xfrm>
+            <a:off x="11596384" y="4933948"/>
+            <a:ext cx="0" cy="138113"/>
+          </a:xfrm>
+          <a:prstGeom prst="line">
+            <a:avLst/>
+          </a:prstGeom>
+        </p:spPr>
+        <p:style>
+          <a:lnRef idx="1">
+            <a:schemeClr val="dk1"/>
+          </a:lnRef>
+          <a:fillRef idx="0">
+            <a:schemeClr val="dk1"/>
+          </a:fillRef>
+          <a:effectRef idx="0">
+            <a:schemeClr val="dk1"/>
+          </a:effectRef>
+          <a:fontRef idx="minor">
+            <a:schemeClr val="tx1"/>
+          </a:fontRef>
+        </p:style>
+      </p:cxnSp>
+      <p:sp>
+        <p:nvSpPr>
+          <p:cNvPr id="205" name="矩形 204">
+            <a:extLst>
+              <a:ext uri="{FF2B5EF4-FFF2-40B4-BE49-F238E27FC236}">
+                <a16:creationId xmlns:a16="http://schemas.microsoft.com/office/drawing/2014/main" id="{711DCA4B-0D2A-C44F-7AF6-5D913AC7FAA1}"/>
+              </a:ext>
+            </a:extLst>
+          </p:cNvPr>
+          <p:cNvSpPr/>
+          <p:nvPr/>
+        </p:nvSpPr>
+        <p:spPr>
+          <a:xfrm>
+            <a:off x="11038064" y="5091113"/>
+            <a:ext cx="297558" cy="1238247"/>
+          </a:xfrm>
+          <a:prstGeom prst="rect">
+            <a:avLst/>
+          </a:prstGeom>
+          <a:noFill/>
+        </p:spPr>
+        <p:style>
+          <a:lnRef idx="2">
+            <a:schemeClr val="accent1">
+              <a:shade val="50000"/>
+            </a:schemeClr>
+          </a:lnRef>
+          <a:fillRef idx="1">
+            <a:schemeClr val="accent1"/>
+          </a:fillRef>
+          <a:effectRef idx="0">
+            <a:schemeClr val="accent1"/>
+          </a:effectRef>
+          <a:fontRef idx="minor">
+            <a:schemeClr val="lt1"/>
+          </a:fontRef>
+        </p:style>
+        <p:txBody>
+          <a:bodyPr rtlCol="0" anchor="ctr"/>
+          <a:lstStyle/>
+          <a:p>
+            <a:pPr algn="ctr"/>
+            <a:r>
+              <a:rPr lang="zh-CN" altLang="en-US" sz="1100" dirty="0">
+                <a:solidFill>
+                  <a:schemeClr val="tx1"/>
+                </a:solidFill>
+              </a:rPr>
+              <a:t>客观题自动批阅</a:t>
+            </a:r>
+          </a:p>
+        </p:txBody>
+      </p:sp>
+      <p:sp>
+        <p:nvSpPr>
+          <p:cNvPr id="206" name="矩形 205">
+            <a:extLst>
+              <a:ext uri="{FF2B5EF4-FFF2-40B4-BE49-F238E27FC236}">
+                <a16:creationId xmlns:a16="http://schemas.microsoft.com/office/drawing/2014/main" id="{DEBD1049-550D-7E11-0798-45AD1EDB9753}"/>
+              </a:ext>
+            </a:extLst>
+          </p:cNvPr>
+          <p:cNvSpPr/>
+          <p:nvPr/>
+        </p:nvSpPr>
+        <p:spPr>
+          <a:xfrm>
+            <a:off x="11466608" y="5100638"/>
+            <a:ext cx="297558" cy="1238247"/>
+          </a:xfrm>
+          <a:prstGeom prst="rect">
+            <a:avLst/>
+          </a:prstGeom>
+          <a:noFill/>
+        </p:spPr>
+        <p:style>
+          <a:lnRef idx="2">
+            <a:schemeClr val="accent1">
+              <a:shade val="50000"/>
+            </a:schemeClr>
+          </a:lnRef>
+          <a:fillRef idx="1">
+            <a:schemeClr val="accent1"/>
+          </a:fillRef>
+          <a:effectRef idx="0">
+            <a:schemeClr val="accent1"/>
+          </a:effectRef>
+          <a:fontRef idx="minor">
+            <a:schemeClr val="lt1"/>
+          </a:fontRef>
+        </p:style>
+        <p:txBody>
+          <a:bodyPr rtlCol="0" anchor="ctr"/>
+          <a:lstStyle/>
+          <a:p>
+            <a:pPr algn="ctr"/>
+            <a:r>
+              <a:rPr lang="zh-CN" altLang="en-US" sz="1100" dirty="0">
+                <a:solidFill>
+                  <a:schemeClr val="tx1"/>
+                </a:solidFill>
+              </a:rPr>
+              <a:t>主观题手动批阅</a:t>
+            </a:r>
+          </a:p>
+        </p:txBody>
+      </p:sp>
+    </p:spTree>
+    <p:extLst>
+      <p:ext uri="{BB962C8B-B14F-4D97-AF65-F5344CB8AC3E}">
+        <p14:creationId xmlns:p14="http://schemas.microsoft.com/office/powerpoint/2010/main" val="3677585363"/>
+      </p:ext>
+    </p:extLst>
+  </p:cSld>
+  <p:clrMapOvr>
+    <a:masterClrMapping/>
+  </p:clrMapOvr>
+</p:sld>
+</file>
+
+<file path=ppt/slides/slide29.xml><?xml version="1.0" encoding="utf-8"?>
+<p:sld xmlns:a="http://schemas.openxmlformats.org/drawingml/2006/main" xmlns:r="http://schemas.openxmlformats.org/officeDocument/2006/relationships" xmlns:p="http://schemas.openxmlformats.org/presentationml/2006/main">
+  <p:cSld>
+    <p:spTree>
+      <p:nvGrpSpPr>
+        <p:cNvPr id="1" name=""/>
+        <p:cNvGrpSpPr/>
+        <p:nvPr/>
+      </p:nvGrpSpPr>
+      <p:grpSpPr>
+        <a:xfrm>
+          <a:off x="0" y="0"/>
+          <a:ext cx="0" cy="0"/>
+          <a:chOff x="0" y="0"/>
+          <a:chExt cx="0" cy="0"/>
+        </a:xfrm>
+      </p:grpSpPr>
+      <p:grpSp>
+        <p:nvGrpSpPr>
+          <p:cNvPr id="3" name="组合 2">
+            <a:extLst>
+              <a:ext uri="{FF2B5EF4-FFF2-40B4-BE49-F238E27FC236}">
+                <a16:creationId xmlns:a16="http://schemas.microsoft.com/office/drawing/2014/main" id="{94411FB1-1244-22B8-2440-665BA9BABC34}"/>
+              </a:ext>
+            </a:extLst>
+          </p:cNvPr>
+          <p:cNvGrpSpPr/>
+          <p:nvPr/>
+        </p:nvGrpSpPr>
+        <p:grpSpPr>
+          <a:xfrm>
+            <a:off x="4182427" y="1774190"/>
+            <a:ext cx="5579745" cy="3652520"/>
+            <a:chOff x="4182427" y="1774190"/>
+            <a:chExt cx="5579745" cy="3652520"/>
+          </a:xfrm>
+        </p:grpSpPr>
+        <p:pic>
+          <p:nvPicPr>
+            <p:cNvPr id="14" name="图片 13">
+              <a:extLst>
+                <a:ext uri="{FF2B5EF4-FFF2-40B4-BE49-F238E27FC236}">
+                  <a16:creationId xmlns:a16="http://schemas.microsoft.com/office/drawing/2014/main" id="{2D3724EE-D32B-5417-FB35-9BF914B19EFE}"/>
+                </a:ext>
+              </a:extLst>
+            </p:cNvPr>
+            <p:cNvPicPr>
+              <a:picLocks noChangeAspect="1"/>
+            </p:cNvPicPr>
+            <p:nvPr/>
+          </p:nvPicPr>
+          <p:blipFill>
+            <a:blip r:embed="rId2"/>
+            <a:stretch>
+              <a:fillRect/>
+            </a:stretch>
+          </p:blipFill>
+          <p:spPr>
+            <a:xfrm>
+              <a:off x="4182427" y="1774190"/>
+              <a:ext cx="5579745" cy="3652520"/>
+            </a:xfrm>
+            <a:prstGeom prst="rect">
+              <a:avLst/>
+            </a:prstGeom>
+          </p:spPr>
+        </p:pic>
+        <p:sp>
+          <p:nvSpPr>
+            <p:cNvPr id="2" name="矩形 1">
+              <a:extLst>
+                <a:ext uri="{FF2B5EF4-FFF2-40B4-BE49-F238E27FC236}">
+                  <a16:creationId xmlns:a16="http://schemas.microsoft.com/office/drawing/2014/main" id="{25C4EACF-307D-0D8C-B5EA-5770D58E7848}"/>
+                </a:ext>
+              </a:extLst>
+            </p:cNvPr>
+            <p:cNvSpPr/>
+            <p:nvPr/>
+          </p:nvSpPr>
+          <p:spPr>
+            <a:xfrm>
+              <a:off x="4552950" y="4210050"/>
+              <a:ext cx="371476" cy="171450"/>
+            </a:xfrm>
+            <a:prstGeom prst="rect">
+              <a:avLst/>
+            </a:prstGeom>
+            <a:solidFill>
+              <a:schemeClr val="bg1"/>
+            </a:solidFill>
+            <a:ln>
+              <a:noFill/>
+            </a:ln>
+          </p:spPr>
+          <p:style>
+            <a:lnRef idx="2">
+              <a:schemeClr val="accent1">
+                <a:shade val="50000"/>
+              </a:schemeClr>
+            </a:lnRef>
+            <a:fillRef idx="1">
+              <a:schemeClr val="accent1"/>
+            </a:fillRef>
+            <a:effectRef idx="0">
+              <a:schemeClr val="accent1"/>
+            </a:effectRef>
+            <a:fontRef idx="minor">
+              <a:schemeClr val="lt1"/>
+            </a:fontRef>
+          </p:style>
+          <p:txBody>
+            <a:bodyPr rtlCol="0" anchor="ctr"/>
+            <a:lstStyle/>
+            <a:p>
+              <a:pPr algn="ctr"/>
+              <a:r>
+                <a:rPr lang="en-US" altLang="zh-CN" sz="1000" dirty="0">
+                  <a:solidFill>
+                    <a:schemeClr val="tx1"/>
+                  </a:solidFill>
+                </a:rPr>
+                <a:t>No</a:t>
+              </a:r>
+              <a:endParaRPr lang="zh-CN" altLang="en-US" sz="1200" dirty="0">
+                <a:solidFill>
+                  <a:schemeClr val="tx1"/>
+                </a:solidFill>
+              </a:endParaRPr>
+            </a:p>
+          </p:txBody>
+        </p:sp>
+        <p:sp>
+          <p:nvSpPr>
+            <p:cNvPr id="18" name="矩形 17">
+              <a:extLst>
+                <a:ext uri="{FF2B5EF4-FFF2-40B4-BE49-F238E27FC236}">
+                  <a16:creationId xmlns:a16="http://schemas.microsoft.com/office/drawing/2014/main" id="{6D2B95A1-A291-DA88-67E8-E575A343E702}"/>
+                </a:ext>
+              </a:extLst>
+            </p:cNvPr>
+            <p:cNvSpPr/>
+            <p:nvPr/>
+          </p:nvSpPr>
+          <p:spPr>
+            <a:xfrm>
+              <a:off x="8572500" y="4686300"/>
+              <a:ext cx="371476" cy="171450"/>
+            </a:xfrm>
+            <a:prstGeom prst="rect">
+              <a:avLst/>
+            </a:prstGeom>
+            <a:solidFill>
+              <a:schemeClr val="bg1"/>
+            </a:solidFill>
+            <a:ln>
+              <a:noFill/>
+            </a:ln>
+          </p:spPr>
+          <p:style>
+            <a:lnRef idx="2">
+              <a:schemeClr val="accent1">
+                <a:shade val="50000"/>
+              </a:schemeClr>
+            </a:lnRef>
+            <a:fillRef idx="1">
+              <a:schemeClr val="accent1"/>
+            </a:fillRef>
+            <a:effectRef idx="0">
+              <a:schemeClr val="accent1"/>
+            </a:effectRef>
+            <a:fontRef idx="minor">
+              <a:schemeClr val="lt1"/>
+            </a:fontRef>
+          </p:style>
+          <p:txBody>
+            <a:bodyPr rtlCol="0" anchor="ctr"/>
+            <a:lstStyle/>
+            <a:p>
+              <a:pPr algn="ctr"/>
+              <a:r>
+                <a:rPr lang="en-US" altLang="zh-CN" sz="1000" dirty="0">
+                  <a:solidFill>
+                    <a:schemeClr val="tx1"/>
+                  </a:solidFill>
+                </a:rPr>
+                <a:t>No</a:t>
+              </a:r>
+              <a:endParaRPr lang="zh-CN" altLang="en-US" sz="1200" dirty="0">
+                <a:solidFill>
+                  <a:schemeClr val="tx1"/>
+                </a:solidFill>
+              </a:endParaRPr>
+            </a:p>
+          </p:txBody>
+        </p:sp>
+      </p:grpSp>
+    </p:spTree>
+    <p:extLst>
+      <p:ext uri="{BB962C8B-B14F-4D97-AF65-F5344CB8AC3E}">
+        <p14:creationId xmlns:p14="http://schemas.microsoft.com/office/powerpoint/2010/main" val="1795861871"/>
       </p:ext>
     </p:extLst>
   </p:cSld>
